--- a/파이썬기초(PPT)/파이썬 기초 7강_반복문.pptx
+++ b/파이썬기초(PPT)/파이썬 기초 7강_반복문.pptx
@@ -17,7 +17,7 @@
     <p:sldId id="289" r:id="rId11"/>
     <p:sldId id="287" r:id="rId12"/>
     <p:sldId id="290" r:id="rId13"/>
-    <p:sldId id="292" r:id="rId14"/>
+    <p:sldId id="300" r:id="rId14"/>
     <p:sldId id="293" r:id="rId15"/>
     <p:sldId id="294" r:id="rId16"/>
     <p:sldId id="295" r:id="rId17"/>
@@ -322,7 +322,7 @@
           <a:p>
             <a:fld id="{FB30EDBD-1C2D-4C1E-B459-B60219FAB484}" type="datetimeFigureOut">
               <a:rPr lang="ko-KR" altLang="en-US" smtClean="0"/>
-              <a:t>2020-12-12</a:t>
+              <a:t>2021-02-05</a:t>
             </a:fld>
             <a:endParaRPr lang="ko-KR" altLang="en-US"/>
           </a:p>
@@ -485,7 +485,7 @@
           <a:p>
             <a:fld id="{FB30EDBD-1C2D-4C1E-B459-B60219FAB484}" type="datetimeFigureOut">
               <a:rPr lang="ko-KR" altLang="en-US" smtClean="0"/>
-              <a:t>2020-12-12</a:t>
+              <a:t>2021-02-05</a:t>
             </a:fld>
             <a:endParaRPr lang="ko-KR" altLang="en-US"/>
           </a:p>
@@ -658,7 +658,7 @@
           <a:p>
             <a:fld id="{FB30EDBD-1C2D-4C1E-B459-B60219FAB484}" type="datetimeFigureOut">
               <a:rPr lang="ko-KR" altLang="en-US" smtClean="0"/>
-              <a:t>2020-12-12</a:t>
+              <a:t>2021-02-05</a:t>
             </a:fld>
             <a:endParaRPr lang="ko-KR" altLang="en-US"/>
           </a:p>
@@ -821,7 +821,7 @@
           <a:p>
             <a:fld id="{FB30EDBD-1C2D-4C1E-B459-B60219FAB484}" type="datetimeFigureOut">
               <a:rPr lang="ko-KR" altLang="en-US" smtClean="0"/>
-              <a:t>2020-12-12</a:t>
+              <a:t>2021-02-05</a:t>
             </a:fld>
             <a:endParaRPr lang="ko-KR" altLang="en-US"/>
           </a:p>
@@ -1061,7 +1061,7 @@
           <a:p>
             <a:fld id="{FB30EDBD-1C2D-4C1E-B459-B60219FAB484}" type="datetimeFigureOut">
               <a:rPr lang="ko-KR" altLang="en-US" smtClean="0"/>
-              <a:t>2020-12-12</a:t>
+              <a:t>2021-02-05</a:t>
             </a:fld>
             <a:endParaRPr lang="ko-KR" altLang="en-US"/>
           </a:p>
@@ -1341,7 +1341,7 @@
           <a:p>
             <a:fld id="{FB30EDBD-1C2D-4C1E-B459-B60219FAB484}" type="datetimeFigureOut">
               <a:rPr lang="ko-KR" altLang="en-US" smtClean="0"/>
-              <a:t>2020-12-12</a:t>
+              <a:t>2021-02-05</a:t>
             </a:fld>
             <a:endParaRPr lang="ko-KR" altLang="en-US"/>
           </a:p>
@@ -1755,7 +1755,7 @@
           <a:p>
             <a:fld id="{FB30EDBD-1C2D-4C1E-B459-B60219FAB484}" type="datetimeFigureOut">
               <a:rPr lang="ko-KR" altLang="en-US" smtClean="0"/>
-              <a:t>2020-12-12</a:t>
+              <a:t>2021-02-05</a:t>
             </a:fld>
             <a:endParaRPr lang="ko-KR" altLang="en-US"/>
           </a:p>
@@ -1867,7 +1867,7 @@
           <a:p>
             <a:fld id="{FB30EDBD-1C2D-4C1E-B459-B60219FAB484}" type="datetimeFigureOut">
               <a:rPr lang="ko-KR" altLang="en-US" smtClean="0"/>
-              <a:t>2020-12-12</a:t>
+              <a:t>2021-02-05</a:t>
             </a:fld>
             <a:endParaRPr lang="ko-KR" altLang="en-US"/>
           </a:p>
@@ -1957,7 +1957,7 @@
           <a:p>
             <a:fld id="{FB30EDBD-1C2D-4C1E-B459-B60219FAB484}" type="datetimeFigureOut">
               <a:rPr lang="ko-KR" altLang="en-US" smtClean="0"/>
-              <a:t>2020-12-12</a:t>
+              <a:t>2021-02-05</a:t>
             </a:fld>
             <a:endParaRPr lang="ko-KR" altLang="en-US"/>
           </a:p>
@@ -2227,7 +2227,7 @@
           <a:p>
             <a:fld id="{FB30EDBD-1C2D-4C1E-B459-B60219FAB484}" type="datetimeFigureOut">
               <a:rPr lang="ko-KR" altLang="en-US" smtClean="0"/>
-              <a:t>2020-12-12</a:t>
+              <a:t>2021-02-05</a:t>
             </a:fld>
             <a:endParaRPr lang="ko-KR" altLang="en-US"/>
           </a:p>
@@ -2474,7 +2474,7 @@
           <a:p>
             <a:fld id="{FB30EDBD-1C2D-4C1E-B459-B60219FAB484}" type="datetimeFigureOut">
               <a:rPr lang="ko-KR" altLang="en-US" smtClean="0"/>
-              <a:t>2020-12-12</a:t>
+              <a:t>2021-02-05</a:t>
             </a:fld>
             <a:endParaRPr lang="ko-KR" altLang="en-US"/>
           </a:p>
@@ -2680,7 +2680,7 @@
           <a:p>
             <a:fld id="{FB30EDBD-1C2D-4C1E-B459-B60219FAB484}" type="datetimeFigureOut">
               <a:rPr lang="ko-KR" altLang="en-US" smtClean="0"/>
-              <a:t>2020-12-12</a:t>
+              <a:t>2021-02-05</a:t>
             </a:fld>
             <a:endParaRPr lang="ko-KR" altLang="en-US"/>
           </a:p>
@@ -3072,7 +3072,7 @@
         </p:nvSpPr>
         <p:spPr>
           <a:xfrm>
-            <a:off x="2015716" y="2081210"/>
+            <a:off x="1980852" y="1759924"/>
             <a:ext cx="5112568" cy="2695581"/>
           </a:xfrm>
           <a:prstGeom prst="rect">
@@ -3388,7 +3388,7 @@
         </p:nvSpPr>
         <p:spPr>
           <a:xfrm>
-            <a:off x="683560" y="1719201"/>
+            <a:off x="650936" y="1340768"/>
             <a:ext cx="7772400" cy="2861927"/>
           </a:xfrm>
         </p:spPr>
@@ -3399,7 +3399,7 @@
           <a:lstStyle/>
           <a:p>
             <a:r>
-              <a:rPr lang="ko-KR" altLang="en-US" b="1" spc="-150" dirty="0">
+              <a:rPr lang="ko-KR" altLang="en-US" sz="4000" b="1" spc="-150" dirty="0">
                 <a:ln>
                   <a:solidFill>
                     <a:schemeClr val="accent1">
@@ -3416,7 +3416,7 @@
               <a:t>핵심만 </a:t>
             </a:r>
             <a:r>
-              <a:rPr lang="ko-KR" altLang="en-US" b="1" spc="-150" dirty="0">
+              <a:rPr lang="ko-KR" altLang="en-US" sz="4000" b="1" spc="-150" dirty="0">
                 <a:ln>
                   <a:solidFill>
                     <a:schemeClr val="accent1">
@@ -3436,7 +3436,7 @@
               <a:t>쏘</a:t>
             </a:r>
             <a:r>
-              <a:rPr lang="en-US" altLang="ko-KR" b="1" spc="-150" dirty="0">
+              <a:rPr lang="en-US" altLang="ko-KR" sz="4000" b="1" spc="-150" dirty="0">
                 <a:ln>
                   <a:solidFill>
                     <a:schemeClr val="accent1">
@@ -3456,7 +3456,7 @@
               <a:t>~</a:t>
             </a:r>
             <a:r>
-              <a:rPr lang="ko-KR" altLang="en-US" b="1" spc="-150" dirty="0">
+              <a:rPr lang="ko-KR" altLang="en-US" sz="4000" b="1" spc="-150" dirty="0">
                 <a:ln>
                   <a:solidFill>
                     <a:schemeClr val="accent1">
@@ -3476,7 +3476,7 @@
               <a:t>옥</a:t>
             </a:r>
             <a:br>
-              <a:rPr lang="en-US" altLang="ko-KR" b="1" spc="-150" dirty="0">
+              <a:rPr lang="en-US" altLang="ko-KR" sz="4000" b="1" spc="-150" dirty="0">
                 <a:ln>
                   <a:solidFill>
                     <a:schemeClr val="accent1">
@@ -3492,7 +3492,7 @@
               </a:rPr>
             </a:br>
             <a:br>
-              <a:rPr lang="en-US" altLang="ko-KR" b="1" spc="-150" dirty="0">
+              <a:rPr lang="en-US" altLang="ko-KR" sz="4000" b="1" spc="-150" dirty="0">
                 <a:ln>
                   <a:solidFill>
                     <a:schemeClr val="accent1">
@@ -3508,7 +3508,7 @@
               </a:rPr>
             </a:br>
             <a:r>
-              <a:rPr lang="ko-KR" altLang="en-US" b="1" spc="-150" dirty="0">
+              <a:rPr lang="ko-KR" altLang="en-US" sz="4000" b="1" spc="-150" dirty="0">
                 <a:ln>
                   <a:solidFill>
                     <a:schemeClr val="accent1">
@@ -3525,7 +3525,7 @@
               <a:t>파이썬 입문 </a:t>
             </a:r>
             <a:r>
-              <a:rPr lang="en-US" altLang="ko-KR" b="1" spc="-150" dirty="0">
+              <a:rPr lang="en-US" altLang="ko-KR" sz="4000" b="1" spc="-150" dirty="0">
                 <a:ln>
                   <a:solidFill>
                     <a:schemeClr val="accent1">
@@ -3542,7 +3542,7 @@
               <a:t>7</a:t>
             </a:r>
             <a:r>
-              <a:rPr lang="ko-KR" altLang="en-US" b="1" spc="-150" dirty="0">
+              <a:rPr lang="ko-KR" altLang="en-US" sz="4000" b="1" spc="-150" dirty="0">
                 <a:ln>
                   <a:solidFill>
                     <a:schemeClr val="accent1">
@@ -3559,7 +3559,7 @@
               <a:t>강</a:t>
             </a:r>
             <a:br>
-              <a:rPr lang="en-US" altLang="ko-KR" b="1" spc="-150" dirty="0">
+              <a:rPr lang="en-US" altLang="ko-KR" sz="4000" b="1" spc="-150" dirty="0">
                 <a:ln>
                   <a:solidFill>
                     <a:schemeClr val="accent1">
@@ -3575,7 +3575,7 @@
               </a:rPr>
             </a:br>
             <a:r>
-              <a:rPr lang="ko-KR" altLang="en-US" b="1" spc="-150" dirty="0" err="1">
+              <a:rPr lang="ko-KR" altLang="en-US" sz="4000" b="1" spc="-150" dirty="0" err="1">
                 <a:ln>
                   <a:solidFill>
                     <a:schemeClr val="accent1">
@@ -3591,7 +3591,7 @@
               </a:rPr>
               <a:t>반복문</a:t>
             </a:r>
-            <a:endParaRPr lang="ko-KR" altLang="en-US" b="1" spc="-150" dirty="0">
+            <a:endParaRPr lang="ko-KR" altLang="en-US" sz="4000" b="1" spc="-150" dirty="0">
               <a:ln>
                 <a:solidFill>
                   <a:schemeClr val="accent1">
@@ -3818,8 +3818,8 @@
         </p:nvSpPr>
         <p:spPr>
           <a:xfrm>
-            <a:off x="467544" y="836712"/>
-            <a:ext cx="3960440" cy="1887141"/>
+            <a:off x="773832" y="770929"/>
+            <a:ext cx="3024336" cy="1887141"/>
           </a:xfrm>
           <a:prstGeom prst="rect">
             <a:avLst/>
@@ -3855,7 +3855,7 @@
           <a:p>
             <a:pPr algn="l"/>
             <a:r>
-              <a:rPr lang="en-US" altLang="ko-KR" sz="4000" spc="-150" dirty="0">
+              <a:rPr lang="en-US" altLang="ko-KR" sz="3200" spc="-150" dirty="0">
                 <a:solidFill>
                   <a:schemeClr val="bg1">
                     <a:lumMod val="95000"/>
@@ -3867,7 +3867,7 @@
               <a:t>for </a:t>
             </a:r>
             <a:r>
-              <a:rPr lang="ko-KR" altLang="en-US" sz="4000" spc="-150" dirty="0">
+              <a:rPr lang="ko-KR" altLang="en-US" sz="3200" spc="-150" dirty="0">
                 <a:solidFill>
                   <a:schemeClr val="bg1">
                     <a:lumMod val="95000"/>
@@ -3879,7 +3879,7 @@
               <a:t>변수 </a:t>
             </a:r>
             <a:r>
-              <a:rPr lang="en-US" altLang="ko-KR" sz="4000" spc="-150" dirty="0">
+              <a:rPr lang="en-US" altLang="ko-KR" sz="3200" spc="-150" dirty="0">
                 <a:solidFill>
                   <a:schemeClr val="bg1">
                     <a:lumMod val="95000"/>
@@ -3891,7 +3891,19 @@
               <a:t>in </a:t>
             </a:r>
             <a:r>
-              <a:rPr lang="ko-KR" altLang="en-US" sz="4000" spc="-150" dirty="0">
+              <a:rPr lang="ko-KR" altLang="en-US" sz="3200" spc="-150" dirty="0">
+                <a:solidFill>
+                  <a:schemeClr val="accent6">
+                    <a:lumMod val="75000"/>
+                  </a:schemeClr>
+                </a:solidFill>
+                <a:latin typeface="나눔바른고딕" panose="020B0603020101020101" pitchFamily="50" charset="-127"/>
+                <a:ea typeface="나눔바른고딕" panose="020B0603020101020101" pitchFamily="50" charset="-127"/>
+              </a:rPr>
+              <a:t>리스트</a:t>
+            </a:r>
+            <a:r>
+              <a:rPr lang="en-US" altLang="ko-KR" sz="3200" spc="-150" dirty="0">
                 <a:solidFill>
                   <a:schemeClr val="bg1">
                     <a:lumMod val="95000"/>
@@ -3900,10 +3912,13 @@
                 <a:latin typeface="나눔바른고딕" panose="020B0603020101020101" pitchFamily="50" charset="-127"/>
                 <a:ea typeface="나눔바른고딕" panose="020B0603020101020101" pitchFamily="50" charset="-127"/>
               </a:rPr>
-              <a:t>리스트</a:t>
-            </a:r>
-            <a:r>
-              <a:rPr lang="en-US" altLang="ko-KR" sz="4000" spc="-150" dirty="0">
+              <a:t>:</a:t>
+            </a:r>
+          </a:p>
+          <a:p>
+            <a:pPr algn="l"/>
+            <a:r>
+              <a:rPr lang="en-US" altLang="ko-KR" sz="3200" spc="-150" dirty="0">
                 <a:solidFill>
                   <a:schemeClr val="bg1">
                     <a:lumMod val="95000"/>
@@ -3912,25 +3927,10 @@
                 <a:latin typeface="나눔바른고딕" panose="020B0603020101020101" pitchFamily="50" charset="-127"/>
                 <a:ea typeface="나눔바른고딕" panose="020B0603020101020101" pitchFamily="50" charset="-127"/>
               </a:rPr>
-              <a:t>:</a:t>
-            </a:r>
-          </a:p>
-          <a:p>
-            <a:pPr algn="l"/>
-            <a:r>
-              <a:rPr lang="en-US" altLang="ko-KR" sz="4000" spc="-150" dirty="0">
-                <a:solidFill>
-                  <a:schemeClr val="bg1">
-                    <a:lumMod val="95000"/>
-                  </a:schemeClr>
-                </a:solidFill>
-                <a:latin typeface="나눔바른고딕" panose="020B0603020101020101" pitchFamily="50" charset="-127"/>
-                <a:ea typeface="나눔바른고딕" panose="020B0603020101020101" pitchFamily="50" charset="-127"/>
-              </a:rPr>
               <a:t>	</a:t>
             </a:r>
             <a:r>
-              <a:rPr lang="ko-KR" altLang="en-US" sz="4000" spc="-150" dirty="0">
+              <a:rPr lang="ko-KR" altLang="en-US" sz="3200" spc="-150" dirty="0">
                 <a:solidFill>
                   <a:schemeClr val="bg1">
                     <a:lumMod val="95000"/>
@@ -3960,8 +3960,8 @@
         </p:nvSpPr>
         <p:spPr>
           <a:xfrm>
-            <a:off x="4932040" y="836711"/>
-            <a:ext cx="3960440" cy="1887141"/>
+            <a:off x="5183560" y="836780"/>
+            <a:ext cx="3362672" cy="1887141"/>
           </a:xfrm>
           <a:prstGeom prst="rect">
             <a:avLst/>
@@ -3997,11 +3997,11 @@
           <a:p>
             <a:pPr algn="l"/>
             <a:r>
-              <a:rPr lang="en-US" altLang="ko-KR" sz="4000" spc="-150" dirty="0">
-                <a:solidFill>
-                  <a:schemeClr val="tx1">
-                    <a:lumMod val="50000"/>
-                    <a:lumOff val="50000"/>
+              <a:rPr lang="en-US" altLang="ko-KR" sz="3200" spc="-150" dirty="0">
+                <a:solidFill>
+                  <a:schemeClr val="tx1">
+                    <a:lumMod val="75000"/>
+                    <a:lumOff val="25000"/>
                   </a:schemeClr>
                 </a:solidFill>
                 <a:latin typeface="나눔바른고딕" panose="020B0603020101020101" pitchFamily="50" charset="-127"/>
@@ -4010,11 +4010,11 @@
               <a:t>for a</a:t>
             </a:r>
             <a:r>
-              <a:rPr lang="ko-KR" altLang="en-US" sz="4000" spc="-150" dirty="0">
-                <a:solidFill>
-                  <a:schemeClr val="tx1">
-                    <a:lumMod val="50000"/>
-                    <a:lumOff val="50000"/>
+              <a:rPr lang="ko-KR" altLang="en-US" sz="3200" spc="-150" dirty="0">
+                <a:solidFill>
+                  <a:schemeClr val="tx1">
+                    <a:lumMod val="75000"/>
+                    <a:lumOff val="25000"/>
                   </a:schemeClr>
                 </a:solidFill>
                 <a:latin typeface="나눔바른고딕" panose="020B0603020101020101" pitchFamily="50" charset="-127"/>
@@ -4023,27 +4023,52 @@
               <a:t> </a:t>
             </a:r>
             <a:r>
-              <a:rPr lang="en-US" altLang="ko-KR" sz="4000" spc="-150" dirty="0">
-                <a:solidFill>
-                  <a:schemeClr val="tx1">
-                    <a:lumMod val="50000"/>
-                    <a:lumOff val="50000"/>
-                  </a:schemeClr>
-                </a:solidFill>
-                <a:latin typeface="나눔바른고딕" panose="020B0603020101020101" pitchFamily="50" charset="-127"/>
-                <a:ea typeface="나눔바른고딕" panose="020B0603020101020101" pitchFamily="50" charset="-127"/>
-              </a:rPr>
-              <a:t>in [1, 2, 3, 4]:</a:t>
+              <a:rPr lang="en-US" altLang="ko-KR" sz="3200" spc="-150" dirty="0">
+                <a:solidFill>
+                  <a:schemeClr val="tx1">
+                    <a:lumMod val="75000"/>
+                    <a:lumOff val="25000"/>
+                  </a:schemeClr>
+                </a:solidFill>
+                <a:latin typeface="나눔바른고딕" panose="020B0603020101020101" pitchFamily="50" charset="-127"/>
+                <a:ea typeface="나눔바른고딕" panose="020B0603020101020101" pitchFamily="50" charset="-127"/>
+              </a:rPr>
+              <a:t>in </a:t>
+            </a:r>
+            <a:r>
+              <a:rPr lang="en-US" altLang="ko-KR" sz="3200" spc="-150" dirty="0">
+                <a:solidFill>
+                  <a:schemeClr val="accent6">
+                    <a:lumMod val="75000"/>
+                  </a:schemeClr>
+                </a:solidFill>
+                <a:latin typeface="나눔바른고딕" panose="020B0603020101020101" pitchFamily="50" charset="-127"/>
+                <a:ea typeface="나눔바른고딕" panose="020B0603020101020101" pitchFamily="50" charset="-127"/>
+              </a:rPr>
+              <a:t>[1, 2, 3, 4]</a:t>
+            </a:r>
+            <a:r>
+              <a:rPr lang="en-US" altLang="ko-KR" sz="3200" spc="-150" dirty="0">
+                <a:solidFill>
+                  <a:schemeClr val="tx1">
+                    <a:lumMod val="75000"/>
+                    <a:lumOff val="25000"/>
+                  </a:schemeClr>
+                </a:solidFill>
+                <a:latin typeface="나눔바른고딕" panose="020B0603020101020101" pitchFamily="50" charset="-127"/>
+                <a:ea typeface="나눔바른고딕" panose="020B0603020101020101" pitchFamily="50" charset="-127"/>
+              </a:rPr>
+              <a:t>:</a:t>
             </a:r>
           </a:p>
           <a:p>
             <a:pPr algn="l"/>
             <a:r>
-              <a:rPr lang="en-US" altLang="ko-KR" sz="4000" spc="-150" dirty="0">
-                <a:solidFill>
-                  <a:schemeClr val="tx1">
-                    <a:lumMod val="50000"/>
-                    <a:lumOff val="50000"/>
+              <a:rPr lang="en-US" altLang="ko-KR" sz="3200" spc="-150" dirty="0">
+                <a:solidFill>
+                  <a:schemeClr val="tx1">
+                    <a:lumMod val="75000"/>
+                    <a:lumOff val="25000"/>
                   </a:schemeClr>
                 </a:solidFill>
                 <a:latin typeface="나눔바른고딕" panose="020B0603020101020101" pitchFamily="50" charset="-127"/>
@@ -4051,11 +4076,11 @@
               </a:rPr>
               <a:t>	print(a)</a:t>
             </a:r>
-            <a:endParaRPr lang="ko-KR" altLang="en-US" sz="4000" spc="-150" dirty="0">
+            <a:endParaRPr lang="ko-KR" altLang="en-US" sz="3200" spc="-150" dirty="0">
               <a:solidFill>
                 <a:schemeClr val="tx1">
-                  <a:lumMod val="50000"/>
-                  <a:lumOff val="50000"/>
+                  <a:lumMod val="75000"/>
+                  <a:lumOff val="25000"/>
                 </a:schemeClr>
               </a:solidFill>
               <a:latin typeface="나눔바른고딕" panose="020B0603020101020101" pitchFamily="50" charset="-127"/>
@@ -4116,36 +4141,61 @@
           </a:lstStyle>
           <a:p>
             <a:r>
-              <a:rPr lang="ko-KR" altLang="en-US" sz="4000" spc="-150" dirty="0">
-                <a:solidFill>
-                  <a:schemeClr val="tx1">
-                    <a:lumMod val="50000"/>
-                    <a:lumOff val="50000"/>
-                  </a:schemeClr>
-                </a:solidFill>
-                <a:latin typeface="나눔바른고딕" panose="020B0603020101020101" pitchFamily="50" charset="-127"/>
-                <a:ea typeface="나눔바른고딕" panose="020B0603020101020101" pitchFamily="50" charset="-127"/>
-              </a:rPr>
-              <a:t>리스트안에 요소들을 하나씩 뽑아내면서 명령블록을 실행한다</a:t>
-            </a:r>
-            <a:r>
-              <a:rPr lang="en-US" altLang="ko-KR" sz="4000" spc="-150" dirty="0">
-                <a:solidFill>
-                  <a:schemeClr val="tx1">
-                    <a:lumMod val="50000"/>
-                    <a:lumOff val="50000"/>
-                  </a:schemeClr>
-                </a:solidFill>
-                <a:latin typeface="나눔바른고딕" panose="020B0603020101020101" pitchFamily="50" charset="-127"/>
-                <a:ea typeface="나눔바른고딕" panose="020B0603020101020101" pitchFamily="50" charset="-127"/>
-              </a:rPr>
-              <a:t>.</a:t>
-            </a:r>
-            <a:endParaRPr lang="ko-KR" altLang="en-US" sz="4000" spc="-150" dirty="0">
+              <a:rPr lang="ko-KR" altLang="en-US" sz="3200" spc="-150" dirty="0">
+                <a:solidFill>
+                  <a:schemeClr val="tx1">
+                    <a:lumMod val="75000"/>
+                    <a:lumOff val="25000"/>
+                  </a:schemeClr>
+                </a:solidFill>
+                <a:latin typeface="나눔바른고딕" panose="020B0603020101020101" pitchFamily="50" charset="-127"/>
+                <a:ea typeface="나눔바른고딕" panose="020B0603020101020101" pitchFamily="50" charset="-127"/>
+              </a:rPr>
+              <a:t>리스트안에 요소들을 하나씩 뽑아내면서 </a:t>
+            </a:r>
+            <a:endParaRPr lang="en-US" altLang="ko-KR" sz="3200" spc="-150" dirty="0">
               <a:solidFill>
                 <a:schemeClr val="tx1">
-                  <a:lumMod val="50000"/>
-                  <a:lumOff val="50000"/>
+                  <a:lumMod val="75000"/>
+                  <a:lumOff val="25000"/>
+                </a:schemeClr>
+              </a:solidFill>
+              <a:latin typeface="나눔바른고딕" panose="020B0603020101020101" pitchFamily="50" charset="-127"/>
+              <a:ea typeface="나눔바른고딕" panose="020B0603020101020101" pitchFamily="50" charset="-127"/>
+            </a:endParaRPr>
+          </a:p>
+          <a:p>
+            <a:r>
+              <a:rPr lang="ko-KR" altLang="en-US" sz="3200" spc="-150" dirty="0">
+                <a:solidFill>
+                  <a:schemeClr val="tx1">
+                    <a:lumMod val="75000"/>
+                    <a:lumOff val="25000"/>
+                  </a:schemeClr>
+                </a:solidFill>
+                <a:latin typeface="나눔바른고딕" panose="020B0603020101020101" pitchFamily="50" charset="-127"/>
+                <a:ea typeface="나눔바른고딕" panose="020B0603020101020101" pitchFamily="50" charset="-127"/>
+              </a:rPr>
+              <a:t>명령블록을 실행한다</a:t>
+            </a:r>
+            <a:r>
+              <a:rPr lang="en-US" altLang="ko-KR" sz="3200" spc="-150" dirty="0">
+                <a:solidFill>
+                  <a:schemeClr val="tx1">
+                    <a:lumMod val="75000"/>
+                    <a:lumOff val="25000"/>
+                  </a:schemeClr>
+                </a:solidFill>
+                <a:latin typeface="나눔바른고딕" panose="020B0603020101020101" pitchFamily="50" charset="-127"/>
+                <a:ea typeface="나눔바른고딕" panose="020B0603020101020101" pitchFamily="50" charset="-127"/>
+              </a:rPr>
+              <a:t>.</a:t>
+            </a:r>
+            <a:endParaRPr lang="ko-KR" altLang="en-US" sz="3200" spc="-150" dirty="0">
+              <a:solidFill>
+                <a:schemeClr val="tx1">
+                  <a:lumMod val="75000"/>
+                  <a:lumOff val="25000"/>
                 </a:schemeClr>
               </a:solidFill>
               <a:latin typeface="나눔바른고딕" panose="020B0603020101020101" pitchFamily="50" charset="-127"/>
@@ -4164,6 +4214,18 @@
   <p:clrMapOvr>
     <a:masterClrMapping/>
   </p:clrMapOvr>
+  <mc:AlternateContent xmlns:mc="http://schemas.openxmlformats.org/markup-compatibility/2006" xmlns:p159="http://schemas.microsoft.com/office/powerpoint/2015/09/main">
+    <mc:Choice Requires="p159">
+      <p:transition xmlns:p14="http://schemas.microsoft.com/office/powerpoint/2010/main" spd="slow" p14:dur="2000">
+        <p159:morph option="byObject"/>
+      </p:transition>
+    </mc:Choice>
+    <mc:Fallback xmlns="">
+      <p:transition spd="slow">
+        <p:fade/>
+      </p:transition>
+    </mc:Fallback>
+  </mc:AlternateContent>
   <p:timing>
     <p:tnLst>
       <p:par>
@@ -4441,8 +4503,8 @@
         </p:nvSpPr>
         <p:spPr>
           <a:xfrm>
-            <a:off x="0" y="0"/>
-            <a:ext cx="9144000" cy="2329233"/>
+            <a:off x="0" y="1"/>
+            <a:ext cx="9144000" cy="1340767"/>
           </a:xfrm>
           <a:prstGeom prst="rect">
             <a:avLst/>
@@ -4541,7 +4603,7 @@
         <p:spPr>
           <a:xfrm>
             <a:off x="467544" y="221045"/>
-            <a:ext cx="6408712" cy="1887141"/>
+            <a:ext cx="6408712" cy="903699"/>
           </a:xfrm>
           <a:prstGeom prst="rect">
             <a:avLst/>
@@ -4577,7 +4639,7 @@
           <a:p>
             <a:pPr algn="l"/>
             <a:r>
-              <a:rPr lang="ko-KR" altLang="en-US" sz="4000" spc="-150" dirty="0">
+              <a:rPr lang="ko-KR" altLang="en-US" sz="3200" spc="-150" dirty="0">
                 <a:solidFill>
                   <a:schemeClr val="bg1">
                     <a:lumMod val="95000"/>
@@ -4607,12 +4669,18 @@
         </p:nvSpPr>
         <p:spPr>
           <a:xfrm>
-            <a:off x="458129" y="3270051"/>
+            <a:off x="467544" y="1700808"/>
             <a:ext cx="8208912" cy="1887141"/>
           </a:xfrm>
           <a:prstGeom prst="rect">
             <a:avLst/>
           </a:prstGeom>
+          <a:solidFill>
+            <a:schemeClr val="accent6">
+              <a:lumMod val="20000"/>
+              <a:lumOff val="80000"/>
+            </a:schemeClr>
+          </a:solidFill>
           <a:ln>
             <a:solidFill>
               <a:schemeClr val="accent1">
@@ -4623,7 +4691,7 @@
         </p:spPr>
         <p:txBody>
           <a:bodyPr vert="horz" lIns="91440" tIns="45720" rIns="91440" bIns="45720" rtlCol="0" anchor="ctr">
-            <a:normAutofit lnSpcReduction="10000"/>
+            <a:normAutofit/>
           </a:bodyPr>
           <a:lstStyle>
             <a:lvl1pPr algn="ctr" defTabSz="914400" rtl="0" eaLnBrk="1" latinLnBrk="1" hangingPunct="1">
@@ -4644,11 +4712,11 @@
           <a:p>
             <a:pPr algn="l"/>
             <a:r>
-              <a:rPr lang="en-US" altLang="ko-KR" sz="4000" spc="-150" dirty="0">
-                <a:solidFill>
-                  <a:schemeClr val="tx1">
-                    <a:lumMod val="50000"/>
-                    <a:lumOff val="50000"/>
+              <a:rPr lang="en-US" altLang="ko-KR" sz="2800" spc="-150" dirty="0">
+                <a:solidFill>
+                  <a:schemeClr val="tx1">
+                    <a:lumMod val="75000"/>
+                    <a:lumOff val="25000"/>
                   </a:schemeClr>
                 </a:solidFill>
                 <a:latin typeface="나눔바른고딕" panose="020B0603020101020101" pitchFamily="50" charset="-127"/>
@@ -4657,11 +4725,11 @@
               <a:t>names = ["</a:t>
             </a:r>
             <a:r>
-              <a:rPr lang="ko-KR" altLang="en-US" sz="4000" spc="-150" dirty="0">
-                <a:solidFill>
-                  <a:schemeClr val="tx1">
-                    <a:lumMod val="50000"/>
-                    <a:lumOff val="50000"/>
+              <a:rPr lang="ko-KR" altLang="en-US" sz="2800" spc="-150" dirty="0">
+                <a:solidFill>
+                  <a:schemeClr val="tx1">
+                    <a:lumMod val="75000"/>
+                    <a:lumOff val="25000"/>
                   </a:schemeClr>
                 </a:solidFill>
                 <a:latin typeface="나눔바른고딕" panose="020B0603020101020101" pitchFamily="50" charset="-127"/>
@@ -4670,11 +4738,11 @@
               <a:t>한국</a:t>
             </a:r>
             <a:r>
-              <a:rPr lang="en-US" altLang="ko-KR" sz="4000" spc="-150" dirty="0">
-                <a:solidFill>
-                  <a:schemeClr val="tx1">
-                    <a:lumMod val="50000"/>
-                    <a:lumOff val="50000"/>
+              <a:rPr lang="en-US" altLang="ko-KR" sz="2800" spc="-150" dirty="0">
+                <a:solidFill>
+                  <a:schemeClr val="tx1">
+                    <a:lumMod val="75000"/>
+                    <a:lumOff val="25000"/>
                   </a:schemeClr>
                 </a:solidFill>
                 <a:latin typeface="나눔바른고딕" panose="020B0603020101020101" pitchFamily="50" charset="-127"/>
@@ -4683,11 +4751,11 @@
               <a:t>", "</a:t>
             </a:r>
             <a:r>
-              <a:rPr lang="ko-KR" altLang="en-US" sz="4000" spc="-150" dirty="0">
-                <a:solidFill>
-                  <a:schemeClr val="tx1">
-                    <a:lumMod val="50000"/>
-                    <a:lumOff val="50000"/>
+              <a:rPr lang="ko-KR" altLang="en-US" sz="2800" spc="-150" dirty="0">
+                <a:solidFill>
+                  <a:schemeClr val="tx1">
+                    <a:lumMod val="75000"/>
+                    <a:lumOff val="25000"/>
                   </a:schemeClr>
                 </a:solidFill>
                 <a:latin typeface="나눔바른고딕" panose="020B0603020101020101" pitchFamily="50" charset="-127"/>
@@ -4696,11 +4764,11 @@
               <a:t>중국</a:t>
             </a:r>
             <a:r>
-              <a:rPr lang="en-US" altLang="ko-KR" sz="4000" spc="-150" dirty="0">
-                <a:solidFill>
-                  <a:schemeClr val="tx1">
-                    <a:lumMod val="50000"/>
-                    <a:lumOff val="50000"/>
+              <a:rPr lang="en-US" altLang="ko-KR" sz="2800" spc="-150" dirty="0">
+                <a:solidFill>
+                  <a:schemeClr val="tx1">
+                    <a:lumMod val="75000"/>
+                    <a:lumOff val="25000"/>
                   </a:schemeClr>
                 </a:solidFill>
                 <a:latin typeface="나눔바른고딕" panose="020B0603020101020101" pitchFamily="50" charset="-127"/>
@@ -4709,11 +4777,11 @@
               <a:t>", "</a:t>
             </a:r>
             <a:r>
-              <a:rPr lang="ko-KR" altLang="en-US" sz="4000" spc="-150" dirty="0">
-                <a:solidFill>
-                  <a:schemeClr val="tx1">
-                    <a:lumMod val="50000"/>
-                    <a:lumOff val="50000"/>
+              <a:rPr lang="ko-KR" altLang="en-US" sz="2800" spc="-150" dirty="0">
+                <a:solidFill>
+                  <a:schemeClr val="tx1">
+                    <a:lumMod val="75000"/>
+                    <a:lumOff val="25000"/>
                   </a:schemeClr>
                 </a:solidFill>
                 <a:latin typeface="나눔바른고딕" panose="020B0603020101020101" pitchFamily="50" charset="-127"/>
@@ -4722,11 +4790,11 @@
               <a:t>일본</a:t>
             </a:r>
             <a:r>
-              <a:rPr lang="en-US" altLang="ko-KR" sz="4000" spc="-150" dirty="0">
-                <a:solidFill>
-                  <a:schemeClr val="tx1">
-                    <a:lumMod val="50000"/>
-                    <a:lumOff val="50000"/>
+              <a:rPr lang="en-US" altLang="ko-KR" sz="2800" spc="-150" dirty="0">
+                <a:solidFill>
+                  <a:schemeClr val="tx1">
+                    <a:lumMod val="75000"/>
+                    <a:lumOff val="25000"/>
                   </a:schemeClr>
                 </a:solidFill>
                 <a:latin typeface="나눔바른고딕" panose="020B0603020101020101" pitchFamily="50" charset="-127"/>
@@ -4738,11 +4806,11 @@
           <a:p>
             <a:pPr algn="l"/>
             <a:r>
-              <a:rPr lang="en-US" altLang="ko-KR" sz="4000" spc="-150" dirty="0">
-                <a:solidFill>
-                  <a:schemeClr val="tx1">
-                    <a:lumMod val="50000"/>
-                    <a:lumOff val="50000"/>
+              <a:rPr lang="en-US" altLang="ko-KR" sz="2800" spc="-150" dirty="0">
+                <a:solidFill>
+                  <a:schemeClr val="tx1">
+                    <a:lumMod val="75000"/>
+                    <a:lumOff val="25000"/>
                   </a:schemeClr>
                 </a:solidFill>
                 <a:latin typeface="나눔바른고딕" panose="020B0603020101020101" pitchFamily="50" charset="-127"/>
@@ -4754,17 +4822,201 @@
           <a:p>
             <a:pPr algn="l"/>
             <a:r>
-              <a:rPr lang="en-US" altLang="ko-KR" sz="4000" spc="-150" dirty="0">
-                <a:solidFill>
-                  <a:schemeClr val="tx1">
-                    <a:lumMod val="50000"/>
-                    <a:lumOff val="50000"/>
+              <a:rPr lang="en-US" altLang="ko-KR" sz="2800" spc="-150" dirty="0">
+                <a:solidFill>
+                  <a:schemeClr val="tx1">
+                    <a:lumMod val="75000"/>
+                    <a:lumOff val="25000"/>
                   </a:schemeClr>
                 </a:solidFill>
                 <a:latin typeface="나눔바른고딕" panose="020B0603020101020101" pitchFamily="50" charset="-127"/>
                 <a:ea typeface="나눔바른고딕" panose="020B0603020101020101" pitchFamily="50" charset="-127"/>
               </a:rPr>
               <a:t>	print(name)</a:t>
+            </a:r>
+          </a:p>
+        </p:txBody>
+      </p:sp>
+      <p:sp>
+        <p:nvSpPr>
+          <p:cNvPr id="6" name="제목 1">
+            <a:extLst>
+              <a:ext uri="{FF2B5EF4-FFF2-40B4-BE49-F238E27FC236}">
+                <a16:creationId xmlns:a16="http://schemas.microsoft.com/office/drawing/2014/main" id="{33B34102-A8DB-4F17-BB90-F7E06C50A5CB}"/>
+              </a:ext>
+            </a:extLst>
+          </p:cNvPr>
+          <p:cNvSpPr txBox="1">
+            <a:spLocks/>
+          </p:cNvSpPr>
+          <p:nvPr/>
+        </p:nvSpPr>
+        <p:spPr>
+          <a:xfrm>
+            <a:off x="467544" y="4077072"/>
+            <a:ext cx="8208912" cy="1887141"/>
+          </a:xfrm>
+          <a:prstGeom prst="rect">
+            <a:avLst/>
+          </a:prstGeom>
+          <a:solidFill>
+            <a:schemeClr val="accent6">
+              <a:lumMod val="20000"/>
+              <a:lumOff val="80000"/>
+            </a:schemeClr>
+          </a:solidFill>
+          <a:ln>
+            <a:solidFill>
+              <a:schemeClr val="accent1">
+                <a:alpha val="0"/>
+              </a:schemeClr>
+            </a:solidFill>
+          </a:ln>
+        </p:spPr>
+        <p:txBody>
+          <a:bodyPr vert="horz" lIns="91440" tIns="45720" rIns="91440" bIns="45720" rtlCol="0" anchor="ctr">
+            <a:normAutofit/>
+          </a:bodyPr>
+          <a:lstStyle>
+            <a:lvl1pPr algn="ctr" defTabSz="914400" rtl="0" eaLnBrk="1" latinLnBrk="1" hangingPunct="1">
+              <a:spcBef>
+                <a:spcPct val="0"/>
+              </a:spcBef>
+              <a:buNone/>
+              <a:defRPr sz="4400" kern="1200">
+                <a:solidFill>
+                  <a:schemeClr val="tx1"/>
+                </a:solidFill>
+                <a:latin typeface="+mj-lt"/>
+                <a:ea typeface="+mj-ea"/>
+                <a:cs typeface="+mj-cs"/>
+              </a:defRPr>
+            </a:lvl1pPr>
+          </a:lstStyle>
+          <a:p>
+            <a:pPr algn="l"/>
+            <a:r>
+              <a:rPr lang="en-US" altLang="ko-KR" sz="2800" spc="-150" dirty="0">
+                <a:solidFill>
+                  <a:schemeClr val="tx1">
+                    <a:lumMod val="75000"/>
+                    <a:lumOff val="25000"/>
+                  </a:schemeClr>
+                </a:solidFill>
+                <a:latin typeface="나눔바른고딕" panose="020B0603020101020101" pitchFamily="50" charset="-127"/>
+                <a:ea typeface="나눔바른고딕" panose="020B0603020101020101" pitchFamily="50" charset="-127"/>
+              </a:rPr>
+              <a:t>coffees = ["</a:t>
+            </a:r>
+            <a:r>
+              <a:rPr lang="ko-KR" altLang="en-US" sz="2800" spc="-150" dirty="0">
+                <a:solidFill>
+                  <a:schemeClr val="tx1">
+                    <a:lumMod val="75000"/>
+                    <a:lumOff val="25000"/>
+                  </a:schemeClr>
+                </a:solidFill>
+                <a:latin typeface="나눔바른고딕" panose="020B0603020101020101" pitchFamily="50" charset="-127"/>
+                <a:ea typeface="나눔바른고딕" panose="020B0603020101020101" pitchFamily="50" charset="-127"/>
+              </a:rPr>
+              <a:t>아메리카노</a:t>
+            </a:r>
+            <a:r>
+              <a:rPr lang="en-US" altLang="ko-KR" sz="2800" spc="-150" dirty="0">
+                <a:solidFill>
+                  <a:schemeClr val="tx1">
+                    <a:lumMod val="75000"/>
+                    <a:lumOff val="25000"/>
+                  </a:schemeClr>
+                </a:solidFill>
+                <a:latin typeface="나눔바른고딕" panose="020B0603020101020101" pitchFamily="50" charset="-127"/>
+                <a:ea typeface="나눔바른고딕" panose="020B0603020101020101" pitchFamily="50" charset="-127"/>
+              </a:rPr>
+              <a:t>", "</a:t>
+            </a:r>
+            <a:r>
+              <a:rPr lang="ko-KR" altLang="en-US" sz="2800" spc="-150" dirty="0">
+                <a:solidFill>
+                  <a:schemeClr val="tx1">
+                    <a:lumMod val="75000"/>
+                    <a:lumOff val="25000"/>
+                  </a:schemeClr>
+                </a:solidFill>
+                <a:latin typeface="나눔바른고딕" panose="020B0603020101020101" pitchFamily="50" charset="-127"/>
+                <a:ea typeface="나눔바른고딕" panose="020B0603020101020101" pitchFamily="50" charset="-127"/>
+              </a:rPr>
+              <a:t>라떼</a:t>
+            </a:r>
+            <a:r>
+              <a:rPr lang="en-US" altLang="ko-KR" sz="2800" spc="-150" dirty="0">
+                <a:solidFill>
+                  <a:schemeClr val="tx1">
+                    <a:lumMod val="75000"/>
+                    <a:lumOff val="25000"/>
+                  </a:schemeClr>
+                </a:solidFill>
+                <a:latin typeface="나눔바른고딕" panose="020B0603020101020101" pitchFamily="50" charset="-127"/>
+                <a:ea typeface="나눔바른고딕" panose="020B0603020101020101" pitchFamily="50" charset="-127"/>
+              </a:rPr>
+              <a:t>", "</a:t>
+            </a:r>
+            <a:r>
+              <a:rPr lang="ko-KR" altLang="en-US" sz="2800" spc="-150" dirty="0">
+                <a:solidFill>
+                  <a:schemeClr val="tx1">
+                    <a:lumMod val="75000"/>
+                    <a:lumOff val="25000"/>
+                  </a:schemeClr>
+                </a:solidFill>
+                <a:latin typeface="나눔바른고딕" panose="020B0603020101020101" pitchFamily="50" charset="-127"/>
+                <a:ea typeface="나눔바른고딕" panose="020B0603020101020101" pitchFamily="50" charset="-127"/>
+              </a:rPr>
+              <a:t>카푸치노</a:t>
+            </a:r>
+            <a:r>
+              <a:rPr lang="en-US" altLang="ko-KR" sz="2800" spc="-150" dirty="0">
+                <a:solidFill>
+                  <a:schemeClr val="tx1">
+                    <a:lumMod val="75000"/>
+                    <a:lumOff val="25000"/>
+                  </a:schemeClr>
+                </a:solidFill>
+                <a:latin typeface="나눔바른고딕" panose="020B0603020101020101" pitchFamily="50" charset="-127"/>
+                <a:ea typeface="나눔바른고딕" panose="020B0603020101020101" pitchFamily="50" charset="-127"/>
+              </a:rPr>
+              <a:t>"]</a:t>
+            </a:r>
+          </a:p>
+          <a:p>
+            <a:pPr algn="l"/>
+            <a:r>
+              <a:rPr lang="en-US" altLang="ko-KR" sz="2800" spc="-150" dirty="0">
+                <a:solidFill>
+                  <a:schemeClr val="tx1">
+                    <a:lumMod val="75000"/>
+                    <a:lumOff val="25000"/>
+                  </a:schemeClr>
+                </a:solidFill>
+                <a:latin typeface="나눔바른고딕" panose="020B0603020101020101" pitchFamily="50" charset="-127"/>
+                <a:ea typeface="나눔바른고딕" panose="020B0603020101020101" pitchFamily="50" charset="-127"/>
+              </a:rPr>
+              <a:t>for coffee in coffees:</a:t>
+            </a:r>
+          </a:p>
+          <a:p>
+            <a:pPr algn="l"/>
+            <a:r>
+              <a:rPr lang="en-US" altLang="ko-KR" sz="2800" spc="-150" dirty="0">
+                <a:solidFill>
+                  <a:schemeClr val="tx1">
+                    <a:lumMod val="75000"/>
+                    <a:lumOff val="25000"/>
+                  </a:schemeClr>
+                </a:solidFill>
+                <a:latin typeface="나눔바른고딕" panose="020B0603020101020101" pitchFamily="50" charset="-127"/>
+                <a:ea typeface="나눔바른고딕" panose="020B0603020101020101" pitchFamily="50" charset="-127"/>
+              </a:rPr>
+              <a:t>	print(coffee)</a:t>
             </a:r>
           </a:p>
         </p:txBody>
@@ -4779,6 +5031,18 @@
   <p:clrMapOvr>
     <a:masterClrMapping/>
   </p:clrMapOvr>
+  <mc:AlternateContent xmlns:mc="http://schemas.openxmlformats.org/markup-compatibility/2006" xmlns:p159="http://schemas.microsoft.com/office/powerpoint/2015/09/main">
+    <mc:Choice Requires="p159">
+      <p:transition xmlns:p14="http://schemas.microsoft.com/office/powerpoint/2010/main" spd="slow" p14:dur="2000">
+        <p159:morph option="byObject"/>
+      </p:transition>
+    </mc:Choice>
+    <mc:Fallback xmlns="">
+      <p:transition spd="slow">
+        <p:fade/>
+      </p:transition>
+    </mc:Fallback>
+  </mc:AlternateContent>
   <p:timing>
     <p:tnLst>
       <p:par>
@@ -4898,6 +5162,59 @@
                       </p:childTnLst>
                     </p:cTn>
                   </p:par>
+                  <p:par>
+                    <p:cTn id="13" fill="hold">
+                      <p:stCondLst>
+                        <p:cond delay="indefinite"/>
+                      </p:stCondLst>
+                      <p:childTnLst>
+                        <p:par>
+                          <p:cTn id="14" fill="hold">
+                            <p:stCondLst>
+                              <p:cond delay="0"/>
+                            </p:stCondLst>
+                            <p:childTnLst>
+                              <p:par>
+                                <p:cTn id="15" presetID="10" presetClass="entr" presetSubtype="0" fill="hold" grpId="0" nodeType="clickEffect">
+                                  <p:stCondLst>
+                                    <p:cond delay="0"/>
+                                  </p:stCondLst>
+                                  <p:childTnLst>
+                                    <p:set>
+                                      <p:cBhvr>
+                                        <p:cTn id="16" dur="1" fill="hold">
+                                          <p:stCondLst>
+                                            <p:cond delay="0"/>
+                                          </p:stCondLst>
+                                        </p:cTn>
+                                        <p:tgtEl>
+                                          <p:spTgt spid="6"/>
+                                        </p:tgtEl>
+                                        <p:attrNameLst>
+                                          <p:attrName>style.visibility</p:attrName>
+                                        </p:attrNameLst>
+                                      </p:cBhvr>
+                                      <p:to>
+                                        <p:strVal val="visible"/>
+                                      </p:to>
+                                    </p:set>
+                                    <p:animEffect transition="in" filter="fade">
+                                      <p:cBhvr>
+                                        <p:cTn id="17" dur="500"/>
+                                        <p:tgtEl>
+                                          <p:spTgt spid="6"/>
+                                        </p:tgtEl>
+                                      </p:cBhvr>
+                                    </p:animEffect>
+                                  </p:childTnLst>
+                                </p:cTn>
+                              </p:par>
+                            </p:childTnLst>
+                          </p:cTn>
+                        </p:par>
+                      </p:childTnLst>
+                    </p:cTn>
+                  </p:par>
                 </p:childTnLst>
               </p:cTn>
               <p:prevCondLst>
@@ -4922,6 +5239,7 @@
     <p:bldLst>
       <p:bldP spid="4" grpId="0"/>
       <p:bldP spid="16" grpId="0" animBg="1"/>
+      <p:bldP spid="6" grpId="0" animBg="1"/>
     </p:bldLst>
   </p:timing>
 </p:sld>
@@ -5124,7 +5442,7 @@
         </p:nvSpPr>
         <p:spPr>
           <a:xfrm>
-            <a:off x="1097868" y="770929"/>
+            <a:off x="1350504" y="770929"/>
             <a:ext cx="2376264" cy="1887141"/>
           </a:xfrm>
           <a:prstGeom prst="rect">
@@ -5161,7 +5479,19 @@
           <a:p>
             <a:pPr algn="l"/>
             <a:r>
-              <a:rPr lang="en-US" altLang="ko-KR" sz="4000" spc="-150" dirty="0">
+              <a:rPr lang="en-US" altLang="ko-KR" sz="3200" spc="-150" dirty="0">
+                <a:solidFill>
+                  <a:schemeClr val="accent6">
+                    <a:lumMod val="75000"/>
+                  </a:schemeClr>
+                </a:solidFill>
+                <a:latin typeface="나눔바른고딕" panose="020B0603020101020101" pitchFamily="50" charset="-127"/>
+                <a:ea typeface="나눔바른고딕" panose="020B0603020101020101" pitchFamily="50" charset="-127"/>
+              </a:rPr>
+              <a:t>range</a:t>
+            </a:r>
+            <a:r>
+              <a:rPr lang="en-US" altLang="ko-KR" sz="3200" spc="-150" dirty="0">
                 <a:solidFill>
                   <a:schemeClr val="bg1">
                     <a:lumMod val="95000"/>
@@ -5170,9 +5500,9 @@
                 <a:latin typeface="나눔바른고딕" panose="020B0603020101020101" pitchFamily="50" charset="-127"/>
                 <a:ea typeface="나눔바른고딕" panose="020B0603020101020101" pitchFamily="50" charset="-127"/>
               </a:rPr>
-              <a:t>range(10)</a:t>
-            </a:r>
-            <a:endParaRPr lang="ko-KR" altLang="en-US" sz="4000" spc="-150" dirty="0">
+              <a:t>(10)</a:t>
+            </a:r>
+            <a:endParaRPr lang="ko-KR" altLang="en-US" sz="3200" spc="-150" dirty="0">
               <a:solidFill>
                 <a:schemeClr val="bg1">
                   <a:lumMod val="95000"/>
@@ -5236,11 +5566,11 @@
           </a:lstStyle>
           <a:p>
             <a:r>
-              <a:rPr lang="en-US" altLang="ko-KR" sz="4000" spc="-150" dirty="0">
-                <a:solidFill>
-                  <a:schemeClr val="tx1">
-                    <a:lumMod val="50000"/>
-                    <a:lumOff val="50000"/>
+              <a:rPr lang="en-US" altLang="ko-KR" sz="3200" spc="-150" dirty="0">
+                <a:solidFill>
+                  <a:schemeClr val="tx1">
+                    <a:lumMod val="75000"/>
+                    <a:lumOff val="25000"/>
                   </a:schemeClr>
                 </a:solidFill>
                 <a:latin typeface="나눔바른고딕" panose="020B0603020101020101" pitchFamily="50" charset="-127"/>
@@ -5249,17 +5579,42 @@
               <a:t>0~9 </a:t>
             </a:r>
             <a:r>
-              <a:rPr lang="ko-KR" altLang="en-US" sz="4000" spc="-150" dirty="0">
-                <a:solidFill>
-                  <a:schemeClr val="tx1">
-                    <a:lumMod val="50000"/>
-                    <a:lumOff val="50000"/>
-                  </a:schemeClr>
-                </a:solidFill>
-                <a:latin typeface="나눔바른고딕" panose="020B0603020101020101" pitchFamily="50" charset="-127"/>
-                <a:ea typeface="나눔바른고딕" panose="020B0603020101020101" pitchFamily="50" charset="-127"/>
-              </a:rPr>
-              <a:t>까지 숫자</a:t>
+              <a:rPr lang="ko-KR" altLang="en-US" sz="3200" spc="-150" dirty="0">
+                <a:solidFill>
+                  <a:schemeClr val="tx1">
+                    <a:lumMod val="75000"/>
+                    <a:lumOff val="25000"/>
+                  </a:schemeClr>
+                </a:solidFill>
+                <a:latin typeface="나눔바른고딕" panose="020B0603020101020101" pitchFamily="50" charset="-127"/>
+                <a:ea typeface="나눔바른고딕" panose="020B0603020101020101" pitchFamily="50" charset="-127"/>
+              </a:rPr>
+              <a:t>까지 </a:t>
+            </a:r>
+            <a:r>
+              <a:rPr lang="ko-KR" altLang="en-US" sz="3200" spc="-150" dirty="0">
+                <a:solidFill>
+                  <a:schemeClr val="accent6">
+                    <a:lumMod val="75000"/>
+                  </a:schemeClr>
+                </a:solidFill>
+                <a:latin typeface="나눔바른고딕" panose="020B0603020101020101" pitchFamily="50" charset="-127"/>
+                <a:ea typeface="나눔바른고딕" panose="020B0603020101020101" pitchFamily="50" charset="-127"/>
+              </a:rPr>
+              <a:t>순서열</a:t>
+            </a:r>
+            <a:r>
+              <a:rPr lang="ko-KR" altLang="en-US" sz="3200" spc="-150" dirty="0">
+                <a:solidFill>
+                  <a:schemeClr val="tx1">
+                    <a:lumMod val="75000"/>
+                    <a:lumOff val="25000"/>
+                  </a:schemeClr>
+                </a:solidFill>
+                <a:latin typeface="나눔바른고딕" panose="020B0603020101020101" pitchFamily="50" charset="-127"/>
+                <a:ea typeface="나눔바른고딕" panose="020B0603020101020101" pitchFamily="50" charset="-127"/>
+              </a:rPr>
+              <a:t>을 반환</a:t>
             </a:r>
           </a:p>
         </p:txBody>
@@ -5316,11 +5671,11 @@
           </a:lstStyle>
           <a:p>
             <a:r>
-              <a:rPr lang="ko-KR" altLang="en-US" sz="4000" spc="-150" dirty="0">
-                <a:solidFill>
-                  <a:schemeClr val="tx1">
-                    <a:lumMod val="50000"/>
-                    <a:lumOff val="50000"/>
+              <a:rPr lang="ko-KR" altLang="en-US" sz="3200" spc="-150" dirty="0">
+                <a:solidFill>
+                  <a:schemeClr val="tx1">
+                    <a:lumMod val="75000"/>
+                    <a:lumOff val="25000"/>
                   </a:schemeClr>
                 </a:solidFill>
                 <a:latin typeface="나눔바른고딕" panose="020B0603020101020101" pitchFamily="50" charset="-127"/>
@@ -5328,11 +5683,11 @@
               </a:rPr>
               <a:t>정수를 입력 받아 순서열을 </a:t>
             </a:r>
-            <a:endParaRPr lang="en-US" altLang="ko-KR" sz="4000" spc="-150" dirty="0">
+            <a:endParaRPr lang="en-US" altLang="ko-KR" sz="3200" spc="-150" dirty="0">
               <a:solidFill>
                 <a:schemeClr val="tx1">
-                  <a:lumMod val="50000"/>
-                  <a:lumOff val="50000"/>
+                  <a:lumMod val="75000"/>
+                  <a:lumOff val="25000"/>
                 </a:schemeClr>
               </a:solidFill>
               <a:latin typeface="나눔바른고딕" panose="020B0603020101020101" pitchFamily="50" charset="-127"/>
@@ -5341,11 +5696,11 @@
           </a:p>
           <a:p>
             <a:r>
-              <a:rPr lang="ko-KR" altLang="en-US" sz="4000" spc="-150" dirty="0">
-                <a:solidFill>
-                  <a:schemeClr val="tx1">
-                    <a:lumMod val="50000"/>
-                    <a:lumOff val="50000"/>
+              <a:rPr lang="ko-KR" altLang="en-US" sz="3200" spc="-150" dirty="0">
+                <a:solidFill>
+                  <a:schemeClr val="tx1">
+                    <a:lumMod val="75000"/>
+                    <a:lumOff val="25000"/>
                   </a:schemeClr>
                 </a:solidFill>
                 <a:latin typeface="나눔바른고딕" panose="020B0603020101020101" pitchFamily="50" charset="-127"/>
@@ -5366,6 +5721,18 @@
   <p:clrMapOvr>
     <a:masterClrMapping/>
   </p:clrMapOvr>
+  <mc:AlternateContent xmlns:mc="http://schemas.openxmlformats.org/markup-compatibility/2006" xmlns:p159="http://schemas.microsoft.com/office/powerpoint/2015/09/main">
+    <mc:Choice Requires="p159">
+      <p:transition xmlns:p14="http://schemas.microsoft.com/office/powerpoint/2010/main" spd="slow" p14:dur="2000">
+        <p159:morph option="byObject"/>
+      </p:transition>
+    </mc:Choice>
+    <mc:Fallback xmlns="">
+      <p:transition spd="slow">
+        <p:fade/>
+      </p:transition>
+    </mc:Fallback>
+  </mc:AlternateContent>
   <p:timing>
     <p:tnLst>
       <p:par>
@@ -5643,8 +6010,8 @@
         </p:nvSpPr>
         <p:spPr>
           <a:xfrm>
-            <a:off x="0" y="0"/>
-            <a:ext cx="9144000" cy="2329233"/>
+            <a:off x="0" y="1"/>
+            <a:ext cx="9144000" cy="1340767"/>
           </a:xfrm>
           <a:prstGeom prst="rect">
             <a:avLst/>
@@ -5743,7 +6110,7 @@
         <p:spPr>
           <a:xfrm>
             <a:off x="467544" y="221045"/>
-            <a:ext cx="6408712" cy="1887141"/>
+            <a:ext cx="6408712" cy="903699"/>
           </a:xfrm>
           <a:prstGeom prst="rect">
             <a:avLst/>
@@ -5779,7 +6146,7 @@
           <a:p>
             <a:pPr algn="l"/>
             <a:r>
-              <a:rPr lang="ko-KR" altLang="en-US" sz="4000" spc="-150" dirty="0">
+              <a:rPr lang="ko-KR" altLang="en-US" sz="3200" spc="-150" dirty="0">
                 <a:solidFill>
                   <a:schemeClr val="bg1">
                     <a:lumMod val="95000"/>
@@ -5809,12 +6176,18 @@
         </p:nvSpPr>
         <p:spPr>
           <a:xfrm>
-            <a:off x="458129" y="3198043"/>
+            <a:off x="467544" y="1700808"/>
             <a:ext cx="8208912" cy="1887141"/>
           </a:xfrm>
           <a:prstGeom prst="rect">
             <a:avLst/>
           </a:prstGeom>
+          <a:solidFill>
+            <a:schemeClr val="accent6">
+              <a:lumMod val="20000"/>
+              <a:lumOff val="80000"/>
+            </a:schemeClr>
+          </a:solidFill>
           <a:ln>
             <a:solidFill>
               <a:schemeClr val="accent1">
@@ -5846,33 +6219,227 @@
           <a:p>
             <a:pPr algn="l"/>
             <a:r>
-              <a:rPr lang="en-US" altLang="ko-KR" sz="4000" spc="-150" dirty="0">
-                <a:solidFill>
-                  <a:schemeClr val="tx1">
-                    <a:lumMod val="50000"/>
-                    <a:lumOff val="50000"/>
-                  </a:schemeClr>
-                </a:solidFill>
-                <a:latin typeface="나눔바른고딕" panose="020B0603020101020101" pitchFamily="50" charset="-127"/>
-                <a:ea typeface="나눔바른고딕" panose="020B0603020101020101" pitchFamily="50" charset="-127"/>
-              </a:rPr>
-              <a:t>for a in range(5):</a:t>
+              <a:rPr lang="en-US" altLang="ko-KR" sz="2800" spc="-150" dirty="0">
+                <a:solidFill>
+                  <a:schemeClr val="tx1">
+                    <a:lumMod val="75000"/>
+                    <a:lumOff val="25000"/>
+                  </a:schemeClr>
+                </a:solidFill>
+                <a:latin typeface="나눔바른고딕" panose="020B0603020101020101" pitchFamily="50" charset="-127"/>
+                <a:ea typeface="나눔바른고딕" panose="020B0603020101020101" pitchFamily="50" charset="-127"/>
+              </a:rPr>
+              <a:t>for </a:t>
+            </a:r>
+            <a:r>
+              <a:rPr lang="en-US" altLang="ko-KR" sz="2800" spc="-150" dirty="0" err="1">
+                <a:solidFill>
+                  <a:schemeClr val="tx1">
+                    <a:lumMod val="75000"/>
+                    <a:lumOff val="25000"/>
+                  </a:schemeClr>
+                </a:solidFill>
+                <a:latin typeface="나눔바른고딕" panose="020B0603020101020101" pitchFamily="50" charset="-127"/>
+                <a:ea typeface="나눔바른고딕" panose="020B0603020101020101" pitchFamily="50" charset="-127"/>
+              </a:rPr>
+              <a:t>i</a:t>
+            </a:r>
+            <a:r>
+              <a:rPr lang="en-US" altLang="ko-KR" sz="2800" spc="-150" dirty="0">
+                <a:solidFill>
+                  <a:schemeClr val="tx1">
+                    <a:lumMod val="75000"/>
+                    <a:lumOff val="25000"/>
+                  </a:schemeClr>
+                </a:solidFill>
+                <a:latin typeface="나눔바른고딕" panose="020B0603020101020101" pitchFamily="50" charset="-127"/>
+                <a:ea typeface="나눔바른고딕" panose="020B0603020101020101" pitchFamily="50" charset="-127"/>
+              </a:rPr>
+              <a:t> in range(60):</a:t>
             </a:r>
           </a:p>
           <a:p>
             <a:pPr algn="l"/>
             <a:r>
-              <a:rPr lang="en-US" altLang="ko-KR" sz="4000" spc="-150" dirty="0">
-                <a:solidFill>
-                  <a:schemeClr val="tx1">
-                    <a:lumMod val="50000"/>
-                    <a:lumOff val="50000"/>
-                  </a:schemeClr>
-                </a:solidFill>
-                <a:latin typeface="나눔바른고딕" panose="020B0603020101020101" pitchFamily="50" charset="-127"/>
-                <a:ea typeface="나눔바른고딕" panose="020B0603020101020101" pitchFamily="50" charset="-127"/>
-              </a:rPr>
-              <a:t>	print(a)</a:t>
+              <a:rPr lang="en-US" altLang="ko-KR" sz="2800" spc="-150" dirty="0">
+                <a:solidFill>
+                  <a:schemeClr val="tx1">
+                    <a:lumMod val="75000"/>
+                    <a:lumOff val="25000"/>
+                  </a:schemeClr>
+                </a:solidFill>
+                <a:latin typeface="나눔바른고딕" panose="020B0603020101020101" pitchFamily="50" charset="-127"/>
+                <a:ea typeface="나눔바른고딕" panose="020B0603020101020101" pitchFamily="50" charset="-127"/>
+              </a:rPr>
+              <a:t>	print(i+1, "</a:t>
+            </a:r>
+            <a:r>
+              <a:rPr lang="ko-KR" altLang="en-US" sz="2800" spc="-150" dirty="0">
+                <a:solidFill>
+                  <a:schemeClr val="tx1">
+                    <a:lumMod val="75000"/>
+                    <a:lumOff val="25000"/>
+                  </a:schemeClr>
+                </a:solidFill>
+                <a:latin typeface="나눔바른고딕" panose="020B0603020101020101" pitchFamily="50" charset="-127"/>
+                <a:ea typeface="나눔바른고딕" panose="020B0603020101020101" pitchFamily="50" charset="-127"/>
+              </a:rPr>
+              <a:t>분</a:t>
+            </a:r>
+            <a:r>
+              <a:rPr lang="en-US" altLang="ko-KR" sz="2800" spc="-150" dirty="0">
+                <a:solidFill>
+                  <a:schemeClr val="tx1">
+                    <a:lumMod val="75000"/>
+                    <a:lumOff val="25000"/>
+                  </a:schemeClr>
+                </a:solidFill>
+                <a:latin typeface="나눔바른고딕" panose="020B0603020101020101" pitchFamily="50" charset="-127"/>
+                <a:ea typeface="나눔바른고딕" panose="020B0603020101020101" pitchFamily="50" charset="-127"/>
+              </a:rPr>
+              <a:t>")</a:t>
+            </a:r>
+          </a:p>
+        </p:txBody>
+      </p:sp>
+      <p:sp>
+        <p:nvSpPr>
+          <p:cNvPr id="6" name="제목 1">
+            <a:extLst>
+              <a:ext uri="{FF2B5EF4-FFF2-40B4-BE49-F238E27FC236}">
+                <a16:creationId xmlns:a16="http://schemas.microsoft.com/office/drawing/2014/main" id="{33B34102-A8DB-4F17-BB90-F7E06C50A5CB}"/>
+              </a:ext>
+            </a:extLst>
+          </p:cNvPr>
+          <p:cNvSpPr txBox="1">
+            <a:spLocks/>
+          </p:cNvSpPr>
+          <p:nvPr/>
+        </p:nvSpPr>
+        <p:spPr>
+          <a:xfrm>
+            <a:off x="467544" y="4077072"/>
+            <a:ext cx="8208912" cy="1887141"/>
+          </a:xfrm>
+          <a:prstGeom prst="rect">
+            <a:avLst/>
+          </a:prstGeom>
+          <a:solidFill>
+            <a:schemeClr val="accent6">
+              <a:lumMod val="20000"/>
+              <a:lumOff val="80000"/>
+            </a:schemeClr>
+          </a:solidFill>
+          <a:ln>
+            <a:solidFill>
+              <a:schemeClr val="accent1">
+                <a:alpha val="0"/>
+              </a:schemeClr>
+            </a:solidFill>
+          </a:ln>
+        </p:spPr>
+        <p:txBody>
+          <a:bodyPr vert="horz" lIns="91440" tIns="45720" rIns="91440" bIns="45720" rtlCol="0" anchor="ctr">
+            <a:normAutofit/>
+          </a:bodyPr>
+          <a:lstStyle>
+            <a:lvl1pPr algn="ctr" defTabSz="914400" rtl="0" eaLnBrk="1" latinLnBrk="1" hangingPunct="1">
+              <a:spcBef>
+                <a:spcPct val="0"/>
+              </a:spcBef>
+              <a:buNone/>
+              <a:defRPr sz="4400" kern="1200">
+                <a:solidFill>
+                  <a:schemeClr val="tx1"/>
+                </a:solidFill>
+                <a:latin typeface="+mj-lt"/>
+                <a:ea typeface="+mj-ea"/>
+                <a:cs typeface="+mj-cs"/>
+              </a:defRPr>
+            </a:lvl1pPr>
+          </a:lstStyle>
+          <a:p>
+            <a:pPr algn="l"/>
+            <a:r>
+              <a:rPr lang="en-US" altLang="ko-KR" sz="2800" spc="-150" dirty="0">
+                <a:solidFill>
+                  <a:schemeClr val="tx1">
+                    <a:lumMod val="75000"/>
+                    <a:lumOff val="25000"/>
+                  </a:schemeClr>
+                </a:solidFill>
+                <a:latin typeface="나눔바른고딕" panose="020B0603020101020101" pitchFamily="50" charset="-127"/>
+                <a:ea typeface="나눔바른고딕" panose="020B0603020101020101" pitchFamily="50" charset="-127"/>
+              </a:rPr>
+              <a:t>for </a:t>
+            </a:r>
+            <a:r>
+              <a:rPr lang="en-US" altLang="ko-KR" sz="2800" spc="-150" dirty="0" err="1">
+                <a:solidFill>
+                  <a:schemeClr val="tx1">
+                    <a:lumMod val="75000"/>
+                    <a:lumOff val="25000"/>
+                  </a:schemeClr>
+                </a:solidFill>
+                <a:latin typeface="나눔바른고딕" panose="020B0603020101020101" pitchFamily="50" charset="-127"/>
+                <a:ea typeface="나눔바른고딕" panose="020B0603020101020101" pitchFamily="50" charset="-127"/>
+              </a:rPr>
+              <a:t>i</a:t>
+            </a:r>
+            <a:r>
+              <a:rPr lang="en-US" altLang="ko-KR" sz="2800" spc="-150" dirty="0">
+                <a:solidFill>
+                  <a:schemeClr val="tx1">
+                    <a:lumMod val="75000"/>
+                    <a:lumOff val="25000"/>
+                  </a:schemeClr>
+                </a:solidFill>
+                <a:latin typeface="나눔바른고딕" panose="020B0603020101020101" pitchFamily="50" charset="-127"/>
+                <a:ea typeface="나눔바른고딕" panose="020B0603020101020101" pitchFamily="50" charset="-127"/>
+              </a:rPr>
+              <a:t> in range(12):</a:t>
+            </a:r>
+          </a:p>
+          <a:p>
+            <a:pPr algn="l"/>
+            <a:r>
+              <a:rPr lang="en-US" altLang="ko-KR" sz="2800" spc="-150" dirty="0">
+                <a:solidFill>
+                  <a:schemeClr val="tx1">
+                    <a:lumMod val="75000"/>
+                    <a:lumOff val="25000"/>
+                  </a:schemeClr>
+                </a:solidFill>
+                <a:latin typeface="나눔바른고딕" panose="020B0603020101020101" pitchFamily="50" charset="-127"/>
+                <a:ea typeface="나눔바른고딕" panose="020B0603020101020101" pitchFamily="50" charset="-127"/>
+              </a:rPr>
+              <a:t>	print(i+1, "</a:t>
+            </a:r>
+            <a:r>
+              <a:rPr lang="ko-KR" altLang="en-US" sz="2800" spc="-150" dirty="0">
+                <a:solidFill>
+                  <a:schemeClr val="tx1">
+                    <a:lumMod val="75000"/>
+                    <a:lumOff val="25000"/>
+                  </a:schemeClr>
+                </a:solidFill>
+                <a:latin typeface="나눔바른고딕" panose="020B0603020101020101" pitchFamily="50" charset="-127"/>
+                <a:ea typeface="나눔바른고딕" panose="020B0603020101020101" pitchFamily="50" charset="-127"/>
+              </a:rPr>
+              <a:t>월</a:t>
+            </a:r>
+            <a:r>
+              <a:rPr lang="en-US" altLang="ko-KR" sz="2800" spc="-150" dirty="0">
+                <a:solidFill>
+                  <a:schemeClr val="tx1">
+                    <a:lumMod val="75000"/>
+                    <a:lumOff val="25000"/>
+                  </a:schemeClr>
+                </a:solidFill>
+                <a:latin typeface="나눔바른고딕" panose="020B0603020101020101" pitchFamily="50" charset="-127"/>
+                <a:ea typeface="나눔바른고딕" panose="020B0603020101020101" pitchFamily="50" charset="-127"/>
+              </a:rPr>
+              <a:t>")</a:t>
             </a:r>
           </a:p>
         </p:txBody>
@@ -5880,13 +6447,25 @@
     </p:spTree>
     <p:extLst>
       <p:ext uri="{BB962C8B-B14F-4D97-AF65-F5344CB8AC3E}">
-        <p14:creationId xmlns:p14="http://schemas.microsoft.com/office/powerpoint/2010/main" val="616608157"/>
+        <p14:creationId xmlns:p14="http://schemas.microsoft.com/office/powerpoint/2010/main" val="3870479240"/>
       </p:ext>
     </p:extLst>
   </p:cSld>
   <p:clrMapOvr>
     <a:masterClrMapping/>
   </p:clrMapOvr>
+  <mc:AlternateContent xmlns:mc="http://schemas.openxmlformats.org/markup-compatibility/2006" xmlns:p159="http://schemas.microsoft.com/office/powerpoint/2015/09/main">
+    <mc:Choice Requires="p159">
+      <p:transition xmlns:p14="http://schemas.microsoft.com/office/powerpoint/2010/main" spd="slow" p14:dur="2000">
+        <p159:morph option="byObject"/>
+      </p:transition>
+    </mc:Choice>
+    <mc:Fallback xmlns="">
+      <p:transition spd="slow">
+        <p:fade/>
+      </p:transition>
+    </mc:Fallback>
+  </mc:AlternateContent>
   <p:timing>
     <p:tnLst>
       <p:par>
@@ -6006,6 +6585,59 @@
                       </p:childTnLst>
                     </p:cTn>
                   </p:par>
+                  <p:par>
+                    <p:cTn id="13" fill="hold">
+                      <p:stCondLst>
+                        <p:cond delay="indefinite"/>
+                      </p:stCondLst>
+                      <p:childTnLst>
+                        <p:par>
+                          <p:cTn id="14" fill="hold">
+                            <p:stCondLst>
+                              <p:cond delay="0"/>
+                            </p:stCondLst>
+                            <p:childTnLst>
+                              <p:par>
+                                <p:cTn id="15" presetID="10" presetClass="entr" presetSubtype="0" fill="hold" grpId="0" nodeType="clickEffect">
+                                  <p:stCondLst>
+                                    <p:cond delay="0"/>
+                                  </p:stCondLst>
+                                  <p:childTnLst>
+                                    <p:set>
+                                      <p:cBhvr>
+                                        <p:cTn id="16" dur="1" fill="hold">
+                                          <p:stCondLst>
+                                            <p:cond delay="0"/>
+                                          </p:stCondLst>
+                                        </p:cTn>
+                                        <p:tgtEl>
+                                          <p:spTgt spid="6"/>
+                                        </p:tgtEl>
+                                        <p:attrNameLst>
+                                          <p:attrName>style.visibility</p:attrName>
+                                        </p:attrNameLst>
+                                      </p:cBhvr>
+                                      <p:to>
+                                        <p:strVal val="visible"/>
+                                      </p:to>
+                                    </p:set>
+                                    <p:animEffect transition="in" filter="fade">
+                                      <p:cBhvr>
+                                        <p:cTn id="17" dur="500"/>
+                                        <p:tgtEl>
+                                          <p:spTgt spid="6"/>
+                                        </p:tgtEl>
+                                      </p:cBhvr>
+                                    </p:animEffect>
+                                  </p:childTnLst>
+                                </p:cTn>
+                              </p:par>
+                            </p:childTnLst>
+                          </p:cTn>
+                        </p:par>
+                      </p:childTnLst>
+                    </p:cTn>
+                  </p:par>
                 </p:childTnLst>
               </p:cTn>
               <p:prevCondLst>
@@ -6030,6 +6662,7 @@
     <p:bldLst>
       <p:bldP spid="4" grpId="0"/>
       <p:bldP spid="16" grpId="0" animBg="1"/>
+      <p:bldP spid="6" grpId="0" animBg="1"/>
     </p:bldLst>
   </p:timing>
 </p:sld>
@@ -6268,7 +6901,7 @@
           </a:lstStyle>
           <a:p>
             <a:r>
-              <a:rPr lang="en-US" altLang="ko-KR" sz="4000" spc="-150" dirty="0">
+              <a:rPr lang="en-US" altLang="ko-KR" sz="3200" spc="-150" dirty="0">
                 <a:solidFill>
                   <a:schemeClr val="bg1">
                     <a:lumMod val="95000"/>
@@ -6279,7 +6912,7 @@
               </a:rPr>
               <a:t>range(1, 10)</a:t>
             </a:r>
-            <a:endParaRPr lang="ko-KR" altLang="en-US" sz="4000" spc="-150" dirty="0">
+            <a:endParaRPr lang="ko-KR" altLang="en-US" sz="3200" spc="-150" dirty="0">
               <a:solidFill>
                 <a:schemeClr val="bg1">
                   <a:lumMod val="95000"/>
@@ -6343,11 +6976,11 @@
           </a:lstStyle>
           <a:p>
             <a:r>
-              <a:rPr lang="en-US" altLang="ko-KR" sz="4000" spc="-150" dirty="0">
-                <a:solidFill>
-                  <a:schemeClr val="tx1">
-                    <a:lumMod val="50000"/>
-                    <a:lumOff val="50000"/>
+              <a:rPr lang="en-US" altLang="ko-KR" sz="3200" spc="-150" dirty="0">
+                <a:solidFill>
+                  <a:schemeClr val="tx1">
+                    <a:lumMod val="75000"/>
+                    <a:lumOff val="25000"/>
                   </a:schemeClr>
                 </a:solidFill>
                 <a:latin typeface="나눔바른고딕" panose="020B0603020101020101" pitchFamily="50" charset="-127"/>
@@ -6356,11 +6989,11 @@
               <a:t>1~9 </a:t>
             </a:r>
             <a:r>
-              <a:rPr lang="ko-KR" altLang="en-US" sz="4000" spc="-150" dirty="0">
-                <a:solidFill>
-                  <a:schemeClr val="tx1">
-                    <a:lumMod val="50000"/>
-                    <a:lumOff val="50000"/>
+              <a:rPr lang="ko-KR" altLang="en-US" sz="3200" spc="-150" dirty="0">
+                <a:solidFill>
+                  <a:schemeClr val="tx1">
+                    <a:lumMod val="75000"/>
+                    <a:lumOff val="25000"/>
                   </a:schemeClr>
                 </a:solidFill>
                 <a:latin typeface="나눔바른고딕" panose="020B0603020101020101" pitchFamily="50" charset="-127"/>
@@ -6423,11 +7056,11 @@
           </a:lstStyle>
           <a:p>
             <a:r>
-              <a:rPr lang="en-US" altLang="ko-KR" sz="4000" spc="-150" dirty="0">
-                <a:solidFill>
-                  <a:schemeClr val="tx1">
-                    <a:lumMod val="50000"/>
-                    <a:lumOff val="50000"/>
+              <a:rPr lang="en-US" altLang="ko-KR" sz="3200" spc="-150" dirty="0">
+                <a:solidFill>
+                  <a:schemeClr val="tx1">
+                    <a:lumMod val="75000"/>
+                    <a:lumOff val="25000"/>
                   </a:schemeClr>
                 </a:solidFill>
                 <a:latin typeface="나눔바른고딕" panose="020B0603020101020101" pitchFamily="50" charset="-127"/>
@@ -6436,11 +7069,11 @@
               <a:t>range(</a:t>
             </a:r>
             <a:r>
-              <a:rPr lang="ko-KR" altLang="en-US" sz="4000" spc="-150" dirty="0">
-                <a:solidFill>
-                  <a:schemeClr val="tx1">
-                    <a:lumMod val="50000"/>
-                    <a:lumOff val="50000"/>
+              <a:rPr lang="ko-KR" altLang="en-US" sz="3200" spc="-150" dirty="0">
+                <a:solidFill>
+                  <a:schemeClr val="tx1">
+                    <a:lumMod val="75000"/>
+                    <a:lumOff val="25000"/>
                   </a:schemeClr>
                 </a:solidFill>
                 <a:latin typeface="나눔바른고딕" panose="020B0603020101020101" pitchFamily="50" charset="-127"/>
@@ -6449,11 +7082,11 @@
               <a:t>시작숫자</a:t>
             </a:r>
             <a:r>
-              <a:rPr lang="en-US" altLang="ko-KR" sz="4000" spc="-150" dirty="0">
-                <a:solidFill>
-                  <a:schemeClr val="tx1">
-                    <a:lumMod val="50000"/>
-                    <a:lumOff val="50000"/>
+              <a:rPr lang="en-US" altLang="ko-KR" sz="3200" spc="-150" dirty="0">
+                <a:solidFill>
+                  <a:schemeClr val="tx1">
+                    <a:lumMod val="75000"/>
+                    <a:lumOff val="25000"/>
                   </a:schemeClr>
                 </a:solidFill>
                 <a:latin typeface="나눔바른고딕" panose="020B0603020101020101" pitchFamily="50" charset="-127"/>
@@ -6462,11 +7095,11 @@
               <a:t>, </a:t>
             </a:r>
             <a:r>
-              <a:rPr lang="ko-KR" altLang="en-US" sz="4000" spc="-150" dirty="0" err="1">
-                <a:solidFill>
-                  <a:schemeClr val="tx1">
-                    <a:lumMod val="50000"/>
-                    <a:lumOff val="50000"/>
+              <a:rPr lang="ko-KR" altLang="en-US" sz="3200" spc="-150" dirty="0" err="1">
+                <a:solidFill>
+                  <a:schemeClr val="tx1">
+                    <a:lumMod val="75000"/>
+                    <a:lumOff val="25000"/>
                   </a:schemeClr>
                 </a:solidFill>
                 <a:latin typeface="나눔바른고딕" panose="020B0603020101020101" pitchFamily="50" charset="-127"/>
@@ -6475,11 +7108,11 @@
               <a:t>끝숫자</a:t>
             </a:r>
             <a:r>
-              <a:rPr lang="en-US" altLang="ko-KR" sz="4000" spc="-150" dirty="0">
-                <a:solidFill>
-                  <a:schemeClr val="tx1">
-                    <a:lumMod val="50000"/>
-                    <a:lumOff val="50000"/>
+              <a:rPr lang="en-US" altLang="ko-KR" sz="3200" spc="-150" dirty="0">
+                <a:solidFill>
+                  <a:schemeClr val="tx1">
+                    <a:lumMod val="75000"/>
+                    <a:lumOff val="25000"/>
                   </a:schemeClr>
                 </a:solidFill>
                 <a:latin typeface="나눔바른고딕" panose="020B0603020101020101" pitchFamily="50" charset="-127"/>
@@ -6487,11 +7120,11 @@
               </a:rPr>
               <a:t>+1)</a:t>
             </a:r>
-            <a:endParaRPr lang="ko-KR" altLang="en-US" sz="4000" spc="-150" dirty="0">
+            <a:endParaRPr lang="ko-KR" altLang="en-US" sz="3200" spc="-150" dirty="0">
               <a:solidFill>
                 <a:schemeClr val="tx1">
-                  <a:lumMod val="50000"/>
-                  <a:lumOff val="50000"/>
+                  <a:lumMod val="75000"/>
+                  <a:lumOff val="25000"/>
                 </a:schemeClr>
               </a:solidFill>
               <a:latin typeface="나눔바른고딕" panose="020B0603020101020101" pitchFamily="50" charset="-127"/>
@@ -6510,6 +7143,18 @@
   <p:clrMapOvr>
     <a:masterClrMapping/>
   </p:clrMapOvr>
+  <mc:AlternateContent xmlns:mc="http://schemas.openxmlformats.org/markup-compatibility/2006" xmlns:p159="http://schemas.microsoft.com/office/powerpoint/2015/09/main">
+    <mc:Choice Requires="p159">
+      <p:transition xmlns:p14="http://schemas.microsoft.com/office/powerpoint/2010/main" spd="slow" p14:dur="2000">
+        <p159:morph option="byObject"/>
+      </p:transition>
+    </mc:Choice>
+    <mc:Fallback xmlns="">
+      <p:transition spd="slow">
+        <p:fade/>
+      </p:transition>
+    </mc:Fallback>
+  </mc:AlternateContent>
   <p:timing>
     <p:tnLst>
       <p:par>
@@ -6870,24 +7515,49 @@
           </a:lstStyle>
           <a:p>
             <a:r>
-              <a:rPr lang="ko-KR" altLang="en-US" sz="4000" spc="-150" dirty="0">
-                <a:solidFill>
-                  <a:schemeClr val="tx1">
-                    <a:lumMod val="50000"/>
-                    <a:lumOff val="50000"/>
-                  </a:schemeClr>
-                </a:solidFill>
-                <a:latin typeface="나눔바른고딕" panose="020B0603020101020101" pitchFamily="50" charset="-127"/>
-                <a:ea typeface="나눔바른고딕" panose="020B0603020101020101" pitchFamily="50" charset="-127"/>
-              </a:rPr>
-              <a:t>사용자로부터 두 정수를 입력 받고</a:t>
-            </a:r>
-            <a:r>
-              <a:rPr lang="en-US" altLang="ko-KR" sz="4000" spc="-150" dirty="0">
-                <a:solidFill>
-                  <a:schemeClr val="tx1">
-                    <a:lumMod val="50000"/>
-                    <a:lumOff val="50000"/>
+              <a:rPr lang="ko-KR" altLang="en-US" sz="3600" spc="-150" dirty="0">
+                <a:solidFill>
+                  <a:schemeClr val="tx1">
+                    <a:lumMod val="75000"/>
+                    <a:lumOff val="25000"/>
+                  </a:schemeClr>
+                </a:solidFill>
+                <a:latin typeface="나눔바른고딕" panose="020B0603020101020101" pitchFamily="50" charset="-127"/>
+                <a:ea typeface="나눔바른고딕" panose="020B0603020101020101" pitchFamily="50" charset="-127"/>
+              </a:rPr>
+              <a:t>사용자로부터 </a:t>
+            </a:r>
+            <a:r>
+              <a:rPr lang="ko-KR" altLang="en-US" sz="3600" spc="-150" dirty="0">
+                <a:solidFill>
+                  <a:schemeClr val="accent6">
+                    <a:lumMod val="75000"/>
+                  </a:schemeClr>
+                </a:solidFill>
+                <a:latin typeface="나눔바른고딕" panose="020B0603020101020101" pitchFamily="50" charset="-127"/>
+                <a:ea typeface="나눔바른고딕" panose="020B0603020101020101" pitchFamily="50" charset="-127"/>
+              </a:rPr>
+              <a:t>두 정수</a:t>
+            </a:r>
+            <a:r>
+              <a:rPr lang="ko-KR" altLang="en-US" sz="3600" spc="-150" dirty="0">
+                <a:solidFill>
+                  <a:schemeClr val="tx1">
+                    <a:lumMod val="75000"/>
+                    <a:lumOff val="25000"/>
+                  </a:schemeClr>
+                </a:solidFill>
+                <a:latin typeface="나눔바른고딕" panose="020B0603020101020101" pitchFamily="50" charset="-127"/>
+                <a:ea typeface="나눔바른고딕" panose="020B0603020101020101" pitchFamily="50" charset="-127"/>
+              </a:rPr>
+              <a:t>를 입력 받고</a:t>
+            </a:r>
+            <a:r>
+              <a:rPr lang="en-US" altLang="ko-KR" sz="3600" spc="-150" dirty="0">
+                <a:solidFill>
+                  <a:schemeClr val="tx1">
+                    <a:lumMod val="75000"/>
+                    <a:lumOff val="25000"/>
                   </a:schemeClr>
                 </a:solidFill>
                 <a:latin typeface="나눔바른고딕" panose="020B0603020101020101" pitchFamily="50" charset="-127"/>
@@ -6898,24 +7568,49 @@
           </a:p>
           <a:p>
             <a:r>
-              <a:rPr lang="ko-KR" altLang="en-US" sz="4000" spc="-150" dirty="0">
-                <a:solidFill>
-                  <a:schemeClr val="tx1">
-                    <a:lumMod val="50000"/>
-                    <a:lumOff val="50000"/>
-                  </a:schemeClr>
-                </a:solidFill>
-                <a:latin typeface="나눔바른고딕" panose="020B0603020101020101" pitchFamily="50" charset="-127"/>
-                <a:ea typeface="나눔바른고딕" panose="020B0603020101020101" pitchFamily="50" charset="-127"/>
-              </a:rPr>
-              <a:t>사이의 모든 정수의 합계를 출력하세요</a:t>
-            </a:r>
-            <a:r>
-              <a:rPr lang="en-US" altLang="ko-KR" sz="4000" spc="-150" dirty="0">
-                <a:solidFill>
-                  <a:schemeClr val="tx1">
-                    <a:lumMod val="50000"/>
-                    <a:lumOff val="50000"/>
+              <a:rPr lang="ko-KR" altLang="en-US" sz="3600" spc="-150" dirty="0">
+                <a:solidFill>
+                  <a:schemeClr val="tx1">
+                    <a:lumMod val="75000"/>
+                    <a:lumOff val="25000"/>
+                  </a:schemeClr>
+                </a:solidFill>
+                <a:latin typeface="나눔바른고딕" panose="020B0603020101020101" pitchFamily="50" charset="-127"/>
+                <a:ea typeface="나눔바른고딕" panose="020B0603020101020101" pitchFamily="50" charset="-127"/>
+              </a:rPr>
+              <a:t>사이의 </a:t>
+            </a:r>
+            <a:r>
+              <a:rPr lang="ko-KR" altLang="en-US" sz="3600" spc="-150" dirty="0">
+                <a:solidFill>
+                  <a:schemeClr val="accent6">
+                    <a:lumMod val="75000"/>
+                  </a:schemeClr>
+                </a:solidFill>
+                <a:latin typeface="나눔바른고딕" panose="020B0603020101020101" pitchFamily="50" charset="-127"/>
+                <a:ea typeface="나눔바른고딕" panose="020B0603020101020101" pitchFamily="50" charset="-127"/>
+              </a:rPr>
+              <a:t>모든 정수의 합계</a:t>
+            </a:r>
+            <a:r>
+              <a:rPr lang="ko-KR" altLang="en-US" sz="3600" spc="-150" dirty="0">
+                <a:solidFill>
+                  <a:schemeClr val="tx1">
+                    <a:lumMod val="75000"/>
+                    <a:lumOff val="25000"/>
+                  </a:schemeClr>
+                </a:solidFill>
+                <a:latin typeface="나눔바른고딕" panose="020B0603020101020101" pitchFamily="50" charset="-127"/>
+                <a:ea typeface="나눔바른고딕" panose="020B0603020101020101" pitchFamily="50" charset="-127"/>
+              </a:rPr>
+              <a:t>를 출력하세요</a:t>
+            </a:r>
+            <a:r>
+              <a:rPr lang="en-US" altLang="ko-KR" sz="3600" spc="-150" dirty="0">
+                <a:solidFill>
+                  <a:schemeClr val="tx1">
+                    <a:lumMod val="75000"/>
+                    <a:lumOff val="25000"/>
                   </a:schemeClr>
                 </a:solidFill>
                 <a:latin typeface="나눔바른고딕" panose="020B0603020101020101" pitchFamily="50" charset="-127"/>
@@ -6923,6 +7618,83 @@
               </a:rPr>
               <a:t>.</a:t>
             </a:r>
+          </a:p>
+        </p:txBody>
+      </p:sp>
+      <p:sp>
+        <p:nvSpPr>
+          <p:cNvPr id="6" name="제목 1">
+            <a:extLst>
+              <a:ext uri="{FF2B5EF4-FFF2-40B4-BE49-F238E27FC236}">
+                <a16:creationId xmlns:a16="http://schemas.microsoft.com/office/drawing/2014/main" id="{D21E1341-7111-4406-9D71-49BBFD246101}"/>
+              </a:ext>
+            </a:extLst>
+          </p:cNvPr>
+          <p:cNvSpPr txBox="1">
+            <a:spLocks/>
+          </p:cNvSpPr>
+          <p:nvPr/>
+        </p:nvSpPr>
+        <p:spPr>
+          <a:xfrm>
+            <a:off x="467544" y="332656"/>
+            <a:ext cx="8208912" cy="1887141"/>
+          </a:xfrm>
+          <a:prstGeom prst="rect">
+            <a:avLst/>
+          </a:prstGeom>
+          <a:ln>
+            <a:solidFill>
+              <a:schemeClr val="accent1">
+                <a:alpha val="0"/>
+              </a:schemeClr>
+            </a:solidFill>
+          </a:ln>
+        </p:spPr>
+        <p:txBody>
+          <a:bodyPr vert="horz" lIns="91440" tIns="45720" rIns="91440" bIns="45720" rtlCol="0" anchor="ctr">
+            <a:normAutofit/>
+          </a:bodyPr>
+          <a:lstStyle>
+            <a:lvl1pPr algn="ctr" defTabSz="914400" rtl="0" eaLnBrk="1" latinLnBrk="1" hangingPunct="1">
+              <a:spcBef>
+                <a:spcPct val="0"/>
+              </a:spcBef>
+              <a:buNone/>
+              <a:defRPr sz="4400" kern="1200">
+                <a:solidFill>
+                  <a:schemeClr val="tx1"/>
+                </a:solidFill>
+                <a:latin typeface="+mj-lt"/>
+                <a:ea typeface="+mj-ea"/>
+                <a:cs typeface="+mj-cs"/>
+              </a:defRPr>
+            </a:lvl1pPr>
+          </a:lstStyle>
+          <a:p>
+            <a:r>
+              <a:rPr lang="en-US" altLang="ko-KR" sz="3200" spc="-150" dirty="0">
+                <a:solidFill>
+                  <a:schemeClr val="tx1">
+                    <a:lumMod val="75000"/>
+                    <a:lumOff val="25000"/>
+                  </a:schemeClr>
+                </a:solidFill>
+                <a:latin typeface="나눔바른고딕" panose="020B0603020101020101" pitchFamily="50" charset="-127"/>
+                <a:ea typeface="나눔바른고딕" panose="020B0603020101020101" pitchFamily="50" charset="-127"/>
+              </a:rPr>
+              <a:t>Q1</a:t>
+            </a:r>
+            <a:endParaRPr lang="ko-KR" altLang="en-US" sz="3200" spc="-150" dirty="0">
+              <a:solidFill>
+                <a:schemeClr val="tx1">
+                  <a:lumMod val="75000"/>
+                  <a:lumOff val="25000"/>
+                </a:schemeClr>
+              </a:solidFill>
+              <a:latin typeface="나눔바른고딕" panose="020B0603020101020101" pitchFamily="50" charset="-127"/>
+              <a:ea typeface="나눔바른고딕" panose="020B0603020101020101" pitchFamily="50" charset="-127"/>
+            </a:endParaRPr>
           </a:p>
         </p:txBody>
       </p:sp>
@@ -6936,6 +7708,18 @@
   <p:clrMapOvr>
     <a:masterClrMapping/>
   </p:clrMapOvr>
+  <mc:AlternateContent xmlns:mc="http://schemas.openxmlformats.org/markup-compatibility/2006" xmlns:p159="http://schemas.microsoft.com/office/powerpoint/2015/09/main">
+    <mc:Choice Requires="p159">
+      <p:transition xmlns:p14="http://schemas.microsoft.com/office/powerpoint/2010/main" spd="slow" p14:dur="2000">
+        <p159:morph option="byObject"/>
+      </p:transition>
+    </mc:Choice>
+    <mc:Fallback xmlns="">
+      <p:transition spd="slow">
+        <p:fade/>
+      </p:transition>
+    </mc:Fallback>
+  </mc:AlternateContent>
   <p:timing>
     <p:tnLst>
       <p:par>
@@ -7155,8 +7939,8 @@
               <a:rPr lang="en-US" altLang="ko-KR" sz="4000" spc="-150" dirty="0">
                 <a:solidFill>
                   <a:schemeClr val="tx1">
-                    <a:lumMod val="50000"/>
-                    <a:lumOff val="50000"/>
+                    <a:lumMod val="75000"/>
+                    <a:lumOff val="25000"/>
                   </a:schemeClr>
                 </a:solidFill>
                 <a:latin typeface="나눔바른고딕" panose="020B0603020101020101" pitchFamily="50" charset="-127"/>
@@ -7177,97 +7961,18 @@
   <p:clrMapOvr>
     <a:masterClrMapping/>
   </p:clrMapOvr>
-  <p:timing>
-    <p:tnLst>
-      <p:par>
-        <p:cTn id="1" dur="indefinite" restart="never" nodeType="tmRoot">
-          <p:childTnLst>
-            <p:seq concurrent="1" nextAc="seek">
-              <p:cTn id="2" dur="indefinite" nodeType="mainSeq">
-                <p:childTnLst>
-                  <p:par>
-                    <p:cTn id="3" fill="hold">
-                      <p:stCondLst>
-                        <p:cond delay="indefinite"/>
-                      </p:stCondLst>
-                      <p:childTnLst>
-                        <p:par>
-                          <p:cTn id="4" fill="hold">
-                            <p:stCondLst>
-                              <p:cond delay="0"/>
-                            </p:stCondLst>
-                            <p:childTnLst>
-                              <p:par>
-                                <p:cTn id="5" presetID="10" presetClass="entr" presetSubtype="0" fill="hold" grpId="0" nodeType="clickEffect" nodePh="1">
-                                  <p:stCondLst>
-                                    <p:cond delay="0"/>
-                                  </p:stCondLst>
-                                  <p:endCondLst>
-                                    <p:cond evt="begin" delay="0">
-                                      <p:tn val="5"/>
-                                    </p:cond>
-                                  </p:endCondLst>
-                                  <p:childTnLst>
-                                    <p:set>
-                                      <p:cBhvr>
-                                        <p:cTn id="6" dur="1" fill="hold">
-                                          <p:stCondLst>
-                                            <p:cond delay="0"/>
-                                          </p:stCondLst>
-                                        </p:cTn>
-                                        <p:tgtEl>
-                                          <p:spTgt spid="4"/>
-                                        </p:tgtEl>
-                                        <p:attrNameLst>
-                                          <p:attrName>style.visibility</p:attrName>
-                                        </p:attrNameLst>
-                                      </p:cBhvr>
-                                      <p:to>
-                                        <p:strVal val="visible"/>
-                                      </p:to>
-                                    </p:set>
-                                    <p:animEffect transition="in" filter="fade">
-                                      <p:cBhvr>
-                                        <p:cTn id="7" dur="500"/>
-                                        <p:tgtEl>
-                                          <p:spTgt spid="4"/>
-                                        </p:tgtEl>
-                                      </p:cBhvr>
-                                    </p:animEffect>
-                                  </p:childTnLst>
-                                </p:cTn>
-                              </p:par>
-                            </p:childTnLst>
-                          </p:cTn>
-                        </p:par>
-                      </p:childTnLst>
-                    </p:cTn>
-                  </p:par>
-                </p:childTnLst>
-              </p:cTn>
-              <p:prevCondLst>
-                <p:cond evt="onPrev" delay="0">
-                  <p:tgtEl>
-                    <p:sldTgt/>
-                  </p:tgtEl>
-                </p:cond>
-              </p:prevCondLst>
-              <p:nextCondLst>
-                <p:cond evt="onNext" delay="0">
-                  <p:tgtEl>
-                    <p:sldTgt/>
-                  </p:tgtEl>
-                </p:cond>
-              </p:nextCondLst>
-            </p:seq>
-          </p:childTnLst>
-        </p:cTn>
-      </p:par>
-    </p:tnLst>
-    <p:bldLst>
-      <p:bldP spid="4" grpId="0"/>
-    </p:bldLst>
-  </p:timing>
+  <mc:AlternateContent xmlns:mc="http://schemas.openxmlformats.org/markup-compatibility/2006" xmlns:p159="http://schemas.microsoft.com/office/powerpoint/2015/09/main">
+    <mc:Choice Requires="p159">
+      <p:transition xmlns:p14="http://schemas.microsoft.com/office/powerpoint/2010/main" spd="slow" p14:dur="2000">
+        <p159:morph option="byObject"/>
+      </p:transition>
+    </mc:Choice>
+    <mc:Fallback xmlns="">
+      <p:transition spd="slow">
+        <p:fade/>
+      </p:transition>
+    </mc:Fallback>
+  </mc:AlternateContent>
 </p:sld>
 </file>
 
@@ -7446,7 +8151,7 @@
           <a:p>
             <a:pPr algn="l"/>
             <a:r>
-              <a:rPr lang="en-US" altLang="ko-KR" sz="4000" spc="-150" dirty="0">
+              <a:rPr lang="en-US" altLang="ko-KR" sz="3200" spc="-150" dirty="0">
                 <a:solidFill>
                   <a:schemeClr val="bg1"/>
                 </a:solidFill>
@@ -7459,7 +8164,7 @@
           <a:p>
             <a:pPr algn="l"/>
             <a:r>
-              <a:rPr lang="en-US" altLang="ko-KR" sz="4000" spc="-150" dirty="0">
+              <a:rPr lang="en-US" altLang="ko-KR" sz="3200" spc="-150" dirty="0">
                 <a:solidFill>
                   <a:schemeClr val="bg1"/>
                 </a:solidFill>
@@ -7469,7 +8174,7 @@
               <a:t>	print(count, "</a:t>
             </a:r>
             <a:r>
-              <a:rPr lang="ko-KR" altLang="en-US" sz="4000" spc="-150" dirty="0">
+              <a:rPr lang="ko-KR" altLang="en-US" sz="3200" spc="-150" dirty="0">
                 <a:solidFill>
                   <a:schemeClr val="bg1"/>
                 </a:solidFill>
@@ -7479,7 +8184,7 @@
               <a:t>번째 반복입니다</a:t>
             </a:r>
             <a:r>
-              <a:rPr lang="en-US" altLang="ko-KR" sz="4000" spc="-150" dirty="0">
+              <a:rPr lang="en-US" altLang="ko-KR" sz="3200" spc="-150" dirty="0">
                 <a:solidFill>
                   <a:schemeClr val="bg1"/>
                 </a:solidFill>
@@ -7544,11 +8249,11 @@
           <a:p>
             <a:pPr algn="l"/>
             <a:r>
-              <a:rPr lang="en-US" altLang="ko-KR" sz="4000" spc="-150" dirty="0">
-                <a:solidFill>
-                  <a:schemeClr val="tx1">
-                    <a:lumMod val="50000"/>
-                    <a:lumOff val="50000"/>
+              <a:rPr lang="en-US" altLang="ko-KR" sz="3200" spc="-150" dirty="0">
+                <a:solidFill>
+                  <a:schemeClr val="tx1">
+                    <a:lumMod val="75000"/>
+                    <a:lumOff val="25000"/>
                   </a:schemeClr>
                 </a:solidFill>
                 <a:latin typeface="나눔바른고딕" panose="020B0603020101020101" pitchFamily="50" charset="-127"/>
@@ -7560,11 +8265,11 @@
           <a:p>
             <a:pPr algn="l"/>
             <a:r>
-              <a:rPr lang="en-US" altLang="ko-KR" sz="4000" spc="-150" dirty="0">
-                <a:solidFill>
-                  <a:schemeClr val="tx1">
-                    <a:lumMod val="50000"/>
-                    <a:lumOff val="50000"/>
+              <a:rPr lang="en-US" altLang="ko-KR" sz="3200" spc="-150" dirty="0">
+                <a:solidFill>
+                  <a:schemeClr val="tx1">
+                    <a:lumMod val="75000"/>
+                    <a:lumOff val="25000"/>
                   </a:schemeClr>
                 </a:solidFill>
                 <a:latin typeface="나눔바른고딕" panose="020B0603020101020101" pitchFamily="50" charset="-127"/>
@@ -7576,11 +8281,11 @@
           <a:p>
             <a:pPr algn="l"/>
             <a:r>
-              <a:rPr lang="en-US" altLang="ko-KR" sz="4000" spc="-150" dirty="0">
-                <a:solidFill>
-                  <a:schemeClr val="tx1">
-                    <a:lumMod val="50000"/>
-                    <a:lumOff val="50000"/>
+              <a:rPr lang="en-US" altLang="ko-KR" sz="3200" spc="-150" dirty="0">
+                <a:solidFill>
+                  <a:schemeClr val="tx1">
+                    <a:lumMod val="75000"/>
+                    <a:lumOff val="25000"/>
                   </a:schemeClr>
                 </a:solidFill>
                 <a:latin typeface="나눔바른고딕" panose="020B0603020101020101" pitchFamily="50" charset="-127"/>
@@ -7589,11 +8294,11 @@
               <a:t>	print(count, "</a:t>
             </a:r>
             <a:r>
-              <a:rPr lang="ko-KR" altLang="en-US" sz="4000" spc="-150" dirty="0">
-                <a:solidFill>
-                  <a:schemeClr val="tx1">
-                    <a:lumMod val="50000"/>
-                    <a:lumOff val="50000"/>
+              <a:rPr lang="ko-KR" altLang="en-US" sz="3200" spc="-150" dirty="0">
+                <a:solidFill>
+                  <a:schemeClr val="tx1">
+                    <a:lumMod val="75000"/>
+                    <a:lumOff val="25000"/>
                   </a:schemeClr>
                 </a:solidFill>
                 <a:latin typeface="나눔바른고딕" panose="020B0603020101020101" pitchFamily="50" charset="-127"/>
@@ -7602,11 +8307,11 @@
               <a:t>번째 반복입니다</a:t>
             </a:r>
             <a:r>
-              <a:rPr lang="en-US" altLang="ko-KR" sz="4000" spc="-150" dirty="0">
-                <a:solidFill>
-                  <a:schemeClr val="tx1">
-                    <a:lumMod val="50000"/>
-                    <a:lumOff val="50000"/>
+              <a:rPr lang="en-US" altLang="ko-KR" sz="3200" spc="-150" dirty="0">
+                <a:solidFill>
+                  <a:schemeClr val="tx1">
+                    <a:lumMod val="75000"/>
+                    <a:lumOff val="25000"/>
                   </a:schemeClr>
                 </a:solidFill>
                 <a:latin typeface="나눔바른고딕" panose="020B0603020101020101" pitchFamily="50" charset="-127"/>
@@ -7618,11 +8323,11 @@
           <a:p>
             <a:pPr algn="l"/>
             <a:r>
-              <a:rPr lang="en-US" altLang="ko-KR" sz="4000" spc="-150" dirty="0">
-                <a:solidFill>
-                  <a:schemeClr val="tx1">
-                    <a:lumMod val="50000"/>
-                    <a:lumOff val="50000"/>
+              <a:rPr lang="en-US" altLang="ko-KR" sz="3200" spc="-150" dirty="0">
+                <a:solidFill>
+                  <a:schemeClr val="tx1">
+                    <a:lumMod val="75000"/>
+                    <a:lumOff val="25000"/>
                   </a:schemeClr>
                 </a:solidFill>
                 <a:latin typeface="나눔바른고딕" panose="020B0603020101020101" pitchFamily="50" charset="-127"/>
@@ -7643,6 +8348,18 @@
   <p:clrMapOvr>
     <a:masterClrMapping/>
   </p:clrMapOvr>
+  <mc:AlternateContent xmlns:mc="http://schemas.openxmlformats.org/markup-compatibility/2006" xmlns:p159="http://schemas.microsoft.com/office/powerpoint/2015/09/main">
+    <mc:Choice Requires="p159">
+      <p:transition xmlns:p14="http://schemas.microsoft.com/office/powerpoint/2010/main" spd="slow" p14:dur="2000">
+        <p159:morph option="byObject"/>
+      </p:transition>
+    </mc:Choice>
+    <mc:Fallback xmlns="">
+      <p:transition spd="slow">
+        <p:fade/>
+      </p:transition>
+    </mc:Fallback>
+  </mc:AlternateContent>
   <p:timing>
     <p:tnLst>
       <p:par>
@@ -7698,41 +8415,6 @@
                                   </p:childTnLst>
                                 </p:cTn>
                               </p:par>
-                              <p:par>
-                                <p:cTn id="8" presetID="10" presetClass="entr" presetSubtype="0" fill="hold" grpId="0" nodeType="withEffect">
-                                  <p:stCondLst>
-                                    <p:cond delay="0"/>
-                                  </p:stCondLst>
-                                  <p:childTnLst>
-                                    <p:set>
-                                      <p:cBhvr>
-                                        <p:cTn id="9" dur="1" fill="hold">
-                                          <p:stCondLst>
-                                            <p:cond delay="0"/>
-                                          </p:stCondLst>
-                                        </p:cTn>
-                                        <p:tgtEl>
-                                          <p:spTgt spid="3"/>
-                                        </p:tgtEl>
-                                        <p:attrNameLst>
-                                          <p:attrName>style.visibility</p:attrName>
-                                        </p:attrNameLst>
-                                      </p:cBhvr>
-                                      <p:to>
-                                        <p:strVal val="visible"/>
-                                      </p:to>
-                                    </p:set>
-                                    <p:animEffect transition="in" filter="fade">
-                                      <p:cBhvr>
-                                        <p:cTn id="10" dur="500"/>
-                                        <p:tgtEl>
-                                          <p:spTgt spid="3"/>
-                                        </p:tgtEl>
-                                      </p:cBhvr>
-                                    </p:animEffect>
-                                  </p:childTnLst>
-                                </p:cTn>
-                              </p:par>
                             </p:childTnLst>
                           </p:cTn>
                         </p:par>
@@ -7740,26 +8422,26 @@
                     </p:cTn>
                   </p:par>
                   <p:par>
-                    <p:cTn id="11" fill="hold">
+                    <p:cTn id="8" fill="hold">
                       <p:stCondLst>
                         <p:cond delay="indefinite"/>
                       </p:stCondLst>
                       <p:childTnLst>
                         <p:par>
-                          <p:cTn id="12" fill="hold">
+                          <p:cTn id="9" fill="hold">
                             <p:stCondLst>
                               <p:cond delay="0"/>
                             </p:stCondLst>
                             <p:childTnLst>
                               <p:par>
-                                <p:cTn id="13" presetID="10" presetClass="entr" presetSubtype="0" fill="hold" grpId="0" nodeType="clickEffect">
+                                <p:cTn id="10" presetID="10" presetClass="entr" presetSubtype="0" fill="hold" grpId="0" nodeType="clickEffect">
                                   <p:stCondLst>
                                     <p:cond delay="0"/>
                                   </p:stCondLst>
                                   <p:childTnLst>
                                     <p:set>
                                       <p:cBhvr>
-                                        <p:cTn id="14" dur="1" fill="hold">
+                                        <p:cTn id="11" dur="1" fill="hold">
                                           <p:stCondLst>
                                             <p:cond delay="0"/>
                                           </p:stCondLst>
@@ -7777,7 +8459,7 @@
                                     </p:set>
                                     <p:animEffect transition="in" filter="fade">
                                       <p:cBhvr>
-                                        <p:cTn id="15" dur="500"/>
+                                        <p:cTn id="12" dur="500"/>
                                         <p:tgtEl>
                                           <p:spTgt spid="8"/>
                                         </p:tgtEl>
@@ -7814,7 +8496,6 @@
       </p:par>
     </p:tnLst>
     <p:bldLst>
-      <p:bldP spid="3" grpId="0" animBg="1"/>
       <p:bldP spid="16" grpId="0" animBg="1"/>
       <p:bldP spid="8" grpId="0" animBg="1"/>
     </p:bldLst>
@@ -8047,7 +8728,7 @@
           </a:lstStyle>
           <a:p>
             <a:r>
-              <a:rPr lang="en-US" altLang="ko-KR" sz="4000" spc="-150" dirty="0">
+              <a:rPr lang="en-US" altLang="ko-KR" sz="3200" spc="-150" dirty="0">
                 <a:solidFill>
                   <a:schemeClr val="bg1">
                     <a:lumMod val="95000"/>
@@ -8060,7 +8741,7 @@
             </a:r>
           </a:p>
           <a:p>
-            <a:endParaRPr lang="en-US" altLang="ko-KR" sz="4000" spc="-150" dirty="0">
+            <a:endParaRPr lang="en-US" altLang="ko-KR" sz="3200" spc="-150" dirty="0">
               <a:solidFill>
                 <a:schemeClr val="bg1">
                   <a:lumMod val="95000"/>
@@ -8072,7 +8753,7 @@
           </a:p>
           <a:p>
             <a:r>
-              <a:rPr lang="ko-KR" altLang="en-US" sz="4000" spc="-150" dirty="0">
+              <a:rPr lang="ko-KR" altLang="en-US" sz="3200" spc="-150" dirty="0">
                 <a:solidFill>
                   <a:schemeClr val="bg1">
                     <a:lumMod val="95000"/>
@@ -8118,7 +8799,7 @@
         </p:spPr>
         <p:txBody>
           <a:bodyPr vert="horz" lIns="91440" tIns="45720" rIns="91440" bIns="45720" rtlCol="0" anchor="ctr">
-            <a:normAutofit lnSpcReduction="10000"/>
+            <a:normAutofit/>
           </a:bodyPr>
           <a:lstStyle>
             <a:lvl1pPr algn="ctr" defTabSz="914400" rtl="0" eaLnBrk="1" latinLnBrk="1" hangingPunct="1">
@@ -8138,11 +8819,11 @@
           </a:lstStyle>
           <a:p>
             <a:r>
-              <a:rPr lang="en-US" altLang="ko-KR" sz="4000" spc="-150" dirty="0">
-                <a:solidFill>
-                  <a:schemeClr val="tx1">
-                    <a:lumMod val="50000"/>
-                    <a:lumOff val="50000"/>
+              <a:rPr lang="en-US" altLang="ko-KR" sz="3200" spc="-150" dirty="0">
+                <a:solidFill>
+                  <a:schemeClr val="tx1">
+                    <a:lumMod val="75000"/>
+                    <a:lumOff val="25000"/>
                   </a:schemeClr>
                 </a:solidFill>
                 <a:latin typeface="나눔바른고딕" panose="020B0603020101020101" pitchFamily="50" charset="-127"/>
@@ -8152,11 +8833,11 @@
             </a:r>
           </a:p>
           <a:p>
-            <a:endParaRPr lang="en-US" altLang="ko-KR" sz="4000" spc="-150" dirty="0">
+            <a:endParaRPr lang="en-US" altLang="ko-KR" sz="3200" spc="-150" dirty="0">
               <a:solidFill>
                 <a:schemeClr val="tx1">
-                  <a:lumMod val="50000"/>
-                  <a:lumOff val="50000"/>
+                  <a:lumMod val="75000"/>
+                  <a:lumOff val="25000"/>
                 </a:schemeClr>
               </a:solidFill>
               <a:latin typeface="나눔바른고딕" panose="020B0603020101020101" pitchFamily="50" charset="-127"/>
@@ -8165,11 +8846,11 @@
           </a:p>
           <a:p>
             <a:r>
-              <a:rPr lang="ko-KR" altLang="en-US" sz="4000" spc="-150" dirty="0">
-                <a:solidFill>
-                  <a:schemeClr val="tx1">
-                    <a:lumMod val="50000"/>
-                    <a:lumOff val="50000"/>
+              <a:rPr lang="ko-KR" altLang="en-US" sz="3200" spc="-150" dirty="0">
+                <a:solidFill>
+                  <a:schemeClr val="tx1">
+                    <a:lumMod val="75000"/>
+                    <a:lumOff val="25000"/>
                   </a:schemeClr>
                 </a:solidFill>
                 <a:latin typeface="나눔바른고딕" panose="020B0603020101020101" pitchFamily="50" charset="-127"/>
@@ -8177,11 +8858,11 @@
               </a:rPr>
               <a:t>조건을 만족하지 </a:t>
             </a:r>
-            <a:endParaRPr lang="en-US" altLang="ko-KR" sz="4000" spc="-150" dirty="0">
+            <a:endParaRPr lang="en-US" altLang="ko-KR" sz="3200" spc="-150" dirty="0">
               <a:solidFill>
                 <a:schemeClr val="tx1">
-                  <a:lumMod val="50000"/>
-                  <a:lumOff val="50000"/>
+                  <a:lumMod val="75000"/>
+                  <a:lumOff val="25000"/>
                 </a:schemeClr>
               </a:solidFill>
               <a:latin typeface="나눔바른고딕" panose="020B0603020101020101" pitchFamily="50" charset="-127"/>
@@ -8190,11 +8871,11 @@
           </a:p>
           <a:p>
             <a:r>
-              <a:rPr lang="ko-KR" altLang="en-US" sz="4000" spc="-150" dirty="0">
-                <a:solidFill>
-                  <a:schemeClr val="tx1">
-                    <a:lumMod val="50000"/>
-                    <a:lumOff val="50000"/>
+              <a:rPr lang="ko-KR" altLang="en-US" sz="3200" spc="-150" dirty="0">
+                <a:solidFill>
+                  <a:schemeClr val="tx1">
+                    <a:lumMod val="75000"/>
+                    <a:lumOff val="25000"/>
                   </a:schemeClr>
                 </a:solidFill>
                 <a:latin typeface="나눔바른고딕" panose="020B0603020101020101" pitchFamily="50" charset="-127"/>
@@ -8258,11 +8939,11 @@
           <a:p>
             <a:pPr algn="l"/>
             <a:r>
-              <a:rPr lang="en-US" altLang="ko-KR" sz="4000" spc="-150" dirty="0">
-                <a:solidFill>
-                  <a:schemeClr val="tx1">
-                    <a:lumMod val="50000"/>
-                    <a:lumOff val="50000"/>
+              <a:rPr lang="en-US" altLang="ko-KR" sz="3200" spc="-150" dirty="0">
+                <a:solidFill>
+                  <a:schemeClr val="tx1">
+                    <a:lumMod val="75000"/>
+                    <a:lumOff val="25000"/>
                   </a:schemeClr>
                 </a:solidFill>
                 <a:latin typeface="나눔바른고딕" panose="020B0603020101020101" pitchFamily="50" charset="-127"/>
@@ -8271,11 +8952,11 @@
               <a:t>while </a:t>
             </a:r>
             <a:r>
-              <a:rPr lang="ko-KR" altLang="en-US" sz="4000" spc="-150" dirty="0">
-                <a:solidFill>
-                  <a:schemeClr val="tx1">
-                    <a:lumMod val="50000"/>
-                    <a:lumOff val="50000"/>
+              <a:rPr lang="ko-KR" altLang="en-US" sz="3200" spc="-150" dirty="0">
+                <a:solidFill>
+                  <a:schemeClr val="tx1">
+                    <a:lumMod val="75000"/>
+                    <a:lumOff val="25000"/>
                   </a:schemeClr>
                 </a:solidFill>
                 <a:latin typeface="나눔바른고딕" panose="020B0603020101020101" pitchFamily="50" charset="-127"/>
@@ -8284,11 +8965,11 @@
               <a:t>조건</a:t>
             </a:r>
             <a:r>
-              <a:rPr lang="en-US" altLang="ko-KR" sz="4000" spc="-150" dirty="0">
-                <a:solidFill>
-                  <a:schemeClr val="tx1">
-                    <a:lumMod val="50000"/>
-                    <a:lumOff val="50000"/>
+              <a:rPr lang="en-US" altLang="ko-KR" sz="3200" spc="-150" dirty="0">
+                <a:solidFill>
+                  <a:schemeClr val="tx1">
+                    <a:lumMod val="75000"/>
+                    <a:lumOff val="25000"/>
                   </a:schemeClr>
                 </a:solidFill>
                 <a:latin typeface="나눔바른고딕" panose="020B0603020101020101" pitchFamily="50" charset="-127"/>
@@ -8300,11 +8981,11 @@
           <a:p>
             <a:pPr algn="l"/>
             <a:r>
-              <a:rPr lang="en-US" altLang="ko-KR" sz="4000" spc="-150" dirty="0">
-                <a:solidFill>
-                  <a:schemeClr val="tx1">
-                    <a:lumMod val="50000"/>
-                    <a:lumOff val="50000"/>
+              <a:rPr lang="en-US" altLang="ko-KR" sz="3200" spc="-150" dirty="0">
+                <a:solidFill>
+                  <a:schemeClr val="tx1">
+                    <a:lumMod val="75000"/>
+                    <a:lumOff val="25000"/>
                   </a:schemeClr>
                 </a:solidFill>
                 <a:latin typeface="나눔바른고딕" panose="020B0603020101020101" pitchFamily="50" charset="-127"/>
@@ -8313,11 +8994,11 @@
               <a:t>	</a:t>
             </a:r>
             <a:r>
-              <a:rPr lang="ko-KR" altLang="en-US" sz="4000" spc="-150" dirty="0">
-                <a:solidFill>
-                  <a:schemeClr val="tx1">
-                    <a:lumMod val="50000"/>
-                    <a:lumOff val="50000"/>
+              <a:rPr lang="ko-KR" altLang="en-US" sz="3200" spc="-150" dirty="0">
+                <a:solidFill>
+                  <a:schemeClr val="tx1">
+                    <a:lumMod val="75000"/>
+                    <a:lumOff val="25000"/>
                   </a:schemeClr>
                 </a:solidFill>
                 <a:latin typeface="나눔바른고딕" panose="020B0603020101020101" pitchFamily="50" charset="-127"/>
@@ -8338,6 +9019,18 @@
   <p:clrMapOvr>
     <a:masterClrMapping/>
   </p:clrMapOvr>
+  <mc:AlternateContent xmlns:mc="http://schemas.openxmlformats.org/markup-compatibility/2006" xmlns:p159="http://schemas.microsoft.com/office/powerpoint/2015/09/main">
+    <mc:Choice Requires="p159">
+      <p:transition xmlns:p14="http://schemas.microsoft.com/office/powerpoint/2010/main" spd="slow" p14:dur="2000">
+        <p159:morph option="byObject"/>
+      </p:transition>
+    </mc:Choice>
+    <mc:Fallback xmlns="">
+      <p:transition spd="slow">
+        <p:fade/>
+      </p:transition>
+    </mc:Fallback>
+  </mc:AlternateContent>
   <p:timing>
     <p:tnLst>
       <p:par>
@@ -8699,7 +9392,7 @@
         </p:spPr>
         <p:txBody>
           <a:bodyPr vert="horz" lIns="91440" tIns="45720" rIns="91440" bIns="45720" rtlCol="0" anchor="ctr">
-            <a:normAutofit lnSpcReduction="10000"/>
+            <a:normAutofit/>
           </a:bodyPr>
           <a:lstStyle>
             <a:lvl1pPr algn="ctr" defTabSz="914400" rtl="0" eaLnBrk="1" latinLnBrk="1" hangingPunct="1">
@@ -8719,11 +9412,11 @@
           </a:lstStyle>
           <a:p>
             <a:r>
-              <a:rPr lang="ko-KR" altLang="en-US" sz="4000" spc="-150" dirty="0">
-                <a:solidFill>
-                  <a:schemeClr val="tx1">
-                    <a:lumMod val="50000"/>
-                    <a:lumOff val="50000"/>
+              <a:rPr lang="ko-KR" altLang="en-US" sz="3200" spc="-150" dirty="0">
+                <a:solidFill>
+                  <a:schemeClr val="tx1">
+                    <a:lumMod val="75000"/>
+                    <a:lumOff val="25000"/>
                   </a:schemeClr>
                 </a:solidFill>
                 <a:latin typeface="나눔바른고딕" panose="020B0603020101020101" pitchFamily="50" charset="-127"/>
@@ -8732,11 +9425,10 @@
               <a:t>사용자로부터 </a:t>
             </a:r>
             <a:r>
-              <a:rPr lang="en-US" altLang="ko-KR" sz="4000" spc="-150" dirty="0">
-                <a:solidFill>
-                  <a:schemeClr val="tx1">
-                    <a:lumMod val="50000"/>
-                    <a:lumOff val="50000"/>
+              <a:rPr lang="en-US" altLang="ko-KR" sz="3200" spc="-150" dirty="0">
+                <a:solidFill>
+                  <a:schemeClr val="accent6">
+                    <a:lumMod val="75000"/>
                   </a:schemeClr>
                 </a:solidFill>
                 <a:latin typeface="나눔바른고딕" panose="020B0603020101020101" pitchFamily="50" charset="-127"/>
@@ -8745,11 +9437,11 @@
               <a:t>-1</a:t>
             </a:r>
             <a:r>
-              <a:rPr lang="ko-KR" altLang="en-US" sz="4000" spc="-150" dirty="0">
-                <a:solidFill>
-                  <a:schemeClr val="tx1">
-                    <a:lumMod val="50000"/>
-                    <a:lumOff val="50000"/>
+              <a:rPr lang="ko-KR" altLang="en-US" sz="3200" spc="-150" dirty="0">
+                <a:solidFill>
+                  <a:schemeClr val="tx1">
+                    <a:lumMod val="75000"/>
+                    <a:lumOff val="25000"/>
                   </a:schemeClr>
                 </a:solidFill>
                 <a:latin typeface="나눔바른고딕" panose="020B0603020101020101" pitchFamily="50" charset="-127"/>
@@ -8757,11 +9449,11 @@
               </a:rPr>
               <a:t>을 입력 받으면 </a:t>
             </a:r>
-            <a:endParaRPr lang="en-US" altLang="ko-KR" sz="4000" spc="-150" dirty="0">
+            <a:endParaRPr lang="en-US" altLang="ko-KR" sz="3200" spc="-150" dirty="0">
               <a:solidFill>
                 <a:schemeClr val="tx1">
-                  <a:lumMod val="50000"/>
-                  <a:lumOff val="50000"/>
+                  <a:lumMod val="75000"/>
+                  <a:lumOff val="25000"/>
                 </a:schemeClr>
               </a:solidFill>
               <a:latin typeface="나눔바른고딕" panose="020B0603020101020101" pitchFamily="50" charset="-127"/>
@@ -8770,11 +9462,11 @@
           </a:p>
           <a:p>
             <a:r>
-              <a:rPr lang="ko-KR" altLang="en-US" sz="4000" spc="-150" dirty="0">
-                <a:solidFill>
-                  <a:schemeClr val="tx1">
-                    <a:lumMod val="50000"/>
-                    <a:lumOff val="50000"/>
+              <a:rPr lang="ko-KR" altLang="en-US" sz="3200" spc="-150" dirty="0">
+                <a:solidFill>
+                  <a:schemeClr val="tx1">
+                    <a:lumMod val="75000"/>
+                    <a:lumOff val="25000"/>
                   </a:schemeClr>
                 </a:solidFill>
                 <a:latin typeface="나눔바른고딕" panose="020B0603020101020101" pitchFamily="50" charset="-127"/>
@@ -8782,11 +9474,11 @@
               </a:rPr>
               <a:t>프로그램이 종료되는 프로그램을 </a:t>
             </a:r>
-            <a:endParaRPr lang="en-US" altLang="ko-KR" sz="4000" spc="-150" dirty="0">
+            <a:endParaRPr lang="en-US" altLang="ko-KR" sz="3200" spc="-150" dirty="0">
               <a:solidFill>
                 <a:schemeClr val="tx1">
-                  <a:lumMod val="50000"/>
-                  <a:lumOff val="50000"/>
+                  <a:lumMod val="75000"/>
+                  <a:lumOff val="25000"/>
                 </a:schemeClr>
               </a:solidFill>
               <a:latin typeface="나눔바른고딕" panose="020B0603020101020101" pitchFamily="50" charset="-127"/>
@@ -8795,11 +9487,11 @@
           </a:p>
           <a:p>
             <a:r>
-              <a:rPr lang="ko-KR" altLang="en-US" sz="4000" spc="-150" dirty="0">
-                <a:solidFill>
-                  <a:schemeClr val="tx1">
-                    <a:lumMod val="50000"/>
-                    <a:lumOff val="50000"/>
+              <a:rPr lang="ko-KR" altLang="en-US" sz="3200" spc="-150" dirty="0">
+                <a:solidFill>
+                  <a:schemeClr val="tx1">
+                    <a:lumMod val="75000"/>
+                    <a:lumOff val="25000"/>
                   </a:schemeClr>
                 </a:solidFill>
                 <a:latin typeface="나눔바른고딕" panose="020B0603020101020101" pitchFamily="50" charset="-127"/>
@@ -8808,11 +9500,11 @@
               <a:t>작성해보세요</a:t>
             </a:r>
             <a:r>
-              <a:rPr lang="en-US" altLang="ko-KR" sz="4000" spc="-150" dirty="0">
-                <a:solidFill>
-                  <a:schemeClr val="tx1">
-                    <a:lumMod val="50000"/>
-                    <a:lumOff val="50000"/>
+              <a:rPr lang="en-US" altLang="ko-KR" sz="3200" spc="-150" dirty="0">
+                <a:solidFill>
+                  <a:schemeClr val="tx1">
+                    <a:lumMod val="75000"/>
+                    <a:lumOff val="25000"/>
                   </a:schemeClr>
                 </a:solidFill>
                 <a:latin typeface="나눔바른고딕" panose="020B0603020101020101" pitchFamily="50" charset="-127"/>
@@ -8845,7 +9537,7 @@
         </p:blipFill>
         <p:spPr>
           <a:xfrm>
-            <a:off x="2890287" y="4112667"/>
+            <a:off x="2890287" y="4221088"/>
             <a:ext cx="3363425" cy="1650454"/>
           </a:xfrm>
           <a:prstGeom prst="rect">
@@ -8853,6 +9545,83 @@
           </a:prstGeom>
         </p:spPr>
       </p:pic>
+      <p:sp>
+        <p:nvSpPr>
+          <p:cNvPr id="8" name="제목 1">
+            <a:extLst>
+              <a:ext uri="{FF2B5EF4-FFF2-40B4-BE49-F238E27FC236}">
+                <a16:creationId xmlns:a16="http://schemas.microsoft.com/office/drawing/2014/main" id="{8CE7E8C9-3E43-47BC-95AB-A899E6242633}"/>
+              </a:ext>
+            </a:extLst>
+          </p:cNvPr>
+          <p:cNvSpPr txBox="1">
+            <a:spLocks/>
+          </p:cNvSpPr>
+          <p:nvPr/>
+        </p:nvSpPr>
+        <p:spPr>
+          <a:xfrm>
+            <a:off x="467544" y="332657"/>
+            <a:ext cx="8208912" cy="432048"/>
+          </a:xfrm>
+          <a:prstGeom prst="rect">
+            <a:avLst/>
+          </a:prstGeom>
+          <a:ln>
+            <a:solidFill>
+              <a:schemeClr val="accent1">
+                <a:alpha val="0"/>
+              </a:schemeClr>
+            </a:solidFill>
+          </a:ln>
+        </p:spPr>
+        <p:txBody>
+          <a:bodyPr vert="horz" lIns="91440" tIns="45720" rIns="91440" bIns="45720" rtlCol="0" anchor="ctr">
+            <a:normAutofit fontScale="77500" lnSpcReduction="20000"/>
+          </a:bodyPr>
+          <a:lstStyle>
+            <a:lvl1pPr algn="ctr" defTabSz="914400" rtl="0" eaLnBrk="1" latinLnBrk="1" hangingPunct="1">
+              <a:spcBef>
+                <a:spcPct val="0"/>
+              </a:spcBef>
+              <a:buNone/>
+              <a:defRPr sz="4400" kern="1200">
+                <a:solidFill>
+                  <a:schemeClr val="tx1"/>
+                </a:solidFill>
+                <a:latin typeface="+mj-lt"/>
+                <a:ea typeface="+mj-ea"/>
+                <a:cs typeface="+mj-cs"/>
+              </a:defRPr>
+            </a:lvl1pPr>
+          </a:lstStyle>
+          <a:p>
+            <a:r>
+              <a:rPr lang="en-US" altLang="ko-KR" sz="3200" spc="-150" dirty="0">
+                <a:solidFill>
+                  <a:schemeClr val="tx1">
+                    <a:lumMod val="75000"/>
+                    <a:lumOff val="25000"/>
+                  </a:schemeClr>
+                </a:solidFill>
+                <a:latin typeface="나눔바른고딕" panose="020B0603020101020101" pitchFamily="50" charset="-127"/>
+                <a:ea typeface="나눔바른고딕" panose="020B0603020101020101" pitchFamily="50" charset="-127"/>
+              </a:rPr>
+              <a:t>Q2</a:t>
+            </a:r>
+            <a:endParaRPr lang="ko-KR" altLang="en-US" sz="3200" spc="-150" dirty="0">
+              <a:solidFill>
+                <a:schemeClr val="tx1">
+                  <a:lumMod val="75000"/>
+                  <a:lumOff val="25000"/>
+                </a:schemeClr>
+              </a:solidFill>
+              <a:latin typeface="나눔바른고딕" panose="020B0603020101020101" pitchFamily="50" charset="-127"/>
+              <a:ea typeface="나눔바른고딕" panose="020B0603020101020101" pitchFamily="50" charset="-127"/>
+            </a:endParaRPr>
+          </a:p>
+        </p:txBody>
+      </p:sp>
     </p:spTree>
     <p:extLst>
       <p:ext uri="{BB962C8B-B14F-4D97-AF65-F5344CB8AC3E}">
@@ -8863,6 +9632,18 @@
   <p:clrMapOvr>
     <a:masterClrMapping/>
   </p:clrMapOvr>
+  <mc:AlternateContent xmlns:mc="http://schemas.openxmlformats.org/markup-compatibility/2006" xmlns:p159="http://schemas.microsoft.com/office/powerpoint/2015/09/main">
+    <mc:Choice Requires="p159">
+      <p:transition xmlns:p14="http://schemas.microsoft.com/office/powerpoint/2010/main" spd="slow" p14:dur="2000">
+        <p159:morph option="byObject"/>
+      </p:transition>
+    </mc:Choice>
+    <mc:Fallback xmlns="">
+      <p:transition spd="slow">
+        <p:fade/>
+      </p:transition>
+    </mc:Fallback>
+  </mc:AlternateContent>
   <p:timing>
     <p:tnLst>
       <p:par>
@@ -8923,21 +9704,39 @@
                                   </p:childTnLst>
                                 </p:cTn>
                               </p:par>
+                            </p:childTnLst>
+                          </p:cTn>
+                        </p:par>
+                      </p:childTnLst>
+                    </p:cTn>
+                  </p:par>
+                  <p:par>
+                    <p:cTn id="8" fill="hold">
+                      <p:stCondLst>
+                        <p:cond delay="indefinite"/>
+                      </p:stCondLst>
+                      <p:childTnLst>
+                        <p:par>
+                          <p:cTn id="9" fill="hold">
+                            <p:stCondLst>
+                              <p:cond delay="0"/>
+                            </p:stCondLst>
+                            <p:childTnLst>
                               <p:par>
-                                <p:cTn id="8" presetID="10" presetClass="entr" presetSubtype="0" fill="hold" grpId="0" nodeType="withEffect">
+                                <p:cTn id="10" presetID="10" presetClass="entr" presetSubtype="0" fill="hold" nodeType="clickEffect">
                                   <p:stCondLst>
                                     <p:cond delay="0"/>
                                   </p:stCondLst>
                                   <p:childTnLst>
                                     <p:set>
                                       <p:cBhvr>
-                                        <p:cTn id="9" dur="1" fill="hold">
+                                        <p:cTn id="11" dur="1" fill="hold">
                                           <p:stCondLst>
                                             <p:cond delay="0"/>
                                           </p:stCondLst>
                                         </p:cTn>
                                         <p:tgtEl>
-                                          <p:spTgt spid="6"/>
+                                          <p:spTgt spid="7"/>
                                         </p:tgtEl>
                                         <p:attrNameLst>
                                           <p:attrName>style.visibility</p:attrName>
@@ -8949,9 +9748,9 @@
                                     </p:set>
                                     <p:animEffect transition="in" filter="fade">
                                       <p:cBhvr>
-                                        <p:cTn id="10" dur="500"/>
+                                        <p:cTn id="12" dur="500"/>
                                         <p:tgtEl>
-                                          <p:spTgt spid="6"/>
+                                          <p:spTgt spid="7"/>
                                         </p:tgtEl>
                                       </p:cBhvr>
                                     </p:animEffect>
@@ -8986,7 +9785,6 @@
       </p:par>
     </p:tnLst>
     <p:bldLst>
-      <p:bldP spid="6" grpId="0" animBg="1"/>
       <p:bldP spid="4" grpId="0"/>
     </p:bldLst>
   </p:timing>
@@ -9088,9 +9886,7 @@
                   </a:solidFill>
                 </a:ln>
                 <a:solidFill>
-                  <a:schemeClr val="bg1">
-                    <a:lumMod val="95000"/>
-                  </a:schemeClr>
+                  <a:schemeClr val="bg1"/>
                 </a:solidFill>
                 <a:latin typeface="나눔바른고딕" panose="020B0603020101020101" pitchFamily="50" charset="-127"/>
                 <a:ea typeface="나눔바른고딕" panose="020B0603020101020101" pitchFamily="50" charset="-127"/>
@@ -9107,9 +9903,7 @@
                   </a:solidFill>
                 </a:ln>
                 <a:solidFill>
-                  <a:schemeClr val="bg1">
-                    <a:lumMod val="95000"/>
-                  </a:schemeClr>
+                  <a:schemeClr val="bg1"/>
                 </a:solidFill>
                 <a:latin typeface="나눔바른고딕" panose="020B0603020101020101" pitchFamily="50" charset="-127"/>
                 <a:ea typeface="나눔바른고딕" panose="020B0603020101020101" pitchFamily="50" charset="-127"/>
@@ -9126,9 +9920,7 @@
                   </a:solidFill>
                 </a:ln>
                 <a:solidFill>
-                  <a:schemeClr val="bg1">
-                    <a:lumMod val="95000"/>
-                  </a:schemeClr>
+                  <a:schemeClr val="bg1"/>
                 </a:solidFill>
                 <a:latin typeface="나눔바른고딕" panose="020B0603020101020101" pitchFamily="50" charset="-127"/>
                 <a:ea typeface="나눔바른고딕" panose="020B0603020101020101" pitchFamily="50" charset="-127"/>
@@ -9145,9 +9937,7 @@
                   </a:solidFill>
                 </a:ln>
                 <a:solidFill>
-                  <a:schemeClr val="bg1">
-                    <a:lumMod val="95000"/>
-                  </a:schemeClr>
+                  <a:schemeClr val="bg1"/>
                 </a:solidFill>
                 <a:latin typeface="나눔바른고딕" panose="020B0603020101020101" pitchFamily="50" charset="-127"/>
                 <a:ea typeface="나눔바른고딕" panose="020B0603020101020101" pitchFamily="50" charset="-127"/>
@@ -9163,9 +9953,7 @@
                   </a:solidFill>
                 </a:ln>
                 <a:solidFill>
-                  <a:schemeClr val="bg1">
-                    <a:lumMod val="95000"/>
-                  </a:schemeClr>
+                  <a:schemeClr val="bg1"/>
                 </a:solidFill>
                 <a:latin typeface="나눔바른고딕" panose="020B0603020101020101" pitchFamily="50" charset="-127"/>
                 <a:ea typeface="나눔바른고딕" panose="020B0603020101020101" pitchFamily="50" charset="-127"/>
@@ -9182,9 +9970,7 @@
                   </a:solidFill>
                 </a:ln>
                 <a:solidFill>
-                  <a:schemeClr val="bg1">
-                    <a:lumMod val="95000"/>
-                  </a:schemeClr>
+                  <a:schemeClr val="bg1"/>
                 </a:solidFill>
                 <a:latin typeface="나눔바른고딕" panose="020B0603020101020101" pitchFamily="50" charset="-127"/>
                 <a:ea typeface="나눔바른고딕" panose="020B0603020101020101" pitchFamily="50" charset="-127"/>
@@ -9201,9 +9987,7 @@
                   </a:solidFill>
                 </a:ln>
                 <a:solidFill>
-                  <a:schemeClr val="bg1">
-                    <a:lumMod val="95000"/>
-                  </a:schemeClr>
+                  <a:schemeClr val="bg1"/>
                 </a:solidFill>
                 <a:latin typeface="나눔바른고딕" panose="020B0603020101020101" pitchFamily="50" charset="-127"/>
                 <a:ea typeface="나눔바른고딕" panose="020B0603020101020101" pitchFamily="50" charset="-127"/>
@@ -9220,9 +10004,7 @@
                   </a:solidFill>
                 </a:ln>
                 <a:solidFill>
-                  <a:schemeClr val="bg1">
-                    <a:lumMod val="95000"/>
-                  </a:schemeClr>
+                  <a:schemeClr val="bg1"/>
                 </a:solidFill>
                 <a:latin typeface="나눔바른고딕" panose="020B0603020101020101" pitchFamily="50" charset="-127"/>
                 <a:ea typeface="나눔바른고딕" panose="020B0603020101020101" pitchFamily="50" charset="-127"/>
@@ -9238,9 +10020,7 @@
                   </a:solidFill>
                 </a:ln>
                 <a:solidFill>
-                  <a:schemeClr val="bg1">
-                    <a:lumMod val="95000"/>
-                  </a:schemeClr>
+                  <a:schemeClr val="bg1"/>
                 </a:solidFill>
                 <a:latin typeface="나눔바른고딕" panose="020B0603020101020101" pitchFamily="50" charset="-127"/>
                 <a:ea typeface="나눔바른고딕" panose="020B0603020101020101" pitchFamily="50" charset="-127"/>
@@ -9257,9 +10037,7 @@
                   </a:solidFill>
                 </a:ln>
                 <a:solidFill>
-                  <a:schemeClr val="bg1">
-                    <a:lumMod val="95000"/>
-                  </a:schemeClr>
+                  <a:schemeClr val="bg1"/>
                 </a:solidFill>
                 <a:latin typeface="나눔바른고딕" panose="020B0603020101020101" pitchFamily="50" charset="-127"/>
                 <a:ea typeface="나눔바른고딕" panose="020B0603020101020101" pitchFamily="50" charset="-127"/>
@@ -9276,9 +10054,7 @@
                   </a:solidFill>
                 </a:ln>
                 <a:solidFill>
-                  <a:schemeClr val="bg1">
-                    <a:lumMod val="95000"/>
-                  </a:schemeClr>
+                  <a:schemeClr val="bg1"/>
                 </a:solidFill>
                 <a:latin typeface="나눔바른고딕" panose="020B0603020101020101" pitchFamily="50" charset="-127"/>
                 <a:ea typeface="나눔바른고딕" panose="020B0603020101020101" pitchFamily="50" charset="-127"/>
@@ -9295,9 +10071,7 @@
                   </a:solidFill>
                 </a:ln>
                 <a:solidFill>
-                  <a:schemeClr val="bg1">
-                    <a:lumMod val="95000"/>
-                  </a:schemeClr>
+                  <a:schemeClr val="bg1"/>
                 </a:solidFill>
                 <a:latin typeface="나눔바른고딕" panose="020B0603020101020101" pitchFamily="50" charset="-127"/>
                 <a:ea typeface="나눔바른고딕" panose="020B0603020101020101" pitchFamily="50" charset="-127"/>
@@ -9313,9 +10087,7 @@
                   </a:solidFill>
                 </a:ln>
                 <a:solidFill>
-                  <a:schemeClr val="bg1">
-                    <a:lumMod val="95000"/>
-                  </a:schemeClr>
+                  <a:schemeClr val="bg1"/>
                 </a:solidFill>
                 <a:latin typeface="나눔바른고딕" panose="020B0603020101020101" pitchFamily="50" charset="-127"/>
                 <a:ea typeface="나눔바른고딕" panose="020B0603020101020101" pitchFamily="50" charset="-127"/>
@@ -9332,9 +10104,7 @@
                   </a:solidFill>
                 </a:ln>
                 <a:solidFill>
-                  <a:schemeClr val="bg1">
-                    <a:lumMod val="95000"/>
-                  </a:schemeClr>
+                  <a:schemeClr val="bg1"/>
                 </a:solidFill>
                 <a:latin typeface="나눔바른고딕" panose="020B0603020101020101" pitchFamily="50" charset="-127"/>
                 <a:ea typeface="나눔바른고딕" panose="020B0603020101020101" pitchFamily="50" charset="-127"/>
@@ -9351,9 +10121,7 @@
                   </a:solidFill>
                 </a:ln>
                 <a:solidFill>
-                  <a:schemeClr val="bg1">
-                    <a:lumMod val="95000"/>
-                  </a:schemeClr>
+                  <a:schemeClr val="bg1"/>
                 </a:solidFill>
                 <a:latin typeface="나눔바른고딕" panose="020B0603020101020101" pitchFamily="50" charset="-127"/>
                 <a:ea typeface="나눔바른고딕" panose="020B0603020101020101" pitchFamily="50" charset="-127"/>
@@ -9369,9 +10137,7 @@
                   </a:solidFill>
                 </a:ln>
                 <a:solidFill>
-                  <a:schemeClr val="bg1">
-                    <a:lumMod val="95000"/>
-                  </a:schemeClr>
+                  <a:schemeClr val="bg1"/>
                 </a:solidFill>
                 <a:latin typeface="나눔바른고딕" panose="020B0603020101020101" pitchFamily="50" charset="-127"/>
                 <a:ea typeface="나눔바른고딕" panose="020B0603020101020101" pitchFamily="50" charset="-127"/>
@@ -9388,9 +10154,7 @@
                   </a:solidFill>
                 </a:ln>
                 <a:solidFill>
-                  <a:schemeClr val="bg1">
-                    <a:lumMod val="95000"/>
-                  </a:schemeClr>
+                  <a:schemeClr val="bg1"/>
                 </a:solidFill>
                 <a:latin typeface="나눔바른고딕" panose="020B0603020101020101" pitchFamily="50" charset="-127"/>
                 <a:ea typeface="나눔바른고딕" panose="020B0603020101020101" pitchFamily="50" charset="-127"/>
@@ -9407,9 +10171,7 @@
                   </a:solidFill>
                 </a:ln>
                 <a:solidFill>
-                  <a:schemeClr val="bg1">
-                    <a:lumMod val="95000"/>
-                  </a:schemeClr>
+                  <a:schemeClr val="bg1"/>
                 </a:solidFill>
                 <a:latin typeface="나눔바른고딕" panose="020B0603020101020101" pitchFamily="50" charset="-127"/>
                 <a:ea typeface="나눔바른고딕" panose="020B0603020101020101" pitchFamily="50" charset="-127"/>
@@ -9426,9 +10188,7 @@
                   </a:solidFill>
                 </a:ln>
                 <a:solidFill>
-                  <a:schemeClr val="bg1">
-                    <a:lumMod val="95000"/>
-                  </a:schemeClr>
+                  <a:schemeClr val="bg1"/>
                 </a:solidFill>
                 <a:latin typeface="나눔바른고딕" panose="020B0603020101020101" pitchFamily="50" charset="-127"/>
                 <a:ea typeface="나눔바른고딕" panose="020B0603020101020101" pitchFamily="50" charset="-127"/>
@@ -9443,9 +10203,7 @@
                 </a:solidFill>
               </a:ln>
               <a:solidFill>
-                <a:schemeClr val="bg1">
-                  <a:lumMod val="95000"/>
-                </a:schemeClr>
+                <a:schemeClr val="bg1"/>
               </a:solidFill>
               <a:latin typeface="나눔바른고딕" panose="020B0603020101020101" pitchFamily="50" charset="-127"/>
               <a:ea typeface="나눔바른고딕" panose="020B0603020101020101" pitchFamily="50" charset="-127"/>
@@ -9467,7 +10225,7 @@
         </p:nvSpPr>
         <p:spPr>
           <a:xfrm>
-            <a:off x="5508104" y="-99392"/>
+            <a:off x="5580112" y="-99392"/>
             <a:ext cx="3744416" cy="7056784"/>
           </a:xfrm>
           <a:prstGeom prst="rect">
@@ -9666,7 +10424,7 @@
         </p:spPr>
         <p:txBody>
           <a:bodyPr vert="horz" lIns="91440" tIns="45720" rIns="91440" bIns="45720" rtlCol="0" anchor="ctr">
-            <a:normAutofit lnSpcReduction="10000"/>
+            <a:normAutofit/>
           </a:bodyPr>
           <a:lstStyle>
             <a:lvl1pPr algn="ctr" defTabSz="914400" rtl="0" eaLnBrk="1" latinLnBrk="1" hangingPunct="1">
@@ -9686,11 +10444,11 @@
           </a:lstStyle>
           <a:p>
             <a:r>
-              <a:rPr lang="ko-KR" altLang="en-US" sz="4000" spc="-150" dirty="0">
-                <a:solidFill>
-                  <a:schemeClr val="tx1">
-                    <a:lumMod val="50000"/>
-                    <a:lumOff val="50000"/>
+              <a:rPr lang="ko-KR" altLang="en-US" sz="3200" spc="-150" dirty="0">
+                <a:solidFill>
+                  <a:schemeClr val="tx1">
+                    <a:lumMod val="75000"/>
+                    <a:lumOff val="25000"/>
                   </a:schemeClr>
                 </a:solidFill>
                 <a:latin typeface="나눔바른고딕" panose="020B0603020101020101" pitchFamily="50" charset="-127"/>
@@ -9698,89 +10456,139 @@
               </a:rPr>
               <a:t>사용자로부터 기분이 좋아지는 문장을 </a:t>
             </a:r>
-            <a:r>
-              <a:rPr lang="en-US" altLang="ko-KR" sz="4000" spc="-150" dirty="0">
-                <a:solidFill>
-                  <a:schemeClr val="tx1">
-                    <a:lumMod val="50000"/>
-                    <a:lumOff val="50000"/>
-                  </a:schemeClr>
-                </a:solidFill>
-                <a:latin typeface="나눔바른고딕" panose="020B0603020101020101" pitchFamily="50" charset="-127"/>
-                <a:ea typeface="나눔바른고딕" panose="020B0603020101020101" pitchFamily="50" charset="-127"/>
-              </a:rPr>
-              <a:t>5</a:t>
-            </a:r>
-            <a:r>
-              <a:rPr lang="ko-KR" altLang="en-US" sz="4000" spc="-150" dirty="0">
-                <a:solidFill>
-                  <a:schemeClr val="tx1">
-                    <a:lumMod val="50000"/>
-                    <a:lumOff val="50000"/>
-                  </a:schemeClr>
-                </a:solidFill>
-                <a:latin typeface="나눔바른고딕" panose="020B0603020101020101" pitchFamily="50" charset="-127"/>
-                <a:ea typeface="나눔바른고딕" panose="020B0603020101020101" pitchFamily="50" charset="-127"/>
-              </a:rPr>
-              <a:t>번 입력 받고</a:t>
-            </a:r>
-            <a:r>
-              <a:rPr lang="en-US" altLang="ko-KR" sz="4000" spc="-150" dirty="0">
-                <a:solidFill>
-                  <a:schemeClr val="tx1">
-                    <a:lumMod val="50000"/>
-                    <a:lumOff val="50000"/>
-                  </a:schemeClr>
-                </a:solidFill>
-                <a:latin typeface="나눔바른고딕" panose="020B0603020101020101" pitchFamily="50" charset="-127"/>
-                <a:ea typeface="나눔바른고딕" panose="020B0603020101020101" pitchFamily="50" charset="-127"/>
-              </a:rPr>
-              <a:t>, </a:t>
-            </a:r>
-            <a:r>
-              <a:rPr lang="ko-KR" altLang="en-US" sz="4000" spc="-150" dirty="0">
-                <a:solidFill>
-                  <a:schemeClr val="tx1">
-                    <a:lumMod val="50000"/>
-                    <a:lumOff val="50000"/>
-                  </a:schemeClr>
-                </a:solidFill>
-                <a:latin typeface="나눔바른고딕" panose="020B0603020101020101" pitchFamily="50" charset="-127"/>
-                <a:ea typeface="나눔바른고딕" panose="020B0603020101020101" pitchFamily="50" charset="-127"/>
-              </a:rPr>
-              <a:t>각 문장을 리스트 요소로 추가해보세요</a:t>
-            </a:r>
-            <a:r>
-              <a:rPr lang="en-US" altLang="ko-KR" sz="4000" spc="-150" dirty="0">
-                <a:solidFill>
-                  <a:schemeClr val="tx1">
-                    <a:lumMod val="50000"/>
-                    <a:lumOff val="50000"/>
-                  </a:schemeClr>
-                </a:solidFill>
-                <a:latin typeface="나눔바른고딕" panose="020B0603020101020101" pitchFamily="50" charset="-127"/>
-                <a:ea typeface="나눔바른고딕" panose="020B0603020101020101" pitchFamily="50" charset="-127"/>
-              </a:rPr>
-              <a:t>.</a:t>
-            </a:r>
-            <a:r>
-              <a:rPr lang="ko-KR" altLang="en-US" sz="4000" spc="-150" dirty="0">
-                <a:solidFill>
-                  <a:schemeClr val="tx1">
-                    <a:lumMod val="50000"/>
-                    <a:lumOff val="50000"/>
-                  </a:schemeClr>
-                </a:solidFill>
-                <a:latin typeface="나눔바른고딕" panose="020B0603020101020101" pitchFamily="50" charset="-127"/>
-                <a:ea typeface="나눔바른고딕" panose="020B0603020101020101" pitchFamily="50" charset="-127"/>
-              </a:rPr>
-              <a:t> </a:t>
-            </a:r>
-            <a:endParaRPr lang="en-US" altLang="ko-KR" sz="4000" spc="-150" dirty="0">
+            <a:endParaRPr lang="en-US" altLang="ko-KR" sz="3200" spc="-150" dirty="0">
               <a:solidFill>
                 <a:schemeClr val="tx1">
-                  <a:lumMod val="50000"/>
-                  <a:lumOff val="50000"/>
+                  <a:lumMod val="75000"/>
+                  <a:lumOff val="25000"/>
+                </a:schemeClr>
+              </a:solidFill>
+              <a:latin typeface="나눔바른고딕" panose="020B0603020101020101" pitchFamily="50" charset="-127"/>
+              <a:ea typeface="나눔바른고딕" panose="020B0603020101020101" pitchFamily="50" charset="-127"/>
+            </a:endParaRPr>
+          </a:p>
+          <a:p>
+            <a:r>
+              <a:rPr lang="en-US" altLang="ko-KR" sz="3200" spc="-150" dirty="0">
+                <a:solidFill>
+                  <a:schemeClr val="accent6">
+                    <a:lumMod val="75000"/>
+                  </a:schemeClr>
+                </a:solidFill>
+                <a:latin typeface="나눔바른고딕" panose="020B0603020101020101" pitchFamily="50" charset="-127"/>
+                <a:ea typeface="나눔바른고딕" panose="020B0603020101020101" pitchFamily="50" charset="-127"/>
+              </a:rPr>
+              <a:t>5</a:t>
+            </a:r>
+            <a:r>
+              <a:rPr lang="ko-KR" altLang="en-US" sz="3200" spc="-150" dirty="0">
+                <a:solidFill>
+                  <a:schemeClr val="accent6">
+                    <a:lumMod val="75000"/>
+                  </a:schemeClr>
+                </a:solidFill>
+                <a:latin typeface="나눔바른고딕" panose="020B0603020101020101" pitchFamily="50" charset="-127"/>
+                <a:ea typeface="나눔바른고딕" panose="020B0603020101020101" pitchFamily="50" charset="-127"/>
+              </a:rPr>
+              <a:t>번</a:t>
+            </a:r>
+            <a:r>
+              <a:rPr lang="ko-KR" altLang="en-US" sz="3200" spc="-150" dirty="0">
+                <a:solidFill>
+                  <a:schemeClr val="tx1">
+                    <a:lumMod val="75000"/>
+                    <a:lumOff val="25000"/>
+                  </a:schemeClr>
+                </a:solidFill>
+                <a:latin typeface="나눔바른고딕" panose="020B0603020101020101" pitchFamily="50" charset="-127"/>
+                <a:ea typeface="나눔바른고딕" panose="020B0603020101020101" pitchFamily="50" charset="-127"/>
+              </a:rPr>
+              <a:t> 입력 받고</a:t>
+            </a:r>
+            <a:r>
+              <a:rPr lang="en-US" altLang="ko-KR" sz="3200" spc="-150" dirty="0">
+                <a:solidFill>
+                  <a:schemeClr val="tx1">
+                    <a:lumMod val="75000"/>
+                    <a:lumOff val="25000"/>
+                  </a:schemeClr>
+                </a:solidFill>
+                <a:latin typeface="나눔바른고딕" panose="020B0603020101020101" pitchFamily="50" charset="-127"/>
+                <a:ea typeface="나눔바른고딕" panose="020B0603020101020101" pitchFamily="50" charset="-127"/>
+              </a:rPr>
+              <a:t>, </a:t>
+            </a:r>
+          </a:p>
+          <a:p>
+            <a:r>
+              <a:rPr lang="ko-KR" altLang="en-US" sz="3200" spc="-150" dirty="0">
+                <a:solidFill>
+                  <a:schemeClr val="tx1">
+                    <a:lumMod val="75000"/>
+                    <a:lumOff val="25000"/>
+                  </a:schemeClr>
+                </a:solidFill>
+                <a:latin typeface="나눔바른고딕" panose="020B0603020101020101" pitchFamily="50" charset="-127"/>
+                <a:ea typeface="나눔바른고딕" panose="020B0603020101020101" pitchFamily="50" charset="-127"/>
+              </a:rPr>
+              <a:t>각 문장을 </a:t>
+            </a:r>
+            <a:r>
+              <a:rPr lang="ko-KR" altLang="en-US" sz="3200" spc="-150" dirty="0">
+                <a:solidFill>
+                  <a:schemeClr val="accent6">
+                    <a:lumMod val="75000"/>
+                  </a:schemeClr>
+                </a:solidFill>
+                <a:latin typeface="나눔바른고딕" panose="020B0603020101020101" pitchFamily="50" charset="-127"/>
+                <a:ea typeface="나눔바른고딕" panose="020B0603020101020101" pitchFamily="50" charset="-127"/>
+              </a:rPr>
+              <a:t>리스트 요소</a:t>
+            </a:r>
+            <a:r>
+              <a:rPr lang="ko-KR" altLang="en-US" sz="3200" spc="-150" dirty="0">
+                <a:solidFill>
+                  <a:schemeClr val="tx1">
+                    <a:lumMod val="75000"/>
+                    <a:lumOff val="25000"/>
+                  </a:schemeClr>
+                </a:solidFill>
+                <a:latin typeface="나눔바른고딕" panose="020B0603020101020101" pitchFamily="50" charset="-127"/>
+                <a:ea typeface="나눔바른고딕" panose="020B0603020101020101" pitchFamily="50" charset="-127"/>
+              </a:rPr>
+              <a:t>로 추가해보세요</a:t>
+            </a:r>
+            <a:r>
+              <a:rPr lang="en-US" altLang="ko-KR" sz="3200" spc="-150" dirty="0">
+                <a:solidFill>
+                  <a:schemeClr val="tx1">
+                    <a:lumMod val="75000"/>
+                    <a:lumOff val="25000"/>
+                  </a:schemeClr>
+                </a:solidFill>
+                <a:latin typeface="나눔바른고딕" panose="020B0603020101020101" pitchFamily="50" charset="-127"/>
+                <a:ea typeface="나눔바른고딕" panose="020B0603020101020101" pitchFamily="50" charset="-127"/>
+              </a:rPr>
+              <a:t>.</a:t>
+            </a:r>
+            <a:r>
+              <a:rPr lang="ko-KR" altLang="en-US" sz="3200" spc="-150" dirty="0">
+                <a:solidFill>
+                  <a:schemeClr val="tx1">
+                    <a:lumMod val="75000"/>
+                    <a:lumOff val="25000"/>
+                  </a:schemeClr>
+                </a:solidFill>
+                <a:latin typeface="나눔바른고딕" panose="020B0603020101020101" pitchFamily="50" charset="-127"/>
+                <a:ea typeface="나눔바른고딕" panose="020B0603020101020101" pitchFamily="50" charset="-127"/>
+              </a:rPr>
+              <a:t> </a:t>
+            </a:r>
+            <a:endParaRPr lang="en-US" altLang="ko-KR" sz="3200" spc="-150" dirty="0">
+              <a:solidFill>
+                <a:schemeClr val="tx1">
+                  <a:lumMod val="75000"/>
+                  <a:lumOff val="25000"/>
                 </a:schemeClr>
               </a:solidFill>
               <a:latin typeface="나눔바른고딕" panose="020B0603020101020101" pitchFamily="50" charset="-127"/>
@@ -9819,6 +10627,83 @@
           </a:prstGeom>
         </p:spPr>
       </p:pic>
+      <p:sp>
+        <p:nvSpPr>
+          <p:cNvPr id="7" name="제목 1">
+            <a:extLst>
+              <a:ext uri="{FF2B5EF4-FFF2-40B4-BE49-F238E27FC236}">
+                <a16:creationId xmlns:a16="http://schemas.microsoft.com/office/drawing/2014/main" id="{5CF5505B-8BDC-4B1D-8A8E-9480EA163580}"/>
+              </a:ext>
+            </a:extLst>
+          </p:cNvPr>
+          <p:cNvSpPr txBox="1">
+            <a:spLocks/>
+          </p:cNvSpPr>
+          <p:nvPr/>
+        </p:nvSpPr>
+        <p:spPr>
+          <a:xfrm>
+            <a:off x="467544" y="332657"/>
+            <a:ext cx="8208912" cy="432048"/>
+          </a:xfrm>
+          <a:prstGeom prst="rect">
+            <a:avLst/>
+          </a:prstGeom>
+          <a:ln>
+            <a:solidFill>
+              <a:schemeClr val="accent1">
+                <a:alpha val="0"/>
+              </a:schemeClr>
+            </a:solidFill>
+          </a:ln>
+        </p:spPr>
+        <p:txBody>
+          <a:bodyPr vert="horz" lIns="91440" tIns="45720" rIns="91440" bIns="45720" rtlCol="0" anchor="ctr">
+            <a:normAutofit fontScale="77500" lnSpcReduction="20000"/>
+          </a:bodyPr>
+          <a:lstStyle>
+            <a:lvl1pPr algn="ctr" defTabSz="914400" rtl="0" eaLnBrk="1" latinLnBrk="1" hangingPunct="1">
+              <a:spcBef>
+                <a:spcPct val="0"/>
+              </a:spcBef>
+              <a:buNone/>
+              <a:defRPr sz="4400" kern="1200">
+                <a:solidFill>
+                  <a:schemeClr val="tx1"/>
+                </a:solidFill>
+                <a:latin typeface="+mj-lt"/>
+                <a:ea typeface="+mj-ea"/>
+                <a:cs typeface="+mj-cs"/>
+              </a:defRPr>
+            </a:lvl1pPr>
+          </a:lstStyle>
+          <a:p>
+            <a:r>
+              <a:rPr lang="en-US" altLang="ko-KR" sz="3200" spc="-150" dirty="0">
+                <a:solidFill>
+                  <a:schemeClr val="tx1">
+                    <a:lumMod val="75000"/>
+                    <a:lumOff val="25000"/>
+                  </a:schemeClr>
+                </a:solidFill>
+                <a:latin typeface="나눔바른고딕" panose="020B0603020101020101" pitchFamily="50" charset="-127"/>
+                <a:ea typeface="나눔바른고딕" panose="020B0603020101020101" pitchFamily="50" charset="-127"/>
+              </a:rPr>
+              <a:t>Q3</a:t>
+            </a:r>
+            <a:endParaRPr lang="ko-KR" altLang="en-US" sz="3200" spc="-150" dirty="0">
+              <a:solidFill>
+                <a:schemeClr val="tx1">
+                  <a:lumMod val="75000"/>
+                  <a:lumOff val="25000"/>
+                </a:schemeClr>
+              </a:solidFill>
+              <a:latin typeface="나눔바른고딕" panose="020B0603020101020101" pitchFamily="50" charset="-127"/>
+              <a:ea typeface="나눔바른고딕" panose="020B0603020101020101" pitchFamily="50" charset="-127"/>
+            </a:endParaRPr>
+          </a:p>
+        </p:txBody>
+      </p:sp>
     </p:spTree>
     <p:extLst>
       <p:ext uri="{BB962C8B-B14F-4D97-AF65-F5344CB8AC3E}">
@@ -9829,6 +10714,18 @@
   <p:clrMapOvr>
     <a:masterClrMapping/>
   </p:clrMapOvr>
+  <mc:AlternateContent xmlns:mc="http://schemas.openxmlformats.org/markup-compatibility/2006" xmlns:p159="http://schemas.microsoft.com/office/powerpoint/2015/09/main">
+    <mc:Choice Requires="p159">
+      <p:transition xmlns:p14="http://schemas.microsoft.com/office/powerpoint/2010/main" spd="slow" p14:dur="2000">
+        <p159:morph option="byObject"/>
+      </p:transition>
+    </mc:Choice>
+    <mc:Fallback xmlns="">
+      <p:transition spd="slow">
+        <p:fade/>
+      </p:transition>
+    </mc:Fallback>
+  </mc:AlternateContent>
   <p:timing>
     <p:tnLst>
       <p:par>
@@ -9889,21 +10786,39 @@
                                   </p:childTnLst>
                                 </p:cTn>
                               </p:par>
+                            </p:childTnLst>
+                          </p:cTn>
+                        </p:par>
+                      </p:childTnLst>
+                    </p:cTn>
+                  </p:par>
+                  <p:par>
+                    <p:cTn id="8" fill="hold">
+                      <p:stCondLst>
+                        <p:cond delay="indefinite"/>
+                      </p:stCondLst>
+                      <p:childTnLst>
+                        <p:par>
+                          <p:cTn id="9" fill="hold">
+                            <p:stCondLst>
+                              <p:cond delay="0"/>
+                            </p:stCondLst>
+                            <p:childTnLst>
                               <p:par>
-                                <p:cTn id="8" presetID="10" presetClass="entr" presetSubtype="0" fill="hold" grpId="0" nodeType="withEffect">
+                                <p:cTn id="10" presetID="10" presetClass="entr" presetSubtype="0" fill="hold" nodeType="clickEffect">
                                   <p:stCondLst>
                                     <p:cond delay="0"/>
                                   </p:stCondLst>
                                   <p:childTnLst>
                                     <p:set>
                                       <p:cBhvr>
-                                        <p:cTn id="9" dur="1" fill="hold">
+                                        <p:cTn id="11" dur="1" fill="hold">
                                           <p:stCondLst>
                                             <p:cond delay="0"/>
                                           </p:stCondLst>
                                         </p:cTn>
                                         <p:tgtEl>
-                                          <p:spTgt spid="6"/>
+                                          <p:spTgt spid="2"/>
                                         </p:tgtEl>
                                         <p:attrNameLst>
                                           <p:attrName>style.visibility</p:attrName>
@@ -9915,9 +10830,9 @@
                                     </p:set>
                                     <p:animEffect transition="in" filter="fade">
                                       <p:cBhvr>
-                                        <p:cTn id="10" dur="500"/>
+                                        <p:cTn id="12" dur="500"/>
                                         <p:tgtEl>
-                                          <p:spTgt spid="6"/>
+                                          <p:spTgt spid="2"/>
                                         </p:tgtEl>
                                       </p:cBhvr>
                                     </p:animEffect>
@@ -9952,7 +10867,6 @@
       </p:par>
     </p:tnLst>
     <p:bldLst>
-      <p:bldP spid="6" grpId="0" animBg="1"/>
       <p:bldP spid="4" grpId="0"/>
     </p:bldLst>
   </p:timing>
@@ -10173,6 +11087,18 @@
   <p:clrMapOvr>
     <a:masterClrMapping/>
   </p:clrMapOvr>
+  <mc:AlternateContent xmlns:mc="http://schemas.openxmlformats.org/markup-compatibility/2006" xmlns:p159="http://schemas.microsoft.com/office/powerpoint/2015/09/main">
+    <mc:Choice Requires="p159">
+      <p:transition xmlns:p14="http://schemas.microsoft.com/office/powerpoint/2010/main" spd="slow" p14:dur="2000">
+        <p159:morph option="byObject"/>
+      </p:transition>
+    </mc:Choice>
+    <mc:Fallback xmlns="">
+      <p:transition spd="slow">
+        <p:fade/>
+      </p:transition>
+    </mc:Fallback>
+  </mc:AlternateContent>
 </p:sld>
 </file>
 
@@ -10262,7 +11188,7 @@
         </p:nvSpPr>
         <p:spPr>
           <a:xfrm>
-            <a:off x="685800" y="2276872"/>
+            <a:off x="685800" y="2485430"/>
             <a:ext cx="7772400" cy="1887141"/>
           </a:xfrm>
           <a:prstGeom prst="rect">
@@ -10298,11 +11224,11 @@
           </a:lstStyle>
           <a:p>
             <a:r>
-              <a:rPr lang="ko-KR" altLang="en-US" sz="4600" spc="-150" dirty="0">
-                <a:solidFill>
-                  <a:schemeClr val="tx1">
-                    <a:lumMod val="50000"/>
-                    <a:lumOff val="50000"/>
+              <a:rPr lang="ko-KR" altLang="en-US" sz="4000" spc="-150" dirty="0">
+                <a:solidFill>
+                  <a:schemeClr val="tx1">
+                    <a:lumMod val="75000"/>
+                    <a:lumOff val="25000"/>
                   </a:schemeClr>
                 </a:solidFill>
                 <a:latin typeface="나눔바른고딕" panose="020B0603020101020101" pitchFamily="50" charset="-127"/>
@@ -10310,11 +11236,11 @@
               </a:rPr>
               <a:t>기분이 좋아지는 문장을</a:t>
             </a:r>
-            <a:endParaRPr lang="en-US" altLang="ko-KR" sz="4600" spc="-150" dirty="0">
+            <a:endParaRPr lang="en-US" altLang="ko-KR" sz="4000" spc="-150" dirty="0">
               <a:solidFill>
                 <a:schemeClr val="tx1">
-                  <a:lumMod val="50000"/>
-                  <a:lumOff val="50000"/>
+                  <a:lumMod val="75000"/>
+                  <a:lumOff val="25000"/>
                 </a:schemeClr>
               </a:solidFill>
               <a:latin typeface="나눔바른고딕" panose="020B0603020101020101" pitchFamily="50" charset="-127"/>
@@ -10323,11 +11249,10 @@
           </a:p>
           <a:p>
             <a:r>
-              <a:rPr lang="en-US" altLang="ko-KR" sz="4600" spc="-150" dirty="0">
-                <a:solidFill>
-                  <a:schemeClr val="tx1">
-                    <a:lumMod val="50000"/>
-                    <a:lumOff val="50000"/>
+              <a:rPr lang="en-US" altLang="ko-KR" sz="4000" spc="-150" dirty="0">
+                <a:solidFill>
+                  <a:schemeClr val="accent6">
+                    <a:lumMod val="75000"/>
                   </a:schemeClr>
                 </a:solidFill>
                 <a:latin typeface="나눔바른고딕" panose="020B0603020101020101" pitchFamily="50" charset="-127"/>
@@ -10336,17 +11261,29 @@
               <a:t>10</a:t>
             </a:r>
             <a:r>
-              <a:rPr lang="ko-KR" altLang="en-US" sz="4600" spc="-150" dirty="0">
-                <a:solidFill>
-                  <a:schemeClr val="tx1">
-                    <a:lumMod val="50000"/>
-                    <a:lumOff val="50000"/>
-                  </a:schemeClr>
-                </a:solidFill>
-                <a:latin typeface="나눔바른고딕" panose="020B0603020101020101" pitchFamily="50" charset="-127"/>
-                <a:ea typeface="나눔바른고딕" panose="020B0603020101020101" pitchFamily="50" charset="-127"/>
-              </a:rPr>
-              <a:t>번 출력해보세요</a:t>
+              <a:rPr lang="ko-KR" altLang="en-US" sz="4000" spc="-150" dirty="0">
+                <a:solidFill>
+                  <a:schemeClr val="accent6">
+                    <a:lumMod val="75000"/>
+                  </a:schemeClr>
+                </a:solidFill>
+                <a:latin typeface="나눔바른고딕" panose="020B0603020101020101" pitchFamily="50" charset="-127"/>
+                <a:ea typeface="나눔바른고딕" panose="020B0603020101020101" pitchFamily="50" charset="-127"/>
+              </a:rPr>
+              <a:t>번</a:t>
+            </a:r>
+            <a:r>
+              <a:rPr lang="ko-KR" altLang="en-US" sz="4000" spc="-150" dirty="0">
+                <a:solidFill>
+                  <a:schemeClr val="tx1">
+                    <a:lumMod val="75000"/>
+                    <a:lumOff val="25000"/>
+                  </a:schemeClr>
+                </a:solidFill>
+                <a:latin typeface="나눔바른고딕" panose="020B0603020101020101" pitchFamily="50" charset="-127"/>
+                <a:ea typeface="나눔바른고딕" panose="020B0603020101020101" pitchFamily="50" charset="-127"/>
+              </a:rPr>
+              <a:t> 출력해보세요</a:t>
             </a:r>
           </a:p>
         </p:txBody>
@@ -10361,6 +11298,18 @@
   <p:clrMapOvr>
     <a:masterClrMapping/>
   </p:clrMapOvr>
+  <mc:AlternateContent xmlns:mc="http://schemas.openxmlformats.org/markup-compatibility/2006" xmlns:p159="http://schemas.microsoft.com/office/powerpoint/2015/09/main">
+    <mc:Choice Requires="p159">
+      <p:transition xmlns:p14="http://schemas.microsoft.com/office/powerpoint/2010/main" spd="slow" p14:dur="2000">
+        <p159:morph option="byObject"/>
+      </p:transition>
+    </mc:Choice>
+    <mc:Fallback xmlns="">
+      <p:transition spd="slow">
+        <p:fade/>
+      </p:transition>
+    </mc:Fallback>
+  </mc:AlternateContent>
   <p:timing>
     <p:tnLst>
       <p:par>
@@ -10541,7 +11490,7 @@
         </p:nvSpPr>
         <p:spPr>
           <a:xfrm>
-            <a:off x="685800" y="1088740"/>
+            <a:off x="726510" y="1088740"/>
             <a:ext cx="7772400" cy="4680520"/>
           </a:xfrm>
           <a:prstGeom prst="rect">
@@ -10585,8 +11534,8 @@
               <a:rPr lang="en-US" altLang="ko-KR" sz="3200" spc="-150" dirty="0">
                 <a:solidFill>
                   <a:schemeClr val="tx1">
-                    <a:lumMod val="50000"/>
-                    <a:lumOff val="50000"/>
+                    <a:lumMod val="75000"/>
+                    <a:lumOff val="25000"/>
                   </a:schemeClr>
                 </a:solidFill>
                 <a:latin typeface="나눔바른고딕" panose="020B0603020101020101" pitchFamily="50" charset="-127"/>
@@ -10598,8 +11547,8 @@
               <a:rPr lang="ko-KR" altLang="en-US" sz="3200" spc="-150" dirty="0">
                 <a:solidFill>
                   <a:schemeClr val="tx1">
-                    <a:lumMod val="50000"/>
-                    <a:lumOff val="50000"/>
+                    <a:lumMod val="75000"/>
+                    <a:lumOff val="25000"/>
                   </a:schemeClr>
                 </a:solidFill>
                 <a:latin typeface="나눔바른고딕" panose="020B0603020101020101" pitchFamily="50" charset="-127"/>
@@ -10611,8 +11560,8 @@
               <a:rPr lang="en-US" altLang="ko-KR" sz="3200" spc="-150" dirty="0">
                 <a:solidFill>
                   <a:schemeClr val="tx1">
-                    <a:lumMod val="50000"/>
-                    <a:lumOff val="50000"/>
+                    <a:lumMod val="75000"/>
+                    <a:lumOff val="25000"/>
                   </a:schemeClr>
                 </a:solidFill>
                 <a:latin typeface="나눔바른고딕" panose="020B0603020101020101" pitchFamily="50" charset="-127"/>
@@ -10624,8 +11573,8 @@
               <a:rPr lang="ko-KR" altLang="en-US" sz="3200" spc="-150" dirty="0">
                 <a:solidFill>
                   <a:schemeClr val="tx1">
-                    <a:lumMod val="50000"/>
-                    <a:lumOff val="50000"/>
+                    <a:lumMod val="75000"/>
+                    <a:lumOff val="25000"/>
                   </a:schemeClr>
                 </a:solidFill>
                 <a:latin typeface="나눔바른고딕" panose="020B0603020101020101" pitchFamily="50" charset="-127"/>
@@ -10637,8 +11586,8 @@
               <a:rPr lang="en-US" altLang="ko-KR" sz="3200" spc="-150" dirty="0">
                 <a:solidFill>
                   <a:schemeClr val="tx1">
-                    <a:lumMod val="50000"/>
-                    <a:lumOff val="50000"/>
+                    <a:lumMod val="75000"/>
+                    <a:lumOff val="25000"/>
                   </a:schemeClr>
                 </a:solidFill>
                 <a:latin typeface="나눔바른고딕" panose="020B0603020101020101" pitchFamily="50" charset="-127"/>
@@ -10657,8 +11606,8 @@
               <a:rPr lang="en-US" altLang="ko-KR" sz="3200" spc="-150" dirty="0">
                 <a:solidFill>
                   <a:schemeClr val="tx1">
-                    <a:lumMod val="50000"/>
-                    <a:lumOff val="50000"/>
+                    <a:lumMod val="75000"/>
+                    <a:lumOff val="25000"/>
                   </a:schemeClr>
                 </a:solidFill>
                 <a:latin typeface="나눔바른고딕" panose="020B0603020101020101" pitchFamily="50" charset="-127"/>
@@ -10670,8 +11619,8 @@
               <a:rPr lang="ko-KR" altLang="en-US" sz="3200" spc="-150" dirty="0">
                 <a:solidFill>
                   <a:schemeClr val="tx1">
-                    <a:lumMod val="50000"/>
-                    <a:lumOff val="50000"/>
+                    <a:lumMod val="75000"/>
+                    <a:lumOff val="25000"/>
                   </a:schemeClr>
                 </a:solidFill>
                 <a:latin typeface="나눔바른고딕" panose="020B0603020101020101" pitchFamily="50" charset="-127"/>
@@ -10683,8 +11632,8 @@
               <a:rPr lang="en-US" altLang="ko-KR" sz="3200" spc="-150" dirty="0">
                 <a:solidFill>
                   <a:schemeClr val="tx1">
-                    <a:lumMod val="50000"/>
-                    <a:lumOff val="50000"/>
+                    <a:lumMod val="75000"/>
+                    <a:lumOff val="25000"/>
                   </a:schemeClr>
                 </a:solidFill>
                 <a:latin typeface="나눔바른고딕" panose="020B0603020101020101" pitchFamily="50" charset="-127"/>
@@ -10696,8 +11645,8 @@
               <a:rPr lang="ko-KR" altLang="en-US" sz="3200" spc="-150" dirty="0">
                 <a:solidFill>
                   <a:schemeClr val="tx1">
-                    <a:lumMod val="50000"/>
-                    <a:lumOff val="50000"/>
+                    <a:lumMod val="75000"/>
+                    <a:lumOff val="25000"/>
                   </a:schemeClr>
                 </a:solidFill>
                 <a:latin typeface="나눔바른고딕" panose="020B0603020101020101" pitchFamily="50" charset="-127"/>
@@ -10709,8 +11658,8 @@
               <a:rPr lang="en-US" altLang="ko-KR" sz="3200" spc="-150" dirty="0">
                 <a:solidFill>
                   <a:schemeClr val="tx1">
-                    <a:lumMod val="50000"/>
-                    <a:lumOff val="50000"/>
+                    <a:lumMod val="75000"/>
+                    <a:lumOff val="25000"/>
                   </a:schemeClr>
                 </a:solidFill>
                 <a:latin typeface="나눔바른고딕" panose="020B0603020101020101" pitchFamily="50" charset="-127"/>
@@ -10729,8 +11678,8 @@
               <a:rPr lang="en-US" altLang="ko-KR" sz="3200" spc="-150" dirty="0">
                 <a:solidFill>
                   <a:schemeClr val="tx1">
-                    <a:lumMod val="50000"/>
-                    <a:lumOff val="50000"/>
+                    <a:lumMod val="75000"/>
+                    <a:lumOff val="25000"/>
                   </a:schemeClr>
                 </a:solidFill>
                 <a:latin typeface="나눔바른고딕" panose="020B0603020101020101" pitchFamily="50" charset="-127"/>
@@ -10742,8 +11691,8 @@
               <a:rPr lang="ko-KR" altLang="en-US" sz="3200" spc="-150" dirty="0">
                 <a:solidFill>
                   <a:schemeClr val="tx1">
-                    <a:lumMod val="50000"/>
-                    <a:lumOff val="50000"/>
+                    <a:lumMod val="75000"/>
+                    <a:lumOff val="25000"/>
                   </a:schemeClr>
                 </a:solidFill>
                 <a:latin typeface="나눔바른고딕" panose="020B0603020101020101" pitchFamily="50" charset="-127"/>
@@ -10755,8 +11704,8 @@
               <a:rPr lang="en-US" altLang="ko-KR" sz="3200" spc="-150" dirty="0">
                 <a:solidFill>
                   <a:schemeClr val="tx1">
-                    <a:lumMod val="50000"/>
-                    <a:lumOff val="50000"/>
+                    <a:lumMod val="75000"/>
+                    <a:lumOff val="25000"/>
                   </a:schemeClr>
                 </a:solidFill>
                 <a:latin typeface="나눔바른고딕" panose="020B0603020101020101" pitchFamily="50" charset="-127"/>
@@ -10768,8 +11717,8 @@
               <a:rPr lang="ko-KR" altLang="en-US" sz="3200" spc="-150" dirty="0">
                 <a:solidFill>
                   <a:schemeClr val="tx1">
-                    <a:lumMod val="50000"/>
-                    <a:lumOff val="50000"/>
+                    <a:lumMod val="75000"/>
+                    <a:lumOff val="25000"/>
                   </a:schemeClr>
                 </a:solidFill>
                 <a:latin typeface="나눔바른고딕" panose="020B0603020101020101" pitchFamily="50" charset="-127"/>
@@ -10781,8 +11730,8 @@
               <a:rPr lang="en-US" altLang="ko-KR" sz="3200" spc="-150" dirty="0">
                 <a:solidFill>
                   <a:schemeClr val="tx1">
-                    <a:lumMod val="50000"/>
-                    <a:lumOff val="50000"/>
+                    <a:lumMod val="75000"/>
+                    <a:lumOff val="25000"/>
                   </a:schemeClr>
                 </a:solidFill>
                 <a:latin typeface="나눔바른고딕" panose="020B0603020101020101" pitchFamily="50" charset="-127"/>
@@ -10801,8 +11750,8 @@
               <a:rPr lang="en-US" altLang="ko-KR" sz="3200" spc="-150" dirty="0">
                 <a:solidFill>
                   <a:schemeClr val="tx1">
-                    <a:lumMod val="50000"/>
-                    <a:lumOff val="50000"/>
+                    <a:lumMod val="75000"/>
+                    <a:lumOff val="25000"/>
                   </a:schemeClr>
                 </a:solidFill>
                 <a:latin typeface="나눔바른고딕" panose="020B0603020101020101" pitchFamily="50" charset="-127"/>
@@ -10814,8 +11763,8 @@
               <a:rPr lang="ko-KR" altLang="en-US" sz="3200" spc="-150" dirty="0">
                 <a:solidFill>
                   <a:schemeClr val="tx1">
-                    <a:lumMod val="50000"/>
-                    <a:lumOff val="50000"/>
+                    <a:lumMod val="75000"/>
+                    <a:lumOff val="25000"/>
                   </a:schemeClr>
                 </a:solidFill>
                 <a:latin typeface="나눔바른고딕" panose="020B0603020101020101" pitchFamily="50" charset="-127"/>
@@ -10827,8 +11776,8 @@
               <a:rPr lang="en-US" altLang="ko-KR" sz="3200" spc="-150" dirty="0">
                 <a:solidFill>
                   <a:schemeClr val="tx1">
-                    <a:lumMod val="50000"/>
-                    <a:lumOff val="50000"/>
+                    <a:lumMod val="75000"/>
+                    <a:lumOff val="25000"/>
                   </a:schemeClr>
                 </a:solidFill>
                 <a:latin typeface="나눔바른고딕" panose="020B0603020101020101" pitchFamily="50" charset="-127"/>
@@ -10840,8 +11789,8 @@
               <a:rPr lang="ko-KR" altLang="en-US" sz="3200" spc="-150" dirty="0">
                 <a:solidFill>
                   <a:schemeClr val="tx1">
-                    <a:lumMod val="50000"/>
-                    <a:lumOff val="50000"/>
+                    <a:lumMod val="75000"/>
+                    <a:lumOff val="25000"/>
                   </a:schemeClr>
                 </a:solidFill>
                 <a:latin typeface="나눔바른고딕" panose="020B0603020101020101" pitchFamily="50" charset="-127"/>
@@ -10853,8 +11802,8 @@
               <a:rPr lang="en-US" altLang="ko-KR" sz="3200" spc="-150" dirty="0">
                 <a:solidFill>
                   <a:schemeClr val="tx1">
-                    <a:lumMod val="50000"/>
-                    <a:lumOff val="50000"/>
+                    <a:lumMod val="75000"/>
+                    <a:lumOff val="25000"/>
                   </a:schemeClr>
                 </a:solidFill>
                 <a:latin typeface="나눔바른고딕" panose="020B0603020101020101" pitchFamily="50" charset="-127"/>
@@ -10865,8 +11814,8 @@
             <a:endParaRPr lang="ko-KR" altLang="en-US" sz="3200" spc="-150" dirty="0">
               <a:solidFill>
                 <a:schemeClr val="tx1">
-                  <a:lumMod val="50000"/>
-                  <a:lumOff val="50000"/>
+                  <a:lumMod val="75000"/>
+                  <a:lumOff val="25000"/>
                 </a:schemeClr>
               </a:solidFill>
               <a:latin typeface="나눔바른고딕" panose="020B0603020101020101" pitchFamily="50" charset="-127"/>
@@ -10883,8 +11832,8 @@
               <a:rPr lang="en-US" altLang="ko-KR" sz="3200" spc="-150" dirty="0">
                 <a:solidFill>
                   <a:schemeClr val="tx1">
-                    <a:lumMod val="50000"/>
-                    <a:lumOff val="50000"/>
+                    <a:lumMod val="75000"/>
+                    <a:lumOff val="25000"/>
                   </a:schemeClr>
                 </a:solidFill>
                 <a:latin typeface="나눔바른고딕" panose="020B0603020101020101" pitchFamily="50" charset="-127"/>
@@ -10896,8 +11845,8 @@
               <a:rPr lang="ko-KR" altLang="en-US" sz="3200" spc="-150" dirty="0">
                 <a:solidFill>
                   <a:schemeClr val="tx1">
-                    <a:lumMod val="50000"/>
-                    <a:lumOff val="50000"/>
+                    <a:lumMod val="75000"/>
+                    <a:lumOff val="25000"/>
                   </a:schemeClr>
                 </a:solidFill>
                 <a:latin typeface="나눔바른고딕" panose="020B0603020101020101" pitchFamily="50" charset="-127"/>
@@ -10909,8 +11858,8 @@
               <a:rPr lang="en-US" altLang="ko-KR" sz="3200" spc="-150" dirty="0">
                 <a:solidFill>
                   <a:schemeClr val="tx1">
-                    <a:lumMod val="50000"/>
-                    <a:lumOff val="50000"/>
+                    <a:lumMod val="75000"/>
+                    <a:lumOff val="25000"/>
                   </a:schemeClr>
                 </a:solidFill>
                 <a:latin typeface="나눔바른고딕" panose="020B0603020101020101" pitchFamily="50" charset="-127"/>
@@ -10922,8 +11871,8 @@
               <a:rPr lang="ko-KR" altLang="en-US" sz="3200" spc="-150" dirty="0">
                 <a:solidFill>
                   <a:schemeClr val="tx1">
-                    <a:lumMod val="50000"/>
-                    <a:lumOff val="50000"/>
+                    <a:lumMod val="75000"/>
+                    <a:lumOff val="25000"/>
                   </a:schemeClr>
                 </a:solidFill>
                 <a:latin typeface="나눔바른고딕" panose="020B0603020101020101" pitchFamily="50" charset="-127"/>
@@ -10935,8 +11884,8 @@
               <a:rPr lang="en-US" altLang="ko-KR" sz="3200" spc="-150" dirty="0">
                 <a:solidFill>
                   <a:schemeClr val="tx1">
-                    <a:lumMod val="50000"/>
-                    <a:lumOff val="50000"/>
+                    <a:lumMod val="75000"/>
+                    <a:lumOff val="25000"/>
                   </a:schemeClr>
                 </a:solidFill>
                 <a:latin typeface="나눔바른고딕" panose="020B0603020101020101" pitchFamily="50" charset="-127"/>
@@ -10947,8 +11896,8 @@
             <a:endParaRPr lang="ko-KR" altLang="en-US" sz="3200" spc="-150" dirty="0">
               <a:solidFill>
                 <a:schemeClr val="tx1">
-                  <a:lumMod val="50000"/>
-                  <a:lumOff val="50000"/>
+                  <a:lumMod val="75000"/>
+                  <a:lumOff val="25000"/>
                 </a:schemeClr>
               </a:solidFill>
               <a:latin typeface="나눔바른고딕" panose="020B0603020101020101" pitchFamily="50" charset="-127"/>
@@ -10965,8 +11914,8 @@
               <a:rPr lang="en-US" altLang="ko-KR" sz="3200" spc="-150" dirty="0">
                 <a:solidFill>
                   <a:schemeClr val="tx1">
-                    <a:lumMod val="50000"/>
-                    <a:lumOff val="50000"/>
+                    <a:lumMod val="75000"/>
+                    <a:lumOff val="25000"/>
                   </a:schemeClr>
                 </a:solidFill>
                 <a:latin typeface="나눔바른고딕" panose="020B0603020101020101" pitchFamily="50" charset="-127"/>
@@ -10978,8 +11927,8 @@
               <a:rPr lang="ko-KR" altLang="en-US" sz="3200" spc="-150" dirty="0">
                 <a:solidFill>
                   <a:schemeClr val="tx1">
-                    <a:lumMod val="50000"/>
-                    <a:lumOff val="50000"/>
+                    <a:lumMod val="75000"/>
+                    <a:lumOff val="25000"/>
                   </a:schemeClr>
                 </a:solidFill>
                 <a:latin typeface="나눔바른고딕" panose="020B0603020101020101" pitchFamily="50" charset="-127"/>
@@ -10991,8 +11940,8 @@
               <a:rPr lang="en-US" altLang="ko-KR" sz="3200" spc="-150" dirty="0">
                 <a:solidFill>
                   <a:schemeClr val="tx1">
-                    <a:lumMod val="50000"/>
-                    <a:lumOff val="50000"/>
+                    <a:lumMod val="75000"/>
+                    <a:lumOff val="25000"/>
                   </a:schemeClr>
                 </a:solidFill>
                 <a:latin typeface="나눔바른고딕" panose="020B0603020101020101" pitchFamily="50" charset="-127"/>
@@ -11004,8 +11953,8 @@
               <a:rPr lang="ko-KR" altLang="en-US" sz="3200" spc="-150" dirty="0">
                 <a:solidFill>
                   <a:schemeClr val="tx1">
-                    <a:lumMod val="50000"/>
-                    <a:lumOff val="50000"/>
+                    <a:lumMod val="75000"/>
+                    <a:lumOff val="25000"/>
                   </a:schemeClr>
                 </a:solidFill>
                 <a:latin typeface="나눔바른고딕" panose="020B0603020101020101" pitchFamily="50" charset="-127"/>
@@ -11017,8 +11966,8 @@
               <a:rPr lang="en-US" altLang="ko-KR" sz="3200" spc="-150" dirty="0">
                 <a:solidFill>
                   <a:schemeClr val="tx1">
-                    <a:lumMod val="50000"/>
-                    <a:lumOff val="50000"/>
+                    <a:lumMod val="75000"/>
+                    <a:lumOff val="25000"/>
                   </a:schemeClr>
                 </a:solidFill>
                 <a:latin typeface="나눔바른고딕" panose="020B0603020101020101" pitchFamily="50" charset="-127"/>
@@ -11029,8 +11978,8 @@
             <a:endParaRPr lang="ko-KR" altLang="en-US" sz="3200" spc="-150" dirty="0">
               <a:solidFill>
                 <a:schemeClr val="tx1">
-                  <a:lumMod val="50000"/>
-                  <a:lumOff val="50000"/>
+                  <a:lumMod val="75000"/>
+                  <a:lumOff val="25000"/>
                 </a:schemeClr>
               </a:solidFill>
               <a:latin typeface="나눔바른고딕" panose="020B0603020101020101" pitchFamily="50" charset="-127"/>
@@ -11047,8 +11996,8 @@
               <a:rPr lang="en-US" altLang="ko-KR" sz="3200" spc="-150" dirty="0">
                 <a:solidFill>
                   <a:schemeClr val="tx1">
-                    <a:lumMod val="50000"/>
-                    <a:lumOff val="50000"/>
+                    <a:lumMod val="75000"/>
+                    <a:lumOff val="25000"/>
                   </a:schemeClr>
                 </a:solidFill>
                 <a:latin typeface="나눔바른고딕" panose="020B0603020101020101" pitchFamily="50" charset="-127"/>
@@ -11060,8 +12009,8 @@
               <a:rPr lang="ko-KR" altLang="en-US" sz="3200" spc="-150" dirty="0">
                 <a:solidFill>
                   <a:schemeClr val="tx1">
-                    <a:lumMod val="50000"/>
-                    <a:lumOff val="50000"/>
+                    <a:lumMod val="75000"/>
+                    <a:lumOff val="25000"/>
                   </a:schemeClr>
                 </a:solidFill>
                 <a:latin typeface="나눔바른고딕" panose="020B0603020101020101" pitchFamily="50" charset="-127"/>
@@ -11073,8 +12022,8 @@
               <a:rPr lang="en-US" altLang="ko-KR" sz="3200" spc="-150" dirty="0">
                 <a:solidFill>
                   <a:schemeClr val="tx1">
-                    <a:lumMod val="50000"/>
-                    <a:lumOff val="50000"/>
+                    <a:lumMod val="75000"/>
+                    <a:lumOff val="25000"/>
                   </a:schemeClr>
                 </a:solidFill>
                 <a:latin typeface="나눔바른고딕" panose="020B0603020101020101" pitchFamily="50" charset="-127"/>
@@ -11086,8 +12035,8 @@
               <a:rPr lang="ko-KR" altLang="en-US" sz="3200" spc="-150" dirty="0">
                 <a:solidFill>
                   <a:schemeClr val="tx1">
-                    <a:lumMod val="50000"/>
-                    <a:lumOff val="50000"/>
+                    <a:lumMod val="75000"/>
+                    <a:lumOff val="25000"/>
                   </a:schemeClr>
                 </a:solidFill>
                 <a:latin typeface="나눔바른고딕" panose="020B0603020101020101" pitchFamily="50" charset="-127"/>
@@ -11099,8 +12048,8 @@
               <a:rPr lang="en-US" altLang="ko-KR" sz="3200" spc="-150" dirty="0">
                 <a:solidFill>
                   <a:schemeClr val="tx1">
-                    <a:lumMod val="50000"/>
-                    <a:lumOff val="50000"/>
+                    <a:lumMod val="75000"/>
+                    <a:lumOff val="25000"/>
                   </a:schemeClr>
                 </a:solidFill>
                 <a:latin typeface="나눔바른고딕" panose="020B0603020101020101" pitchFamily="50" charset="-127"/>
@@ -11111,8 +12060,8 @@
             <a:endParaRPr lang="ko-KR" altLang="en-US" sz="3200" spc="-150" dirty="0">
               <a:solidFill>
                 <a:schemeClr val="tx1">
-                  <a:lumMod val="50000"/>
-                  <a:lumOff val="50000"/>
+                  <a:lumMod val="75000"/>
+                  <a:lumOff val="25000"/>
                 </a:schemeClr>
               </a:solidFill>
               <a:latin typeface="나눔바른고딕" panose="020B0603020101020101" pitchFamily="50" charset="-127"/>
@@ -11129,8 +12078,8 @@
               <a:rPr lang="en-US" altLang="ko-KR" sz="3200" spc="-150" dirty="0">
                 <a:solidFill>
                   <a:schemeClr val="tx1">
-                    <a:lumMod val="50000"/>
-                    <a:lumOff val="50000"/>
+                    <a:lumMod val="75000"/>
+                    <a:lumOff val="25000"/>
                   </a:schemeClr>
                 </a:solidFill>
                 <a:latin typeface="나눔바른고딕" panose="020B0603020101020101" pitchFamily="50" charset="-127"/>
@@ -11142,8 +12091,8 @@
               <a:rPr lang="ko-KR" altLang="en-US" sz="3200" spc="-150" dirty="0">
                 <a:solidFill>
                   <a:schemeClr val="tx1">
-                    <a:lumMod val="50000"/>
-                    <a:lumOff val="50000"/>
+                    <a:lumMod val="75000"/>
+                    <a:lumOff val="25000"/>
                   </a:schemeClr>
                 </a:solidFill>
                 <a:latin typeface="나눔바른고딕" panose="020B0603020101020101" pitchFamily="50" charset="-127"/>
@@ -11155,8 +12104,8 @@
               <a:rPr lang="en-US" altLang="ko-KR" sz="3200" spc="-150" dirty="0">
                 <a:solidFill>
                   <a:schemeClr val="tx1">
-                    <a:lumMod val="50000"/>
-                    <a:lumOff val="50000"/>
+                    <a:lumMod val="75000"/>
+                    <a:lumOff val="25000"/>
                   </a:schemeClr>
                 </a:solidFill>
                 <a:latin typeface="나눔바른고딕" panose="020B0603020101020101" pitchFamily="50" charset="-127"/>
@@ -11168,8 +12117,8 @@
               <a:rPr lang="ko-KR" altLang="en-US" sz="3200" spc="-150" dirty="0">
                 <a:solidFill>
                   <a:schemeClr val="tx1">
-                    <a:lumMod val="50000"/>
-                    <a:lumOff val="50000"/>
+                    <a:lumMod val="75000"/>
+                    <a:lumOff val="25000"/>
                   </a:schemeClr>
                 </a:solidFill>
                 <a:latin typeface="나눔바른고딕" panose="020B0603020101020101" pitchFamily="50" charset="-127"/>
@@ -11181,8 +12130,8 @@
               <a:rPr lang="en-US" altLang="ko-KR" sz="3200" spc="-150" dirty="0">
                 <a:solidFill>
                   <a:schemeClr val="tx1">
-                    <a:lumMod val="50000"/>
-                    <a:lumOff val="50000"/>
+                    <a:lumMod val="75000"/>
+                    <a:lumOff val="25000"/>
                   </a:schemeClr>
                 </a:solidFill>
                 <a:latin typeface="나눔바른고딕" panose="020B0603020101020101" pitchFamily="50" charset="-127"/>
@@ -11193,8 +12142,8 @@
             <a:endParaRPr lang="ko-KR" altLang="en-US" sz="3200" spc="-150" dirty="0">
               <a:solidFill>
                 <a:schemeClr val="tx1">
-                  <a:lumMod val="50000"/>
-                  <a:lumOff val="50000"/>
+                  <a:lumMod val="75000"/>
+                  <a:lumOff val="25000"/>
                 </a:schemeClr>
               </a:solidFill>
               <a:latin typeface="나눔바른고딕" panose="020B0603020101020101" pitchFamily="50" charset="-127"/>
@@ -11211,8 +12160,8 @@
               <a:rPr lang="en-US" altLang="ko-KR" sz="3200" spc="-150" dirty="0">
                 <a:solidFill>
                   <a:schemeClr val="tx1">
-                    <a:lumMod val="50000"/>
-                    <a:lumOff val="50000"/>
+                    <a:lumMod val="75000"/>
+                    <a:lumOff val="25000"/>
                   </a:schemeClr>
                 </a:solidFill>
                 <a:latin typeface="나눔바른고딕" panose="020B0603020101020101" pitchFamily="50" charset="-127"/>
@@ -11224,8 +12173,8 @@
               <a:rPr lang="ko-KR" altLang="en-US" sz="3200" spc="-150" dirty="0">
                 <a:solidFill>
                   <a:schemeClr val="tx1">
-                    <a:lumMod val="50000"/>
-                    <a:lumOff val="50000"/>
+                    <a:lumMod val="75000"/>
+                    <a:lumOff val="25000"/>
                   </a:schemeClr>
                 </a:solidFill>
                 <a:latin typeface="나눔바른고딕" panose="020B0603020101020101" pitchFamily="50" charset="-127"/>
@@ -11237,8 +12186,8 @@
               <a:rPr lang="en-US" altLang="ko-KR" sz="3200" spc="-150" dirty="0">
                 <a:solidFill>
                   <a:schemeClr val="tx1">
-                    <a:lumMod val="50000"/>
-                    <a:lumOff val="50000"/>
+                    <a:lumMod val="75000"/>
+                    <a:lumOff val="25000"/>
                   </a:schemeClr>
                 </a:solidFill>
                 <a:latin typeface="나눔바른고딕" panose="020B0603020101020101" pitchFamily="50" charset="-127"/>
@@ -11250,8 +12199,8 @@
               <a:rPr lang="ko-KR" altLang="en-US" sz="3200" spc="-150" dirty="0">
                 <a:solidFill>
                   <a:schemeClr val="tx1">
-                    <a:lumMod val="50000"/>
-                    <a:lumOff val="50000"/>
+                    <a:lumMod val="75000"/>
+                    <a:lumOff val="25000"/>
                   </a:schemeClr>
                 </a:solidFill>
                 <a:latin typeface="나눔바른고딕" panose="020B0603020101020101" pitchFamily="50" charset="-127"/>
@@ -11263,8 +12212,8 @@
               <a:rPr lang="en-US" altLang="ko-KR" sz="3200" spc="-150" dirty="0">
                 <a:solidFill>
                   <a:schemeClr val="tx1">
-                    <a:lumMod val="50000"/>
-                    <a:lumOff val="50000"/>
+                    <a:lumMod val="75000"/>
+                    <a:lumOff val="25000"/>
                   </a:schemeClr>
                 </a:solidFill>
                 <a:latin typeface="나눔바른고딕" panose="020B0603020101020101" pitchFamily="50" charset="-127"/>
@@ -11275,8 +12224,8 @@
             <a:endParaRPr lang="ko-KR" altLang="en-US" sz="3200" spc="-150" dirty="0">
               <a:solidFill>
                 <a:schemeClr val="tx1">
-                  <a:lumMod val="50000"/>
-                  <a:lumOff val="50000"/>
+                  <a:lumMod val="75000"/>
+                  <a:lumOff val="25000"/>
                 </a:schemeClr>
               </a:solidFill>
               <a:latin typeface="나눔바른고딕" panose="020B0603020101020101" pitchFamily="50" charset="-127"/>
@@ -11293,8 +12242,8 @@
               <a:rPr lang="en-US" altLang="ko-KR" sz="3200" spc="-150" dirty="0">
                 <a:solidFill>
                   <a:schemeClr val="tx1">
-                    <a:lumMod val="50000"/>
-                    <a:lumOff val="50000"/>
+                    <a:lumMod val="75000"/>
+                    <a:lumOff val="25000"/>
                   </a:schemeClr>
                 </a:solidFill>
                 <a:latin typeface="나눔바른고딕" panose="020B0603020101020101" pitchFamily="50" charset="-127"/>
@@ -11306,8 +12255,8 @@
               <a:rPr lang="ko-KR" altLang="en-US" sz="3200" spc="-150" dirty="0">
                 <a:solidFill>
                   <a:schemeClr val="tx1">
-                    <a:lumMod val="50000"/>
-                    <a:lumOff val="50000"/>
+                    <a:lumMod val="75000"/>
+                    <a:lumOff val="25000"/>
                   </a:schemeClr>
                 </a:solidFill>
                 <a:latin typeface="나눔바른고딕" panose="020B0603020101020101" pitchFamily="50" charset="-127"/>
@@ -11319,8 +12268,8 @@
               <a:rPr lang="en-US" altLang="ko-KR" sz="3200" spc="-150" dirty="0">
                 <a:solidFill>
                   <a:schemeClr val="tx1">
-                    <a:lumMod val="50000"/>
-                    <a:lumOff val="50000"/>
+                    <a:lumMod val="75000"/>
+                    <a:lumOff val="25000"/>
                   </a:schemeClr>
                 </a:solidFill>
                 <a:latin typeface="나눔바른고딕" panose="020B0603020101020101" pitchFamily="50" charset="-127"/>
@@ -11332,8 +12281,8 @@
               <a:rPr lang="ko-KR" altLang="en-US" sz="3200" spc="-150" dirty="0">
                 <a:solidFill>
                   <a:schemeClr val="tx1">
-                    <a:lumMod val="50000"/>
-                    <a:lumOff val="50000"/>
+                    <a:lumMod val="75000"/>
+                    <a:lumOff val="25000"/>
                   </a:schemeClr>
                 </a:solidFill>
                 <a:latin typeface="나눔바른고딕" panose="020B0603020101020101" pitchFamily="50" charset="-127"/>
@@ -11345,8 +12294,8 @@
               <a:rPr lang="en-US" altLang="ko-KR" sz="3200" spc="-150" dirty="0">
                 <a:solidFill>
                   <a:schemeClr val="tx1">
-                    <a:lumMod val="50000"/>
-                    <a:lumOff val="50000"/>
+                    <a:lumMod val="75000"/>
+                    <a:lumOff val="25000"/>
                   </a:schemeClr>
                 </a:solidFill>
                 <a:latin typeface="나눔바른고딕" panose="020B0603020101020101" pitchFamily="50" charset="-127"/>
@@ -11367,6 +12316,18 @@
   <p:clrMapOvr>
     <a:masterClrMapping/>
   </p:clrMapOvr>
+  <mc:AlternateContent xmlns:mc="http://schemas.openxmlformats.org/markup-compatibility/2006" xmlns:p159="http://schemas.microsoft.com/office/powerpoint/2015/09/main">
+    <mc:Choice Requires="p159">
+      <p:transition xmlns:p14="http://schemas.microsoft.com/office/powerpoint/2010/main" spd="slow" p14:dur="2000">
+        <p159:morph option="byObject"/>
+      </p:transition>
+    </mc:Choice>
+    <mc:Fallback xmlns="">
+      <p:transition spd="slow">
+        <p:fade/>
+      </p:transition>
+    </mc:Fallback>
+  </mc:AlternateContent>
   <p:timing>
     <p:tnLst>
       <p:par>
@@ -11577,6 +12538,18 @@
   <p:clrMapOvr>
     <a:masterClrMapping/>
   </p:clrMapOvr>
+  <mc:AlternateContent xmlns:mc="http://schemas.openxmlformats.org/markup-compatibility/2006" xmlns:p159="http://schemas.microsoft.com/office/powerpoint/2015/09/main">
+    <mc:Choice Requires="p159">
+      <p:transition xmlns:p14="http://schemas.microsoft.com/office/powerpoint/2010/main" spd="slow" p14:dur="2000">
+        <p159:morph option="byObject"/>
+      </p:transition>
+    </mc:Choice>
+    <mc:Fallback xmlns="">
+      <p:transition spd="slow">
+        <p:fade/>
+      </p:transition>
+    </mc:Fallback>
+  </mc:AlternateContent>
   <p:timing>
     <p:tnLst>
       <p:par>
@@ -11706,7 +12679,7 @@
         </p:nvSpPr>
         <p:spPr>
           <a:xfrm>
-            <a:off x="685800" y="2492896"/>
+            <a:off x="685800" y="2693988"/>
             <a:ext cx="7772400" cy="1470025"/>
           </a:xfrm>
           <a:prstGeom prst="rect">
@@ -11757,7 +12730,7 @@
         </p:nvSpPr>
         <p:spPr>
           <a:xfrm>
-            <a:off x="685800" y="2276872"/>
+            <a:off x="685800" y="2485430"/>
             <a:ext cx="7772400" cy="1887141"/>
           </a:xfrm>
           <a:prstGeom prst="rect">
@@ -11773,7 +12746,7 @@
         </p:spPr>
         <p:txBody>
           <a:bodyPr vert="horz" lIns="91440" tIns="45720" rIns="91440" bIns="45720" rtlCol="0" anchor="ctr">
-            <a:normAutofit fontScale="85000" lnSpcReduction="10000"/>
+            <a:normAutofit/>
           </a:bodyPr>
           <a:lstStyle>
             <a:lvl1pPr algn="ctr" defTabSz="914400" rtl="0" eaLnBrk="1" latinLnBrk="1" hangingPunct="1">
@@ -11793,11 +12766,11 @@
           </a:lstStyle>
           <a:p>
             <a:r>
-              <a:rPr lang="ko-KR" altLang="en-US" sz="5400" spc="-150" dirty="0">
-                <a:solidFill>
-                  <a:schemeClr val="tx1">
-                    <a:lumMod val="50000"/>
-                    <a:lumOff val="50000"/>
+              <a:rPr lang="ko-KR" altLang="en-US" sz="4000" spc="-150" dirty="0">
+                <a:solidFill>
+                  <a:schemeClr val="tx1">
+                    <a:lumMod val="75000"/>
+                    <a:lumOff val="25000"/>
                   </a:schemeClr>
                 </a:solidFill>
                 <a:latin typeface="나눔바른고딕" panose="020B0603020101020101" pitchFamily="50" charset="-127"/>
@@ -11806,11 +12779,11 @@
               <a:t>이번엔</a:t>
             </a:r>
             <a:r>
-              <a:rPr lang="en-US" altLang="ko-KR" sz="5400" spc="-150" dirty="0">
-                <a:solidFill>
-                  <a:schemeClr val="tx1">
-                    <a:lumMod val="50000"/>
-                    <a:lumOff val="50000"/>
+              <a:rPr lang="en-US" altLang="ko-KR" sz="4000" spc="-150" dirty="0">
+                <a:solidFill>
+                  <a:schemeClr val="tx1">
+                    <a:lumMod val="75000"/>
+                    <a:lumOff val="25000"/>
                   </a:schemeClr>
                 </a:solidFill>
                 <a:latin typeface="나눔바른고딕" panose="020B0603020101020101" pitchFamily="50" charset="-127"/>
@@ -11819,11 +12792,11 @@
               <a:t>, </a:t>
             </a:r>
             <a:r>
-              <a:rPr lang="ko-KR" altLang="en-US" sz="5400" spc="-150" dirty="0">
-                <a:solidFill>
-                  <a:schemeClr val="tx1">
-                    <a:lumMod val="50000"/>
-                    <a:lumOff val="50000"/>
+              <a:rPr lang="ko-KR" altLang="en-US" sz="4000" spc="-150" dirty="0">
+                <a:solidFill>
+                  <a:schemeClr val="tx1">
+                    <a:lumMod val="75000"/>
+                    <a:lumOff val="25000"/>
                   </a:schemeClr>
                 </a:solidFill>
                 <a:latin typeface="나눔바른고딕" panose="020B0603020101020101" pitchFamily="50" charset="-127"/>
@@ -11831,11 +12804,11 @@
               </a:rPr>
               <a:t>기분이 좋아지는 문장을</a:t>
             </a:r>
-            <a:endParaRPr lang="en-US" altLang="ko-KR" sz="5400" spc="-150" dirty="0">
+            <a:endParaRPr lang="en-US" altLang="ko-KR" sz="4000" spc="-150" dirty="0">
               <a:solidFill>
                 <a:schemeClr val="tx1">
-                  <a:lumMod val="50000"/>
-                  <a:lumOff val="50000"/>
+                  <a:lumMod val="75000"/>
+                  <a:lumOff val="25000"/>
                 </a:schemeClr>
               </a:solidFill>
               <a:latin typeface="나눔바른고딕" panose="020B0603020101020101" pitchFamily="50" charset="-127"/>
@@ -11844,11 +12817,10 @@
           </a:p>
           <a:p>
             <a:r>
-              <a:rPr lang="en-US" altLang="ko-KR" sz="5400" spc="-150" dirty="0">
-                <a:solidFill>
-                  <a:schemeClr val="tx1">
-                    <a:lumMod val="50000"/>
-                    <a:lumOff val="50000"/>
+              <a:rPr lang="en-US" altLang="ko-KR" sz="4000" spc="-150" dirty="0">
+                <a:solidFill>
+                  <a:schemeClr val="accent6">
+                    <a:lumMod val="75000"/>
                   </a:schemeClr>
                 </a:solidFill>
                 <a:latin typeface="나눔바른고딕" panose="020B0603020101020101" pitchFamily="50" charset="-127"/>
@@ -11857,17 +12829,29 @@
               <a:t>3000</a:t>
             </a:r>
             <a:r>
-              <a:rPr lang="ko-KR" altLang="en-US" sz="5400" spc="-150" dirty="0">
-                <a:solidFill>
-                  <a:schemeClr val="tx1">
-                    <a:lumMod val="50000"/>
-                    <a:lumOff val="50000"/>
-                  </a:schemeClr>
-                </a:solidFill>
-                <a:latin typeface="나눔바른고딕" panose="020B0603020101020101" pitchFamily="50" charset="-127"/>
-                <a:ea typeface="나눔바른고딕" panose="020B0603020101020101" pitchFamily="50" charset="-127"/>
-              </a:rPr>
-              <a:t>번 출력해보세요</a:t>
+              <a:rPr lang="ko-KR" altLang="en-US" sz="4000" spc="-150" dirty="0">
+                <a:solidFill>
+                  <a:schemeClr val="accent6">
+                    <a:lumMod val="75000"/>
+                  </a:schemeClr>
+                </a:solidFill>
+                <a:latin typeface="나눔바른고딕" panose="020B0603020101020101" pitchFamily="50" charset="-127"/>
+                <a:ea typeface="나눔바른고딕" panose="020B0603020101020101" pitchFamily="50" charset="-127"/>
+              </a:rPr>
+              <a:t>번</a:t>
+            </a:r>
+            <a:r>
+              <a:rPr lang="ko-KR" altLang="en-US" sz="4000" spc="-150" dirty="0">
+                <a:solidFill>
+                  <a:schemeClr val="tx1">
+                    <a:lumMod val="75000"/>
+                    <a:lumOff val="25000"/>
+                  </a:schemeClr>
+                </a:solidFill>
+                <a:latin typeface="나눔바른고딕" panose="020B0603020101020101" pitchFamily="50" charset="-127"/>
+                <a:ea typeface="나눔바른고딕" panose="020B0603020101020101" pitchFamily="50" charset="-127"/>
+              </a:rPr>
+              <a:t> 출력해보세요</a:t>
             </a:r>
           </a:p>
         </p:txBody>
@@ -11882,6 +12866,18 @@
   <p:clrMapOvr>
     <a:masterClrMapping/>
   </p:clrMapOvr>
+  <mc:AlternateContent xmlns:mc="http://schemas.openxmlformats.org/markup-compatibility/2006" xmlns:p159="http://schemas.microsoft.com/office/powerpoint/2015/09/main">
+    <mc:Choice Requires="p159">
+      <p:transition xmlns:p14="http://schemas.microsoft.com/office/powerpoint/2010/main" spd="slow" p14:dur="2000">
+        <p159:morph option="byObject"/>
+      </p:transition>
+    </mc:Choice>
+    <mc:Fallback xmlns="">
+      <p:transition spd="slow">
+        <p:fade/>
+      </p:transition>
+    </mc:Fallback>
+  </mc:AlternateContent>
   <p:timing>
     <p:tnLst>
       <p:par>
@@ -12062,7 +13058,7 @@
         </p:nvSpPr>
         <p:spPr>
           <a:xfrm>
-            <a:off x="685800" y="2276872"/>
+            <a:off x="685800" y="2485430"/>
             <a:ext cx="7772400" cy="1887141"/>
           </a:xfrm>
           <a:prstGeom prst="rect">
@@ -12098,24 +13094,76 @@
           </a:lstStyle>
           <a:p>
             <a:r>
-              <a:rPr lang="ko-KR" altLang="en-US" sz="4600" spc="-150" dirty="0">
-                <a:solidFill>
-                  <a:schemeClr val="tx1">
-                    <a:lumMod val="50000"/>
-                    <a:lumOff val="50000"/>
-                  </a:schemeClr>
-                </a:solidFill>
-                <a:latin typeface="나눔바른고딕" panose="020B0603020101020101" pitchFamily="50" charset="-127"/>
-                <a:ea typeface="나눔바른고딕" panose="020B0603020101020101" pitchFamily="50" charset="-127"/>
-              </a:rPr>
-              <a:t>너무 귀찮습니다</a:t>
-            </a:r>
-            <a:r>
-              <a:rPr lang="en-US" altLang="ko-KR" sz="4600" spc="-150" dirty="0">
-                <a:solidFill>
-                  <a:schemeClr val="tx1">
-                    <a:lumMod val="50000"/>
-                    <a:lumOff val="50000"/>
+              <a:rPr lang="ko-KR" altLang="en-US" sz="4000" spc="-150" dirty="0">
+                <a:solidFill>
+                  <a:schemeClr val="tx1">
+                    <a:lumMod val="75000"/>
+                    <a:lumOff val="25000"/>
+                  </a:schemeClr>
+                </a:solidFill>
+                <a:latin typeface="나눔바른고딕" panose="020B0603020101020101" pitchFamily="50" charset="-127"/>
+                <a:ea typeface="나눔바른고딕" panose="020B0603020101020101" pitchFamily="50" charset="-127"/>
+              </a:rPr>
+              <a:t>반복은 너무 </a:t>
+            </a:r>
+            <a:r>
+              <a:rPr lang="ko-KR" altLang="en-US" sz="4000" spc="-150" dirty="0">
+                <a:solidFill>
+                  <a:schemeClr val="accent6">
+                    <a:lumMod val="75000"/>
+                  </a:schemeClr>
+                </a:solidFill>
+                <a:latin typeface="나눔바른고딕" panose="020B0603020101020101" pitchFamily="50" charset="-127"/>
+                <a:ea typeface="나눔바른고딕" panose="020B0603020101020101" pitchFamily="50" charset="-127"/>
+              </a:rPr>
+              <a:t>귀찮습니다</a:t>
+            </a:r>
+            <a:r>
+              <a:rPr lang="en-US" altLang="ko-KR" sz="4000" spc="-150" dirty="0">
+                <a:solidFill>
+                  <a:schemeClr val="accent6">
+                    <a:lumMod val="75000"/>
+                  </a:schemeClr>
+                </a:solidFill>
+                <a:latin typeface="나눔바른고딕" panose="020B0603020101020101" pitchFamily="50" charset="-127"/>
+                <a:ea typeface="나눔바른고딕" panose="020B0603020101020101" pitchFamily="50" charset="-127"/>
+              </a:rPr>
+              <a:t>.</a:t>
+            </a:r>
+            <a:r>
+              <a:rPr lang="en-US" altLang="ko-KR" sz="4000" spc="-150" dirty="0">
+                <a:solidFill>
+                  <a:schemeClr val="tx1">
+                    <a:lumMod val="75000"/>
+                    <a:lumOff val="25000"/>
+                  </a:schemeClr>
+                </a:solidFill>
+                <a:latin typeface="나눔바른고딕" panose="020B0603020101020101" pitchFamily="50" charset="-127"/>
+                <a:ea typeface="나눔바른고딕" panose="020B0603020101020101" pitchFamily="50" charset="-127"/>
+              </a:rPr>
+              <a:t> </a:t>
+            </a:r>
+          </a:p>
+          <a:p>
+            <a:r>
+              <a:rPr lang="ko-KR" altLang="en-US" sz="4000" spc="-150" dirty="0">
+                <a:solidFill>
+                  <a:schemeClr val="tx1">
+                    <a:lumMod val="75000"/>
+                    <a:lumOff val="25000"/>
+                  </a:schemeClr>
+                </a:solidFill>
+                <a:latin typeface="나눔바른고딕" panose="020B0603020101020101" pitchFamily="50" charset="-127"/>
+                <a:ea typeface="나눔바른고딕" panose="020B0603020101020101" pitchFamily="50" charset="-127"/>
+              </a:rPr>
+              <a:t>반복은 귀찮아요</a:t>
+            </a:r>
+            <a:r>
+              <a:rPr lang="en-US" altLang="ko-KR" sz="4000" spc="-150" dirty="0">
+                <a:solidFill>
+                  <a:schemeClr val="tx1">
+                    <a:lumMod val="75000"/>
+                    <a:lumOff val="25000"/>
                   </a:schemeClr>
                 </a:solidFill>
                 <a:latin typeface="나눔바른고딕" panose="020B0603020101020101" pitchFamily="50" charset="-127"/>
@@ -12123,40 +13171,12 @@
               </a:rPr>
               <a:t>. </a:t>
             </a:r>
-          </a:p>
-          <a:p>
-            <a:r>
-              <a:rPr lang="ko-KR" altLang="en-US" sz="4600" spc="-150" dirty="0">
-                <a:solidFill>
-                  <a:schemeClr val="tx1">
-                    <a:lumMod val="50000"/>
-                    <a:lumOff val="50000"/>
-                  </a:schemeClr>
-                </a:solidFill>
-                <a:latin typeface="나눔바른고딕" panose="020B0603020101020101" pitchFamily="50" charset="-127"/>
-                <a:ea typeface="나눔바른고딕" panose="020B0603020101020101" pitchFamily="50" charset="-127"/>
-              </a:rPr>
-              <a:t>반복은 귀찮아요</a:t>
-            </a:r>
-            <a:r>
-              <a:rPr lang="en-US" altLang="ko-KR" sz="4600" spc="-150" dirty="0">
-                <a:solidFill>
-                  <a:schemeClr val="tx1">
-                    <a:lumMod val="50000"/>
-                    <a:lumOff val="50000"/>
-                  </a:schemeClr>
-                </a:solidFill>
-                <a:latin typeface="나눔바른고딕" panose="020B0603020101020101" pitchFamily="50" charset="-127"/>
-                <a:ea typeface="나눔바른고딕" panose="020B0603020101020101" pitchFamily="50" charset="-127"/>
-              </a:rPr>
-              <a:t>. </a:t>
-            </a:r>
-            <a:r>
-              <a:rPr lang="ko-KR" altLang="en-US" sz="4600" spc="-150" dirty="0">
-                <a:solidFill>
-                  <a:schemeClr val="tx1">
-                    <a:lumMod val="50000"/>
-                    <a:lumOff val="50000"/>
+            <a:r>
+              <a:rPr lang="ko-KR" altLang="en-US" sz="4000" spc="-150" dirty="0">
+                <a:solidFill>
+                  <a:schemeClr val="tx1">
+                    <a:lumMod val="75000"/>
+                    <a:lumOff val="25000"/>
                   </a:schemeClr>
                 </a:solidFill>
                 <a:latin typeface="나눔바른고딕" panose="020B0603020101020101" pitchFamily="50" charset="-127"/>
@@ -12165,11 +13185,11 @@
               <a:t>그렇죠</a:t>
             </a:r>
             <a:r>
-              <a:rPr lang="en-US" altLang="ko-KR" sz="4600" spc="-150" dirty="0">
-                <a:solidFill>
-                  <a:schemeClr val="tx1">
-                    <a:lumMod val="50000"/>
-                    <a:lumOff val="50000"/>
+              <a:rPr lang="en-US" altLang="ko-KR" sz="4000" spc="-150" dirty="0">
+                <a:solidFill>
+                  <a:schemeClr val="tx1">
+                    <a:lumMod val="75000"/>
+                    <a:lumOff val="25000"/>
                   </a:schemeClr>
                 </a:solidFill>
                 <a:latin typeface="나눔바른고딕" panose="020B0603020101020101" pitchFamily="50" charset="-127"/>
@@ -12177,11 +13197,11 @@
               </a:rPr>
               <a:t>?</a:t>
             </a:r>
-            <a:endParaRPr lang="ko-KR" altLang="en-US" sz="4600" spc="-150" dirty="0">
+            <a:endParaRPr lang="ko-KR" altLang="en-US" sz="4000" spc="-150" dirty="0">
               <a:solidFill>
                 <a:schemeClr val="tx1">
-                  <a:lumMod val="50000"/>
-                  <a:lumOff val="50000"/>
+                  <a:lumMod val="75000"/>
+                  <a:lumOff val="25000"/>
                 </a:schemeClr>
               </a:solidFill>
               <a:latin typeface="나눔바른고딕" panose="020B0603020101020101" pitchFamily="50" charset="-127"/>
@@ -12200,6 +13220,18 @@
   <p:clrMapOvr>
     <a:masterClrMapping/>
   </p:clrMapOvr>
+  <mc:AlternateContent xmlns:mc="http://schemas.openxmlformats.org/markup-compatibility/2006" xmlns:p159="http://schemas.microsoft.com/office/powerpoint/2015/09/main">
+    <mc:Choice Requires="p159">
+      <p:transition xmlns:p14="http://schemas.microsoft.com/office/powerpoint/2010/main" spd="slow" p14:dur="2000">
+        <p159:morph option="byObject"/>
+      </p:transition>
+    </mc:Choice>
+    <mc:Fallback xmlns="">
+      <p:transition spd="slow">
+        <p:fade/>
+      </p:transition>
+    </mc:Fallback>
+  </mc:AlternateContent>
   <p:timing>
     <p:tnLst>
       <p:par>
@@ -12380,7 +13412,7 @@
         </p:nvSpPr>
         <p:spPr>
           <a:xfrm>
-            <a:off x="685800" y="2276872"/>
+            <a:off x="685800" y="2485430"/>
             <a:ext cx="7772400" cy="1887141"/>
           </a:xfrm>
           <a:prstGeom prst="rect">
@@ -12416,11 +13448,11 @@
           </a:lstStyle>
           <a:p>
             <a:r>
-              <a:rPr lang="ko-KR" altLang="en-US" sz="4600" spc="-150" dirty="0" err="1">
-                <a:solidFill>
-                  <a:schemeClr val="tx1">
-                    <a:lumMod val="50000"/>
-                    <a:lumOff val="50000"/>
+              <a:rPr lang="ko-KR" altLang="en-US" sz="4000" spc="-150" dirty="0" err="1">
+                <a:solidFill>
+                  <a:schemeClr val="tx1">
+                    <a:lumMod val="75000"/>
+                    <a:lumOff val="25000"/>
                   </a:schemeClr>
                 </a:solidFill>
                 <a:latin typeface="나눔바른고딕" panose="020B0603020101020101" pitchFamily="50" charset="-127"/>
@@ -12429,11 +13461,11 @@
               <a:t>파이썬으로</a:t>
             </a:r>
             <a:r>
-              <a:rPr lang="ko-KR" altLang="en-US" sz="4600" spc="-150" dirty="0">
-                <a:solidFill>
-                  <a:schemeClr val="tx1">
-                    <a:lumMod val="50000"/>
-                    <a:lumOff val="50000"/>
+              <a:rPr lang="ko-KR" altLang="en-US" sz="4000" spc="-150" dirty="0">
+                <a:solidFill>
+                  <a:schemeClr val="tx1">
+                    <a:lumMod val="75000"/>
+                    <a:lumOff val="25000"/>
                   </a:schemeClr>
                 </a:solidFill>
                 <a:latin typeface="나눔바른고딕" panose="020B0603020101020101" pitchFamily="50" charset="-127"/>
@@ -12442,11 +13474,10 @@
               <a:t> 단 </a:t>
             </a:r>
             <a:r>
-              <a:rPr lang="en-US" altLang="ko-KR" sz="4600" spc="-150" dirty="0">
-                <a:solidFill>
-                  <a:schemeClr val="tx1">
-                    <a:lumMod val="50000"/>
-                    <a:lumOff val="50000"/>
+              <a:rPr lang="en-US" altLang="ko-KR" sz="4000" spc="-150" dirty="0">
+                <a:solidFill>
+                  <a:schemeClr val="accent6">
+                    <a:lumMod val="75000"/>
                   </a:schemeClr>
                 </a:solidFill>
                 <a:latin typeface="나눔바른고딕" panose="020B0603020101020101" pitchFamily="50" charset="-127"/>
@@ -12455,23 +13486,35 @@
               <a:t>2</a:t>
             </a:r>
             <a:r>
-              <a:rPr lang="ko-KR" altLang="en-US" sz="4600" spc="-150" dirty="0" err="1">
-                <a:solidFill>
-                  <a:schemeClr val="tx1">
-                    <a:lumMod val="50000"/>
-                    <a:lumOff val="50000"/>
-                  </a:schemeClr>
-                </a:solidFill>
-                <a:latin typeface="나눔바른고딕" panose="020B0603020101020101" pitchFamily="50" charset="-127"/>
-                <a:ea typeface="나눔바른고딕" panose="020B0603020101020101" pitchFamily="50" charset="-127"/>
-              </a:rPr>
-              <a:t>줄만에</a:t>
-            </a:r>
-            <a:endParaRPr lang="en-US" altLang="ko-KR" sz="4600" spc="-150" dirty="0">
+              <a:rPr lang="ko-KR" altLang="en-US" sz="4000" spc="-150" dirty="0" err="1">
+                <a:solidFill>
+                  <a:schemeClr val="accent6">
+                    <a:lumMod val="75000"/>
+                  </a:schemeClr>
+                </a:solidFill>
+                <a:latin typeface="나눔바른고딕" panose="020B0603020101020101" pitchFamily="50" charset="-127"/>
+                <a:ea typeface="나눔바른고딕" panose="020B0603020101020101" pitchFamily="50" charset="-127"/>
+              </a:rPr>
+              <a:t>줄</a:t>
+            </a:r>
+            <a:r>
+              <a:rPr lang="ko-KR" altLang="en-US" sz="4000" spc="-150" dirty="0" err="1">
+                <a:solidFill>
+                  <a:schemeClr val="tx1">
+                    <a:lumMod val="75000"/>
+                    <a:lumOff val="25000"/>
+                  </a:schemeClr>
+                </a:solidFill>
+                <a:latin typeface="나눔바른고딕" panose="020B0603020101020101" pitchFamily="50" charset="-127"/>
+                <a:ea typeface="나눔바른고딕" panose="020B0603020101020101" pitchFamily="50" charset="-127"/>
+              </a:rPr>
+              <a:t>만에</a:t>
+            </a:r>
+            <a:endParaRPr lang="en-US" altLang="ko-KR" sz="4000" spc="-150" dirty="0">
               <a:solidFill>
                 <a:schemeClr val="tx1">
-                  <a:lumMod val="50000"/>
-                  <a:lumOff val="50000"/>
+                  <a:lumMod val="75000"/>
+                  <a:lumOff val="25000"/>
                 </a:schemeClr>
               </a:solidFill>
               <a:latin typeface="나눔바른고딕" panose="020B0603020101020101" pitchFamily="50" charset="-127"/>
@@ -12480,11 +13523,11 @@
           </a:p>
           <a:p>
             <a:r>
-              <a:rPr lang="ko-KR" altLang="en-US" sz="4600" spc="-150" dirty="0">
-                <a:solidFill>
-                  <a:schemeClr val="tx1">
-                    <a:lumMod val="50000"/>
-                    <a:lumOff val="50000"/>
+              <a:rPr lang="ko-KR" altLang="en-US" sz="4000" spc="-150" dirty="0">
+                <a:solidFill>
+                  <a:schemeClr val="tx1">
+                    <a:lumMod val="75000"/>
+                    <a:lumOff val="25000"/>
                   </a:schemeClr>
                 </a:solidFill>
                 <a:latin typeface="나눔바른고딕" panose="020B0603020101020101" pitchFamily="50" charset="-127"/>
@@ -12493,11 +13536,11 @@
               <a:t>해결이 가능합니다</a:t>
             </a:r>
             <a:r>
-              <a:rPr lang="en-US" altLang="ko-KR" sz="4600" spc="-150" dirty="0">
-                <a:solidFill>
-                  <a:schemeClr val="tx1">
-                    <a:lumMod val="50000"/>
-                    <a:lumOff val="50000"/>
+              <a:rPr lang="en-US" altLang="ko-KR" sz="4000" spc="-150" dirty="0">
+                <a:solidFill>
+                  <a:schemeClr val="tx1">
+                    <a:lumMod val="75000"/>
+                    <a:lumOff val="25000"/>
                   </a:schemeClr>
                 </a:solidFill>
                 <a:latin typeface="나눔바른고딕" panose="020B0603020101020101" pitchFamily="50" charset="-127"/>
@@ -12505,11 +13548,11 @@
               </a:rPr>
               <a:t>.</a:t>
             </a:r>
-            <a:endParaRPr lang="ko-KR" altLang="en-US" sz="4600" spc="-150" dirty="0">
+            <a:endParaRPr lang="ko-KR" altLang="en-US" sz="4000" spc="-150" dirty="0">
               <a:solidFill>
                 <a:schemeClr val="tx1">
-                  <a:lumMod val="50000"/>
-                  <a:lumOff val="50000"/>
+                  <a:lumMod val="75000"/>
+                  <a:lumOff val="25000"/>
                 </a:schemeClr>
               </a:solidFill>
               <a:latin typeface="나눔바른고딕" panose="020B0603020101020101" pitchFamily="50" charset="-127"/>
@@ -12528,6 +13571,18 @@
   <p:clrMapOvr>
     <a:masterClrMapping/>
   </p:clrMapOvr>
+  <mc:AlternateContent xmlns:mc="http://schemas.openxmlformats.org/markup-compatibility/2006" xmlns:p159="http://schemas.microsoft.com/office/powerpoint/2015/09/main">
+    <mc:Choice Requires="p159">
+      <p:transition xmlns:p14="http://schemas.microsoft.com/office/powerpoint/2010/main" spd="slow" p14:dur="2000">
+        <p159:morph option="byObject"/>
+      </p:transition>
+    </mc:Choice>
+    <mc:Fallback xmlns="">
+      <p:transition spd="slow">
+        <p:fade/>
+      </p:transition>
+    </mc:Fallback>
+  </mc:AlternateContent>
   <p:timing>
     <p:tnLst>
       <p:par>
@@ -12748,8 +13803,8 @@
               <a:rPr lang="en-US" altLang="ko-KR" sz="4000" spc="-150" dirty="0">
                 <a:solidFill>
                   <a:schemeClr val="tx1">
-                    <a:lumMod val="50000"/>
-                    <a:lumOff val="50000"/>
+                    <a:lumMod val="75000"/>
+                    <a:lumOff val="25000"/>
                   </a:schemeClr>
                 </a:solidFill>
                 <a:latin typeface="나눔바른고딕" panose="020B0603020101020101" pitchFamily="50" charset="-127"/>
@@ -12761,8 +13816,8 @@
               <a:rPr lang="en-US" altLang="ko-KR" sz="4000" spc="-150" dirty="0" err="1">
                 <a:solidFill>
                   <a:schemeClr val="tx1">
-                    <a:lumMod val="50000"/>
-                    <a:lumOff val="50000"/>
+                    <a:lumMod val="75000"/>
+                    <a:lumOff val="25000"/>
                   </a:schemeClr>
                 </a:solidFill>
                 <a:latin typeface="나눔바른고딕" panose="020B0603020101020101" pitchFamily="50" charset="-127"/>
@@ -12774,8 +13829,8 @@
               <a:rPr lang="en-US" altLang="ko-KR" sz="4000" spc="-150" dirty="0">
                 <a:solidFill>
                   <a:schemeClr val="tx1">
-                    <a:lumMod val="50000"/>
-                    <a:lumOff val="50000"/>
+                    <a:lumMod val="75000"/>
+                    <a:lumOff val="25000"/>
                   </a:schemeClr>
                 </a:solidFill>
                 <a:latin typeface="나눔바른고딕" panose="020B0603020101020101" pitchFamily="50" charset="-127"/>
@@ -12790,8 +13845,8 @@
               <a:rPr lang="en-US" altLang="ko-KR" sz="4000" spc="-150" dirty="0">
                 <a:solidFill>
                   <a:schemeClr val="tx1">
-                    <a:lumMod val="50000"/>
-                    <a:lumOff val="50000"/>
+                    <a:lumMod val="75000"/>
+                    <a:lumOff val="25000"/>
                   </a:schemeClr>
                 </a:solidFill>
                 <a:latin typeface="나눔바른고딕" panose="020B0603020101020101" pitchFamily="50" charset="-127"/>
@@ -12803,8 +13858,8 @@
               <a:rPr lang="ko-KR" altLang="en-US" sz="4000" spc="-150" dirty="0">
                 <a:solidFill>
                   <a:schemeClr val="tx1">
-                    <a:lumMod val="50000"/>
-                    <a:lumOff val="50000"/>
+                    <a:lumMod val="75000"/>
+                    <a:lumOff val="25000"/>
                   </a:schemeClr>
                 </a:solidFill>
                 <a:latin typeface="나눔바른고딕" panose="020B0603020101020101" pitchFamily="50" charset="-127"/>
@@ -12816,8 +13871,8 @@
               <a:rPr lang="en-US" altLang="ko-KR" sz="4000" spc="-150" dirty="0">
                 <a:solidFill>
                   <a:schemeClr val="tx1">
-                    <a:lumMod val="50000"/>
-                    <a:lumOff val="50000"/>
+                    <a:lumMod val="75000"/>
+                    <a:lumOff val="25000"/>
                   </a:schemeClr>
                 </a:solidFill>
                 <a:latin typeface="나눔바른고딕" panose="020B0603020101020101" pitchFamily="50" charset="-127"/>
@@ -12829,8 +13884,8 @@
               <a:rPr lang="ko-KR" altLang="en-US" sz="4000" spc="-150" dirty="0">
                 <a:solidFill>
                   <a:schemeClr val="tx1">
-                    <a:lumMod val="50000"/>
-                    <a:lumOff val="50000"/>
+                    <a:lumMod val="75000"/>
+                    <a:lumOff val="25000"/>
                   </a:schemeClr>
                 </a:solidFill>
                 <a:latin typeface="나눔바른고딕" panose="020B0603020101020101" pitchFamily="50" charset="-127"/>
@@ -12842,8 +13897,8 @@
               <a:rPr lang="en-US" altLang="ko-KR" sz="4000" spc="-150" dirty="0">
                 <a:solidFill>
                   <a:schemeClr val="tx1">
-                    <a:lumMod val="50000"/>
-                    <a:lumOff val="50000"/>
+                    <a:lumMod val="75000"/>
+                    <a:lumOff val="25000"/>
                   </a:schemeClr>
                 </a:solidFill>
                 <a:latin typeface="나눔바른고딕" panose="020B0603020101020101" pitchFamily="50" charset="-127"/>
@@ -12854,8 +13909,8 @@
             <a:endParaRPr lang="ko-KR" altLang="en-US" sz="4000" spc="-150" dirty="0">
               <a:solidFill>
                 <a:schemeClr val="tx1">
-                  <a:lumMod val="50000"/>
-                  <a:lumOff val="50000"/>
+                  <a:lumMod val="75000"/>
+                  <a:lumOff val="25000"/>
                 </a:schemeClr>
               </a:solidFill>
               <a:latin typeface="나눔바른고딕" panose="020B0603020101020101" pitchFamily="50" charset="-127"/>
@@ -12874,6 +13929,18 @@
   <p:clrMapOvr>
     <a:masterClrMapping/>
   </p:clrMapOvr>
+  <mc:AlternateContent xmlns:mc="http://schemas.openxmlformats.org/markup-compatibility/2006" xmlns:p159="http://schemas.microsoft.com/office/powerpoint/2015/09/main">
+    <mc:Choice Requires="p159">
+      <p:transition xmlns:p14="http://schemas.microsoft.com/office/powerpoint/2010/main" spd="slow" p14:dur="2000">
+        <p159:morph option="byObject"/>
+      </p:transition>
+    </mc:Choice>
+    <mc:Fallback xmlns="">
+      <p:transition spd="slow">
+        <p:fade/>
+      </p:transition>
+    </mc:Fallback>
+  </mc:AlternateContent>
   <p:timing>
     <p:tnLst>
       <p:par>
